--- a/about_me.pptx
+++ b/about_me.pptx
@@ -5,7 +5,7 @@
     <p:sldMasterId id="2147483648" r:id="rId1"/>
   </p:sldMasterIdLst>
   <p:notesMasterIdLst>
-    <p:notesMasterId r:id="rId10"/>
+    <p:notesMasterId r:id="rId9"/>
   </p:notesMasterIdLst>
   <p:sldIdLst>
     <p:sldId id="256" r:id="rId2"/>
@@ -15,7 +15,6 @@
     <p:sldId id="262" r:id="rId6"/>
     <p:sldId id="261" r:id="rId7"/>
     <p:sldId id="260" r:id="rId8"/>
-    <p:sldId id="259" r:id="rId9"/>
   </p:sldIdLst>
   <p:sldSz cx="12192000" cy="6858000"/>
   <p:notesSz cx="6858000" cy="9144000"/>
@@ -114,7 +113,2655 @@
       </a:defRPr>
     </a:lvl9pPr>
   </p:defaultTextStyle>
+  <p:extLst>
+    <p:ext uri="{EFAFB233-063F-42B5-8137-9DF3F51BA10A}">
+      <p15:sldGuideLst xmlns:p15="http://schemas.microsoft.com/office/powerpoint/2012/main"/>
+    </p:ext>
+  </p:extLst>
 </p:presentation>
+</file>
+
+<file path=ppt/diagrams/colors1.xml><?xml version="1.0" encoding="utf-8"?>
+<dgm:colorsDef xmlns:dgm="http://schemas.openxmlformats.org/drawingml/2006/diagram" xmlns:a="http://schemas.openxmlformats.org/drawingml/2006/main" uniqueId="urn:microsoft.com/office/officeart/2018/5/colors/Iconchunking_neutralbg_accent1_2">
+  <dgm:title val=""/>
+  <dgm:desc val=""/>
+  <dgm:catLst>
+    <dgm:cat type="accent1" pri="11200"/>
+  </dgm:catLst>
+  <dgm:styleLbl name="node0">
+    <dgm:fillClrLst meth="repeat">
+      <a:schemeClr val="accent1"/>
+    </dgm:fillClrLst>
+    <dgm:linClrLst meth="repeat">
+      <a:schemeClr val="lt1"/>
+    </dgm:linClrLst>
+    <dgm:effectClrLst/>
+    <dgm:txLinClrLst/>
+    <dgm:txFillClrLst/>
+    <dgm:txEffectClrLst/>
+  </dgm:styleLbl>
+  <dgm:styleLbl name="alignNode1">
+    <dgm:fillClrLst meth="repeat">
+      <a:schemeClr val="accent1"/>
+    </dgm:fillClrLst>
+    <dgm:linClrLst meth="repeat">
+      <a:schemeClr val="accent1"/>
+    </dgm:linClrLst>
+    <dgm:effectClrLst/>
+    <dgm:txLinClrLst/>
+    <dgm:txFillClrLst/>
+    <dgm:txEffectClrLst/>
+  </dgm:styleLbl>
+  <dgm:styleLbl name="node1">
+    <dgm:fillClrLst meth="repeat">
+      <a:schemeClr val="accent1"/>
+    </dgm:fillClrLst>
+    <dgm:linClrLst meth="repeat">
+      <a:schemeClr val="lt1">
+        <a:alpha val="0"/>
+      </a:schemeClr>
+    </dgm:linClrLst>
+    <dgm:effectClrLst/>
+    <dgm:txLinClrLst/>
+    <dgm:txFillClrLst/>
+    <dgm:txEffectClrLst/>
+  </dgm:styleLbl>
+  <dgm:styleLbl name="lnNode1">
+    <dgm:fillClrLst meth="repeat">
+      <a:schemeClr val="accent1"/>
+    </dgm:fillClrLst>
+    <dgm:linClrLst meth="repeat">
+      <a:schemeClr val="lt1"/>
+    </dgm:linClrLst>
+    <dgm:effectClrLst/>
+    <dgm:txLinClrLst/>
+    <dgm:txFillClrLst/>
+    <dgm:txEffectClrLst/>
+  </dgm:styleLbl>
+  <dgm:styleLbl name="vennNode1">
+    <dgm:fillClrLst meth="repeat">
+      <a:schemeClr val="accent1">
+        <a:alpha val="50000"/>
+      </a:schemeClr>
+    </dgm:fillClrLst>
+    <dgm:linClrLst meth="repeat">
+      <a:schemeClr val="lt1"/>
+    </dgm:linClrLst>
+    <dgm:effectClrLst/>
+    <dgm:txLinClrLst/>
+    <dgm:txFillClrLst/>
+    <dgm:txEffectClrLst/>
+  </dgm:styleLbl>
+  <dgm:styleLbl name="node2">
+    <dgm:fillClrLst meth="repeat">
+      <a:schemeClr val="accent1"/>
+    </dgm:fillClrLst>
+    <dgm:linClrLst meth="repeat">
+      <a:schemeClr val="lt1"/>
+    </dgm:linClrLst>
+    <dgm:effectClrLst/>
+    <dgm:txLinClrLst/>
+    <dgm:txFillClrLst/>
+    <dgm:txEffectClrLst/>
+  </dgm:styleLbl>
+  <dgm:styleLbl name="node3">
+    <dgm:fillClrLst meth="repeat">
+      <a:schemeClr val="accent1"/>
+    </dgm:fillClrLst>
+    <dgm:linClrLst meth="repeat">
+      <a:schemeClr val="lt1"/>
+    </dgm:linClrLst>
+    <dgm:effectClrLst/>
+    <dgm:txLinClrLst/>
+    <dgm:txFillClrLst/>
+    <dgm:txEffectClrLst/>
+  </dgm:styleLbl>
+  <dgm:styleLbl name="node4">
+    <dgm:fillClrLst meth="repeat">
+      <a:schemeClr val="accent1"/>
+    </dgm:fillClrLst>
+    <dgm:linClrLst meth="repeat">
+      <a:schemeClr val="lt1"/>
+    </dgm:linClrLst>
+    <dgm:effectClrLst/>
+    <dgm:txLinClrLst/>
+    <dgm:txFillClrLst/>
+    <dgm:txEffectClrLst/>
+  </dgm:styleLbl>
+  <dgm:styleLbl name="fgImgPlace1">
+    <dgm:fillClrLst meth="repeat">
+      <a:schemeClr val="accent1">
+        <a:tint val="50000"/>
+      </a:schemeClr>
+    </dgm:fillClrLst>
+    <dgm:linClrLst meth="repeat">
+      <a:schemeClr val="lt1"/>
+    </dgm:linClrLst>
+    <dgm:effectClrLst/>
+    <dgm:txLinClrLst/>
+    <dgm:txFillClrLst meth="repeat">
+      <a:schemeClr val="lt1"/>
+    </dgm:txFillClrLst>
+    <dgm:txEffectClrLst/>
+  </dgm:styleLbl>
+  <dgm:styleLbl name="alignImgPlace1">
+    <dgm:fillClrLst meth="repeat">
+      <a:schemeClr val="accent1">
+        <a:tint val="50000"/>
+      </a:schemeClr>
+    </dgm:fillClrLst>
+    <dgm:linClrLst meth="repeat">
+      <a:schemeClr val="lt1"/>
+    </dgm:linClrLst>
+    <dgm:effectClrLst/>
+    <dgm:txLinClrLst/>
+    <dgm:txFillClrLst meth="repeat">
+      <a:schemeClr val="lt1"/>
+    </dgm:txFillClrLst>
+    <dgm:txEffectClrLst/>
+  </dgm:styleLbl>
+  <dgm:styleLbl name="bgImgPlace1">
+    <dgm:fillClrLst meth="repeat">
+      <a:schemeClr val="accent1">
+        <a:tint val="50000"/>
+      </a:schemeClr>
+    </dgm:fillClrLst>
+    <dgm:linClrLst meth="repeat">
+      <a:schemeClr val="lt1"/>
+    </dgm:linClrLst>
+    <dgm:effectClrLst/>
+    <dgm:txLinClrLst/>
+    <dgm:txFillClrLst meth="repeat">
+      <a:schemeClr val="lt1"/>
+    </dgm:txFillClrLst>
+    <dgm:txEffectClrLst/>
+  </dgm:styleLbl>
+  <dgm:styleLbl name="sibTrans2D1">
+    <dgm:fillClrLst meth="repeat">
+      <a:schemeClr val="accent1">
+        <a:tint val="60000"/>
+      </a:schemeClr>
+    </dgm:fillClrLst>
+    <dgm:linClrLst meth="repeat">
+      <a:schemeClr val="accent1">
+        <a:tint val="60000"/>
+      </a:schemeClr>
+    </dgm:linClrLst>
+    <dgm:effectClrLst/>
+    <dgm:txLinClrLst/>
+    <dgm:txFillClrLst/>
+    <dgm:txEffectClrLst/>
+  </dgm:styleLbl>
+  <dgm:styleLbl name="fgSibTrans2D1">
+    <dgm:fillClrLst meth="repeat">
+      <a:schemeClr val="accent1">
+        <a:tint val="60000"/>
+      </a:schemeClr>
+    </dgm:fillClrLst>
+    <dgm:linClrLst meth="repeat">
+      <a:schemeClr val="accent1">
+        <a:tint val="60000"/>
+      </a:schemeClr>
+    </dgm:linClrLst>
+    <dgm:effectClrLst/>
+    <dgm:txLinClrLst/>
+    <dgm:txFillClrLst/>
+    <dgm:txEffectClrLst/>
+  </dgm:styleLbl>
+  <dgm:styleLbl name="bgSibTrans2D1">
+    <dgm:fillClrLst meth="repeat">
+      <a:schemeClr val="accent1">
+        <a:tint val="60000"/>
+      </a:schemeClr>
+    </dgm:fillClrLst>
+    <dgm:linClrLst meth="repeat">
+      <a:schemeClr val="accent1">
+        <a:tint val="60000"/>
+      </a:schemeClr>
+    </dgm:linClrLst>
+    <dgm:effectClrLst/>
+    <dgm:txLinClrLst/>
+    <dgm:txFillClrLst/>
+    <dgm:txEffectClrLst/>
+  </dgm:styleLbl>
+  <dgm:styleLbl name="sibTrans1D1">
+    <dgm:fillClrLst meth="repeat">
+      <a:schemeClr val="accent1"/>
+    </dgm:fillClrLst>
+    <dgm:linClrLst meth="repeat">
+      <a:schemeClr val="accent1"/>
+    </dgm:linClrLst>
+    <dgm:effectClrLst/>
+    <dgm:txLinClrLst/>
+    <dgm:txFillClrLst meth="repeat">
+      <a:schemeClr val="tx1"/>
+    </dgm:txFillClrLst>
+    <dgm:txEffectClrLst/>
+  </dgm:styleLbl>
+  <dgm:styleLbl name="callout">
+    <dgm:fillClrLst meth="repeat">
+      <a:schemeClr val="accent1"/>
+    </dgm:fillClrLst>
+    <dgm:linClrLst meth="repeat">
+      <a:schemeClr val="accent1">
+        <a:tint val="50000"/>
+      </a:schemeClr>
+    </dgm:linClrLst>
+    <dgm:effectClrLst/>
+    <dgm:txLinClrLst/>
+    <dgm:txFillClrLst meth="repeat">
+      <a:schemeClr val="tx1"/>
+    </dgm:txFillClrLst>
+    <dgm:txEffectClrLst/>
+  </dgm:styleLbl>
+  <dgm:styleLbl name="asst0">
+    <dgm:fillClrLst meth="repeat">
+      <a:schemeClr val="accent1"/>
+    </dgm:fillClrLst>
+    <dgm:linClrLst meth="repeat">
+      <a:schemeClr val="lt1"/>
+    </dgm:linClrLst>
+    <dgm:effectClrLst/>
+    <dgm:txLinClrLst/>
+    <dgm:txFillClrLst/>
+    <dgm:txEffectClrLst/>
+  </dgm:styleLbl>
+  <dgm:styleLbl name="asst1">
+    <dgm:fillClrLst meth="repeat">
+      <a:schemeClr val="accent1"/>
+    </dgm:fillClrLst>
+    <dgm:linClrLst meth="repeat">
+      <a:schemeClr val="lt1"/>
+    </dgm:linClrLst>
+    <dgm:effectClrLst/>
+    <dgm:txLinClrLst/>
+    <dgm:txFillClrLst/>
+    <dgm:txEffectClrLst/>
+  </dgm:styleLbl>
+  <dgm:styleLbl name="asst2">
+    <dgm:fillClrLst meth="repeat">
+      <a:schemeClr val="accent1"/>
+    </dgm:fillClrLst>
+    <dgm:linClrLst meth="repeat">
+      <a:schemeClr val="lt1"/>
+    </dgm:linClrLst>
+    <dgm:effectClrLst/>
+    <dgm:txLinClrLst/>
+    <dgm:txFillClrLst/>
+    <dgm:txEffectClrLst/>
+  </dgm:styleLbl>
+  <dgm:styleLbl name="asst3">
+    <dgm:fillClrLst meth="repeat">
+      <a:schemeClr val="accent1"/>
+    </dgm:fillClrLst>
+    <dgm:linClrLst meth="repeat">
+      <a:schemeClr val="lt1"/>
+    </dgm:linClrLst>
+    <dgm:effectClrLst/>
+    <dgm:txLinClrLst/>
+    <dgm:txFillClrLst/>
+    <dgm:txEffectClrLst/>
+  </dgm:styleLbl>
+  <dgm:styleLbl name="asst4">
+    <dgm:fillClrLst meth="repeat">
+      <a:schemeClr val="accent1"/>
+    </dgm:fillClrLst>
+    <dgm:linClrLst meth="repeat">
+      <a:schemeClr val="lt1"/>
+    </dgm:linClrLst>
+    <dgm:effectClrLst/>
+    <dgm:txLinClrLst/>
+    <dgm:txFillClrLst/>
+    <dgm:txEffectClrLst/>
+  </dgm:styleLbl>
+  <dgm:styleLbl name="parChTrans2D1">
+    <dgm:fillClrLst meth="repeat">
+      <a:schemeClr val="accent1">
+        <a:tint val="60000"/>
+      </a:schemeClr>
+    </dgm:fillClrLst>
+    <dgm:linClrLst meth="repeat">
+      <a:schemeClr val="accent1">
+        <a:tint val="60000"/>
+      </a:schemeClr>
+    </dgm:linClrLst>
+    <dgm:effectClrLst/>
+    <dgm:txLinClrLst/>
+    <dgm:txFillClrLst meth="repeat">
+      <a:schemeClr val="lt1"/>
+    </dgm:txFillClrLst>
+    <dgm:txEffectClrLst/>
+  </dgm:styleLbl>
+  <dgm:styleLbl name="parChTrans2D2">
+    <dgm:fillClrLst meth="repeat">
+      <a:schemeClr val="accent1"/>
+    </dgm:fillClrLst>
+    <dgm:linClrLst meth="repeat">
+      <a:schemeClr val="accent1"/>
+    </dgm:linClrLst>
+    <dgm:effectClrLst/>
+    <dgm:txLinClrLst/>
+    <dgm:txFillClrLst meth="repeat">
+      <a:schemeClr val="lt1"/>
+    </dgm:txFillClrLst>
+    <dgm:txEffectClrLst/>
+  </dgm:styleLbl>
+  <dgm:styleLbl name="parChTrans2D3">
+    <dgm:fillClrLst meth="repeat">
+      <a:schemeClr val="accent1"/>
+    </dgm:fillClrLst>
+    <dgm:linClrLst meth="repeat">
+      <a:schemeClr val="accent1"/>
+    </dgm:linClrLst>
+    <dgm:effectClrLst/>
+    <dgm:txLinClrLst/>
+    <dgm:txFillClrLst meth="repeat">
+      <a:schemeClr val="lt1"/>
+    </dgm:txFillClrLst>
+    <dgm:txEffectClrLst/>
+  </dgm:styleLbl>
+  <dgm:styleLbl name="parChTrans2D4">
+    <dgm:fillClrLst meth="repeat">
+      <a:schemeClr val="accent1"/>
+    </dgm:fillClrLst>
+    <dgm:linClrLst meth="repeat">
+      <a:schemeClr val="accent1"/>
+    </dgm:linClrLst>
+    <dgm:effectClrLst/>
+    <dgm:txLinClrLst/>
+    <dgm:txFillClrLst meth="repeat">
+      <a:schemeClr val="lt1"/>
+    </dgm:txFillClrLst>
+    <dgm:txEffectClrLst/>
+  </dgm:styleLbl>
+  <dgm:styleLbl name="parChTrans1D1">
+    <dgm:fillClrLst meth="repeat">
+      <a:schemeClr val="accent1"/>
+    </dgm:fillClrLst>
+    <dgm:linClrLst meth="repeat">
+      <a:schemeClr val="accent1">
+        <a:shade val="60000"/>
+      </a:schemeClr>
+    </dgm:linClrLst>
+    <dgm:effectClrLst/>
+    <dgm:txLinClrLst/>
+    <dgm:txFillClrLst meth="repeat">
+      <a:schemeClr val="tx1"/>
+    </dgm:txFillClrLst>
+    <dgm:txEffectClrLst/>
+  </dgm:styleLbl>
+  <dgm:styleLbl name="parChTrans1D2">
+    <dgm:fillClrLst meth="repeat">
+      <a:schemeClr val="accent1"/>
+    </dgm:fillClrLst>
+    <dgm:linClrLst meth="repeat">
+      <a:schemeClr val="accent1">
+        <a:shade val="60000"/>
+      </a:schemeClr>
+    </dgm:linClrLst>
+    <dgm:effectClrLst/>
+    <dgm:txLinClrLst/>
+    <dgm:txFillClrLst meth="repeat">
+      <a:schemeClr val="tx1"/>
+    </dgm:txFillClrLst>
+    <dgm:txEffectClrLst/>
+  </dgm:styleLbl>
+  <dgm:styleLbl name="parChTrans1D3">
+    <dgm:fillClrLst meth="repeat">
+      <a:schemeClr val="accent1"/>
+    </dgm:fillClrLst>
+    <dgm:linClrLst meth="repeat">
+      <a:schemeClr val="accent1">
+        <a:shade val="80000"/>
+      </a:schemeClr>
+    </dgm:linClrLst>
+    <dgm:effectClrLst/>
+    <dgm:txLinClrLst/>
+    <dgm:txFillClrLst meth="repeat">
+      <a:schemeClr val="tx1"/>
+    </dgm:txFillClrLst>
+    <dgm:txEffectClrLst/>
+  </dgm:styleLbl>
+  <dgm:styleLbl name="parChTrans1D4">
+    <dgm:fillClrLst meth="repeat">
+      <a:schemeClr val="accent1"/>
+    </dgm:fillClrLst>
+    <dgm:linClrLst meth="repeat">
+      <a:schemeClr val="accent1">
+        <a:shade val="80000"/>
+      </a:schemeClr>
+    </dgm:linClrLst>
+    <dgm:effectClrLst/>
+    <dgm:txLinClrLst/>
+    <dgm:txFillClrLst meth="repeat">
+      <a:schemeClr val="tx1"/>
+    </dgm:txFillClrLst>
+    <dgm:txEffectClrLst/>
+  </dgm:styleLbl>
+  <dgm:styleLbl name="fgAcc1">
+    <dgm:fillClrLst meth="repeat">
+      <a:schemeClr val="lt1">
+        <a:alpha val="90000"/>
+      </a:schemeClr>
+    </dgm:fillClrLst>
+    <dgm:linClrLst meth="repeat">
+      <a:schemeClr val="accent1"/>
+    </dgm:linClrLst>
+    <dgm:effectClrLst/>
+    <dgm:txLinClrLst/>
+    <dgm:txFillClrLst meth="repeat">
+      <a:schemeClr val="dk1"/>
+    </dgm:txFillClrLst>
+    <dgm:txEffectClrLst/>
+  </dgm:styleLbl>
+  <dgm:styleLbl name="conFgAcc1">
+    <dgm:fillClrLst meth="repeat">
+      <a:schemeClr val="lt1">
+        <a:alpha val="90000"/>
+      </a:schemeClr>
+    </dgm:fillClrLst>
+    <dgm:linClrLst meth="repeat">
+      <a:schemeClr val="accent1"/>
+    </dgm:linClrLst>
+    <dgm:effectClrLst/>
+    <dgm:txLinClrLst/>
+    <dgm:txFillClrLst meth="repeat">
+      <a:schemeClr val="dk1"/>
+    </dgm:txFillClrLst>
+    <dgm:txEffectClrLst/>
+  </dgm:styleLbl>
+  <dgm:styleLbl name="alignAcc1">
+    <dgm:fillClrLst meth="repeat">
+      <a:schemeClr val="lt1">
+        <a:alpha val="90000"/>
+      </a:schemeClr>
+    </dgm:fillClrLst>
+    <dgm:linClrLst meth="repeat">
+      <a:schemeClr val="accent1"/>
+    </dgm:linClrLst>
+    <dgm:effectClrLst/>
+    <dgm:txLinClrLst/>
+    <dgm:txFillClrLst meth="repeat">
+      <a:schemeClr val="dk1"/>
+    </dgm:txFillClrLst>
+    <dgm:txEffectClrLst/>
+  </dgm:styleLbl>
+  <dgm:styleLbl name="trAlignAcc1">
+    <dgm:fillClrLst meth="repeat">
+      <a:schemeClr val="lt1">
+        <a:alpha val="40000"/>
+      </a:schemeClr>
+    </dgm:fillClrLst>
+    <dgm:linClrLst meth="repeat">
+      <a:schemeClr val="accent1"/>
+    </dgm:linClrLst>
+    <dgm:effectClrLst/>
+    <dgm:txLinClrLst/>
+    <dgm:txFillClrLst meth="repeat">
+      <a:schemeClr val="dk1"/>
+    </dgm:txFillClrLst>
+    <dgm:txEffectClrLst/>
+  </dgm:styleLbl>
+  <dgm:styleLbl name="bgAcc1">
+    <dgm:fillClrLst meth="repeat">
+      <a:schemeClr val="lt1">
+        <a:alpha val="90000"/>
+      </a:schemeClr>
+    </dgm:fillClrLst>
+    <dgm:linClrLst meth="repeat">
+      <a:schemeClr val="accent1"/>
+    </dgm:linClrLst>
+    <dgm:effectClrLst/>
+    <dgm:txLinClrLst/>
+    <dgm:txFillClrLst meth="repeat">
+      <a:schemeClr val="dk1"/>
+    </dgm:txFillClrLst>
+    <dgm:txEffectClrLst/>
+  </dgm:styleLbl>
+  <dgm:styleLbl name="solidFgAcc1">
+    <dgm:fillClrLst meth="repeat">
+      <a:schemeClr val="lt1"/>
+    </dgm:fillClrLst>
+    <dgm:linClrLst meth="repeat">
+      <a:schemeClr val="accent1"/>
+    </dgm:linClrLst>
+    <dgm:effectClrLst/>
+    <dgm:txLinClrLst/>
+    <dgm:txFillClrLst meth="repeat">
+      <a:schemeClr val="dk1"/>
+    </dgm:txFillClrLst>
+    <dgm:txEffectClrLst/>
+  </dgm:styleLbl>
+  <dgm:styleLbl name="solidAlignAcc1">
+    <dgm:fillClrLst meth="repeat">
+      <a:schemeClr val="lt1"/>
+    </dgm:fillClrLst>
+    <dgm:linClrLst meth="repeat">
+      <a:schemeClr val="accent1"/>
+    </dgm:linClrLst>
+    <dgm:effectClrLst/>
+    <dgm:txLinClrLst/>
+    <dgm:txFillClrLst meth="repeat">
+      <a:schemeClr val="dk1"/>
+    </dgm:txFillClrLst>
+    <dgm:txEffectClrLst/>
+  </dgm:styleLbl>
+  <dgm:styleLbl name="solidBgAcc1">
+    <dgm:fillClrLst meth="repeat">
+      <a:schemeClr val="lt1"/>
+    </dgm:fillClrLst>
+    <dgm:linClrLst meth="repeat">
+      <a:schemeClr val="accent1"/>
+    </dgm:linClrLst>
+    <dgm:effectClrLst/>
+    <dgm:txLinClrLst/>
+    <dgm:txFillClrLst meth="repeat">
+      <a:schemeClr val="dk1"/>
+    </dgm:txFillClrLst>
+    <dgm:txEffectClrLst/>
+  </dgm:styleLbl>
+  <dgm:styleLbl name="fgAccFollowNode1">
+    <dgm:fillClrLst meth="repeat">
+      <a:schemeClr val="accent1">
+        <a:alpha val="90000"/>
+        <a:tint val="40000"/>
+      </a:schemeClr>
+    </dgm:fillClrLst>
+    <dgm:linClrLst meth="repeat">
+      <a:schemeClr val="accent1">
+        <a:alpha val="90000"/>
+        <a:tint val="40000"/>
+      </a:schemeClr>
+    </dgm:linClrLst>
+    <dgm:effectClrLst/>
+    <dgm:txLinClrLst/>
+    <dgm:txFillClrLst meth="repeat">
+      <a:schemeClr val="dk1"/>
+    </dgm:txFillClrLst>
+    <dgm:txEffectClrLst/>
+  </dgm:styleLbl>
+  <dgm:styleLbl name="alignAccFollowNode1">
+    <dgm:fillClrLst meth="repeat">
+      <a:schemeClr val="accent1">
+        <a:alpha val="90000"/>
+        <a:tint val="40000"/>
+      </a:schemeClr>
+    </dgm:fillClrLst>
+    <dgm:linClrLst meth="repeat">
+      <a:schemeClr val="accent1">
+        <a:alpha val="90000"/>
+        <a:tint val="40000"/>
+      </a:schemeClr>
+    </dgm:linClrLst>
+    <dgm:effectClrLst/>
+    <dgm:txLinClrLst/>
+    <dgm:txFillClrLst meth="repeat">
+      <a:schemeClr val="dk1"/>
+    </dgm:txFillClrLst>
+    <dgm:txEffectClrLst/>
+  </dgm:styleLbl>
+  <dgm:styleLbl name="bgAccFollowNode1">
+    <dgm:fillClrLst meth="repeat">
+      <a:schemeClr val="accent1">
+        <a:alpha val="90000"/>
+        <a:tint val="40000"/>
+      </a:schemeClr>
+    </dgm:fillClrLst>
+    <dgm:linClrLst meth="repeat">
+      <a:schemeClr val="accent1">
+        <a:alpha val="90000"/>
+        <a:tint val="40000"/>
+      </a:schemeClr>
+    </dgm:linClrLst>
+    <dgm:effectClrLst/>
+    <dgm:txLinClrLst/>
+    <dgm:txFillClrLst meth="repeat">
+      <a:schemeClr val="dk1"/>
+    </dgm:txFillClrLst>
+    <dgm:txEffectClrLst/>
+  </dgm:styleLbl>
+  <dgm:styleLbl name="fgAcc0">
+    <dgm:fillClrLst meth="repeat">
+      <a:schemeClr val="lt1">
+        <a:alpha val="90000"/>
+      </a:schemeClr>
+    </dgm:fillClrLst>
+    <dgm:linClrLst meth="repeat">
+      <a:schemeClr val="accent1"/>
+    </dgm:linClrLst>
+    <dgm:effectClrLst/>
+    <dgm:txLinClrLst/>
+    <dgm:txFillClrLst meth="repeat">
+      <a:schemeClr val="dk1"/>
+    </dgm:txFillClrLst>
+    <dgm:txEffectClrLst/>
+  </dgm:styleLbl>
+  <dgm:styleLbl name="fgAcc2">
+    <dgm:fillClrLst meth="repeat">
+      <a:schemeClr val="lt1">
+        <a:alpha val="90000"/>
+      </a:schemeClr>
+    </dgm:fillClrLst>
+    <dgm:linClrLst meth="repeat">
+      <a:schemeClr val="accent1"/>
+    </dgm:linClrLst>
+    <dgm:effectClrLst/>
+    <dgm:txLinClrLst/>
+    <dgm:txFillClrLst meth="repeat">
+      <a:schemeClr val="dk1"/>
+    </dgm:txFillClrLst>
+    <dgm:txEffectClrLst/>
+  </dgm:styleLbl>
+  <dgm:styleLbl name="fgAcc3">
+    <dgm:fillClrLst meth="repeat">
+      <a:schemeClr val="lt1">
+        <a:alpha val="90000"/>
+      </a:schemeClr>
+    </dgm:fillClrLst>
+    <dgm:linClrLst meth="repeat">
+      <a:schemeClr val="accent1"/>
+    </dgm:linClrLst>
+    <dgm:effectClrLst/>
+    <dgm:txLinClrLst/>
+    <dgm:txFillClrLst meth="repeat">
+      <a:schemeClr val="dk1"/>
+    </dgm:txFillClrLst>
+    <dgm:txEffectClrLst/>
+  </dgm:styleLbl>
+  <dgm:styleLbl name="fgAcc4">
+    <dgm:fillClrLst meth="repeat">
+      <a:schemeClr val="lt1">
+        <a:alpha val="90000"/>
+      </a:schemeClr>
+    </dgm:fillClrLst>
+    <dgm:linClrLst meth="repeat">
+      <a:schemeClr val="accent1"/>
+    </dgm:linClrLst>
+    <dgm:effectClrLst/>
+    <dgm:txLinClrLst/>
+    <dgm:txFillClrLst meth="repeat">
+      <a:schemeClr val="dk1"/>
+    </dgm:txFillClrLst>
+    <dgm:txEffectClrLst/>
+  </dgm:styleLbl>
+  <dgm:styleLbl name="bgShp">
+    <dgm:fillClrLst meth="repeat">
+      <a:schemeClr val="bg1">
+        <a:lumMod val="95000"/>
+      </a:schemeClr>
+    </dgm:fillClrLst>
+    <dgm:linClrLst meth="repeat">
+      <a:schemeClr val="accent1"/>
+    </dgm:linClrLst>
+    <dgm:effectClrLst/>
+    <dgm:txLinClrLst/>
+    <dgm:txFillClrLst meth="repeat">
+      <a:schemeClr val="dk1"/>
+    </dgm:txFillClrLst>
+    <dgm:txEffectClrLst/>
+  </dgm:styleLbl>
+  <dgm:styleLbl name="dkBgShp">
+    <dgm:fillClrLst meth="repeat">
+      <a:schemeClr val="accent1">
+        <a:shade val="80000"/>
+      </a:schemeClr>
+    </dgm:fillClrLst>
+    <dgm:linClrLst meth="repeat">
+      <a:schemeClr val="accent1"/>
+    </dgm:linClrLst>
+    <dgm:effectClrLst/>
+    <dgm:txLinClrLst/>
+    <dgm:txFillClrLst meth="repeat">
+      <a:schemeClr val="lt1"/>
+    </dgm:txFillClrLst>
+    <dgm:txEffectClrLst/>
+  </dgm:styleLbl>
+  <dgm:styleLbl name="trBgShp">
+    <dgm:fillClrLst meth="repeat">
+      <a:schemeClr val="accent1">
+        <a:tint val="50000"/>
+        <a:alpha val="40000"/>
+      </a:schemeClr>
+    </dgm:fillClrLst>
+    <dgm:linClrLst meth="repeat">
+      <a:schemeClr val="accent1"/>
+    </dgm:linClrLst>
+    <dgm:effectClrLst/>
+    <dgm:txLinClrLst/>
+    <dgm:txFillClrLst meth="repeat">
+      <a:schemeClr val="lt1"/>
+    </dgm:txFillClrLst>
+    <dgm:txEffectClrLst/>
+  </dgm:styleLbl>
+  <dgm:styleLbl name="fgShp">
+    <dgm:fillClrLst meth="repeat">
+      <a:schemeClr val="accent1">
+        <a:tint val="60000"/>
+      </a:schemeClr>
+    </dgm:fillClrLst>
+    <dgm:linClrLst meth="repeat">
+      <a:schemeClr val="lt1"/>
+    </dgm:linClrLst>
+    <dgm:effectClrLst/>
+    <dgm:txLinClrLst/>
+    <dgm:txFillClrLst meth="repeat">
+      <a:schemeClr val="dk1"/>
+    </dgm:txFillClrLst>
+    <dgm:txEffectClrLst/>
+  </dgm:styleLbl>
+  <dgm:styleLbl name="revTx">
+    <dgm:fillClrLst meth="repeat">
+      <a:schemeClr val="lt1">
+        <a:alpha val="0"/>
+      </a:schemeClr>
+    </dgm:fillClrLst>
+    <dgm:linClrLst meth="repeat">
+      <a:schemeClr val="dk1">
+        <a:alpha val="0"/>
+      </a:schemeClr>
+    </dgm:linClrLst>
+    <dgm:effectClrLst/>
+    <dgm:txLinClrLst/>
+    <dgm:txFillClrLst meth="repeat">
+      <a:schemeClr val="tx1"/>
+    </dgm:txFillClrLst>
+    <dgm:txEffectClrLst/>
+  </dgm:styleLbl>
+</dgm:colorsDef>
+</file>
+
+<file path=ppt/diagrams/data1.xml><?xml version="1.0" encoding="utf-8"?>
+<dgm:dataModel xmlns:dgm="http://schemas.openxmlformats.org/drawingml/2006/diagram" xmlns:a="http://schemas.openxmlformats.org/drawingml/2006/main">
+  <dgm:ptLst>
+    <dgm:pt modelId="{F54E3EBA-CA84-4D82-8BA4-97054F21357F}" type="doc">
+      <dgm:prSet loTypeId="urn:microsoft.com/office/officeart/2018/2/layout/IconLabelList" loCatId="icon" qsTypeId="urn:microsoft.com/office/officeart/2005/8/quickstyle/simple1" qsCatId="simple" csTypeId="urn:microsoft.com/office/officeart/2018/5/colors/Iconchunking_neutralbg_accent1_2" csCatId="accent1" phldr="1"/>
+      <dgm:spPr/>
+      <dgm:t>
+        <a:bodyPr/>
+        <a:lstStyle/>
+        <a:p>
+          <a:endParaRPr lang="en-US"/>
+        </a:p>
+      </dgm:t>
+    </dgm:pt>
+    <dgm:pt modelId="{5B9A868E-F570-4B8A-AA73-7ED2B0DAED12}">
+      <dgm:prSet/>
+      <dgm:spPr/>
+      <dgm:t>
+        <a:bodyPr/>
+        <a:lstStyle/>
+        <a:p>
+          <a:pPr>
+            <a:lnSpc>
+              <a:spcPct val="100000"/>
+            </a:lnSpc>
+          </a:pPr>
+          <a:r>
+            <a:rPr lang="en-GB"/>
+            <a:t>Consistency</a:t>
+          </a:r>
+          <a:endParaRPr lang="en-US"/>
+        </a:p>
+      </dgm:t>
+    </dgm:pt>
+    <dgm:pt modelId="{3EA15ED9-74D0-4F83-B3B7-2935B0D06487}" type="parTrans" cxnId="{1F98C915-EDB6-4516-8A60-6677D4EED68F}">
+      <dgm:prSet/>
+      <dgm:spPr/>
+      <dgm:t>
+        <a:bodyPr/>
+        <a:lstStyle/>
+        <a:p>
+          <a:endParaRPr lang="en-US"/>
+        </a:p>
+      </dgm:t>
+    </dgm:pt>
+    <dgm:pt modelId="{C5706296-1C61-4278-A689-93BC53A7D587}" type="sibTrans" cxnId="{1F98C915-EDB6-4516-8A60-6677D4EED68F}">
+      <dgm:prSet/>
+      <dgm:spPr/>
+      <dgm:t>
+        <a:bodyPr/>
+        <a:lstStyle/>
+        <a:p>
+          <a:endParaRPr lang="en-US"/>
+        </a:p>
+      </dgm:t>
+    </dgm:pt>
+    <dgm:pt modelId="{1D188419-3CE9-4ADE-8472-F8C94AF5B6B0}">
+      <dgm:prSet/>
+      <dgm:spPr/>
+      <dgm:t>
+        <a:bodyPr/>
+        <a:lstStyle/>
+        <a:p>
+          <a:pPr>
+            <a:lnSpc>
+              <a:spcPct val="100000"/>
+            </a:lnSpc>
+          </a:pPr>
+          <a:r>
+            <a:rPr lang="en-GB" dirty="0"/>
+            <a:t>Determination</a:t>
+          </a:r>
+          <a:endParaRPr lang="en-US" dirty="0"/>
+        </a:p>
+      </dgm:t>
+    </dgm:pt>
+    <dgm:pt modelId="{A3BFFE2A-2DEE-4EF8-ACF8-D2487D0A5802}" type="parTrans" cxnId="{82AD7328-7949-401B-AF90-47EA4DC000D9}">
+      <dgm:prSet/>
+      <dgm:spPr/>
+      <dgm:t>
+        <a:bodyPr/>
+        <a:lstStyle/>
+        <a:p>
+          <a:endParaRPr lang="en-US"/>
+        </a:p>
+      </dgm:t>
+    </dgm:pt>
+    <dgm:pt modelId="{7659F34E-A828-4D7D-AEA4-C3A4CE78CF32}" type="sibTrans" cxnId="{82AD7328-7949-401B-AF90-47EA4DC000D9}">
+      <dgm:prSet/>
+      <dgm:spPr/>
+      <dgm:t>
+        <a:bodyPr/>
+        <a:lstStyle/>
+        <a:p>
+          <a:endParaRPr lang="en-US"/>
+        </a:p>
+      </dgm:t>
+    </dgm:pt>
+    <dgm:pt modelId="{B66A85A3-BC29-41CF-888C-592B8621E3D4}">
+      <dgm:prSet/>
+      <dgm:spPr/>
+      <dgm:t>
+        <a:bodyPr/>
+        <a:lstStyle/>
+        <a:p>
+          <a:pPr>
+            <a:lnSpc>
+              <a:spcPct val="100000"/>
+            </a:lnSpc>
+          </a:pPr>
+          <a:r>
+            <a:rPr lang="en-US" dirty="0"/>
+            <a:t>Hard Work</a:t>
+          </a:r>
+        </a:p>
+      </dgm:t>
+    </dgm:pt>
+    <dgm:pt modelId="{03114904-D351-4A56-89AC-E37B1D2C77F5}" type="parTrans" cxnId="{0307E5BE-8606-4E80-8430-3AD59EEFC408}">
+      <dgm:prSet/>
+      <dgm:spPr/>
+      <dgm:t>
+        <a:bodyPr/>
+        <a:lstStyle/>
+        <a:p>
+          <a:endParaRPr lang="en-GB"/>
+        </a:p>
+      </dgm:t>
+    </dgm:pt>
+    <dgm:pt modelId="{835FED23-44F4-473D-B6B2-C96E9649FF98}" type="sibTrans" cxnId="{0307E5BE-8606-4E80-8430-3AD59EEFC408}">
+      <dgm:prSet/>
+      <dgm:spPr/>
+      <dgm:t>
+        <a:bodyPr/>
+        <a:lstStyle/>
+        <a:p>
+          <a:endParaRPr lang="en-GB"/>
+        </a:p>
+      </dgm:t>
+    </dgm:pt>
+    <dgm:pt modelId="{B5571153-65CF-4DB4-92C5-93C7F3CE817D}" type="pres">
+      <dgm:prSet presAssocID="{F54E3EBA-CA84-4D82-8BA4-97054F21357F}" presName="root" presStyleCnt="0">
+        <dgm:presLayoutVars>
+          <dgm:dir/>
+          <dgm:resizeHandles val="exact"/>
+        </dgm:presLayoutVars>
+      </dgm:prSet>
+      <dgm:spPr/>
+    </dgm:pt>
+    <dgm:pt modelId="{EE06BBFE-46ED-4CC7-920A-6791F4708222}" type="pres">
+      <dgm:prSet presAssocID="{5B9A868E-F570-4B8A-AA73-7ED2B0DAED12}" presName="compNode" presStyleCnt="0"/>
+      <dgm:spPr/>
+    </dgm:pt>
+    <dgm:pt modelId="{602BF9D4-4DE1-431B-B1FD-F761CC4DE17B}" type="pres">
+      <dgm:prSet presAssocID="{5B9A868E-F570-4B8A-AA73-7ED2B0DAED12}" presName="iconRect" presStyleLbl="node1" presStyleIdx="0" presStyleCnt="3"/>
+      <dgm:spPr>
+        <a:blipFill>
+          <a:blip xmlns:r="http://schemas.openxmlformats.org/officeDocument/2006/relationships" r:embed="rId1">
+            <a:extLst>
+              <a:ext uri="{28A0092B-C50C-407E-A947-70E740481C1C}">
+                <a14:useLocalDpi xmlns:a14="http://schemas.microsoft.com/office/drawing/2010/main" val="0"/>
+              </a:ext>
+              <a:ext uri="{96DAC541-7B7A-43D3-8B79-37D633B846F1}">
+                <asvg:svgBlip xmlns:asvg="http://schemas.microsoft.com/office/drawing/2016/SVG/main" r:embed="rId2"/>
+              </a:ext>
+            </a:extLst>
+          </a:blip>
+          <a:stretch>
+            <a:fillRect/>
+          </a:stretch>
+        </a:blipFill>
+        <a:ln>
+          <a:noFill/>
+        </a:ln>
+      </dgm:spPr>
+      <dgm:extLst>
+        <a:ext uri="{E40237B7-FDA0-4F09-8148-C483321AD2D9}">
+          <dgm14:cNvPr xmlns:dgm14="http://schemas.microsoft.com/office/drawing/2010/diagram" id="0" name="" descr="Checkmark"/>
+        </a:ext>
+      </dgm:extLst>
+    </dgm:pt>
+    <dgm:pt modelId="{24E2FA4D-A784-4331-885A-4C9E2F1000A7}" type="pres">
+      <dgm:prSet presAssocID="{5B9A868E-F570-4B8A-AA73-7ED2B0DAED12}" presName="spaceRect" presStyleCnt="0"/>
+      <dgm:spPr/>
+    </dgm:pt>
+    <dgm:pt modelId="{9C4A989E-4DA8-427C-874F-2A7384DD0666}" type="pres">
+      <dgm:prSet presAssocID="{5B9A868E-F570-4B8A-AA73-7ED2B0DAED12}" presName="textRect" presStyleLbl="revTx" presStyleIdx="0" presStyleCnt="3">
+        <dgm:presLayoutVars>
+          <dgm:chMax val="1"/>
+          <dgm:chPref val="1"/>
+        </dgm:presLayoutVars>
+      </dgm:prSet>
+      <dgm:spPr/>
+    </dgm:pt>
+    <dgm:pt modelId="{898B6328-BB89-47A7-B336-DA6DBECE02C0}" type="pres">
+      <dgm:prSet presAssocID="{C5706296-1C61-4278-A689-93BC53A7D587}" presName="sibTrans" presStyleCnt="0"/>
+      <dgm:spPr/>
+    </dgm:pt>
+    <dgm:pt modelId="{5DCF6537-3AEF-493D-BBA7-B67ED7A5E848}" type="pres">
+      <dgm:prSet presAssocID="{1D188419-3CE9-4ADE-8472-F8C94AF5B6B0}" presName="compNode" presStyleCnt="0"/>
+      <dgm:spPr/>
+    </dgm:pt>
+    <dgm:pt modelId="{E2C234D2-F8B6-4E34-B0F5-2FA004841952}" type="pres">
+      <dgm:prSet presAssocID="{1D188419-3CE9-4ADE-8472-F8C94AF5B6B0}" presName="iconRect" presStyleLbl="node1" presStyleIdx="1" presStyleCnt="3"/>
+      <dgm:spPr>
+        <a:blipFill>
+          <a:blip xmlns:r="http://schemas.openxmlformats.org/officeDocument/2006/relationships" r:embed="rId3">
+            <a:extLst>
+              <a:ext uri="{28A0092B-C50C-407E-A947-70E740481C1C}">
+                <a14:useLocalDpi xmlns:a14="http://schemas.microsoft.com/office/drawing/2010/main" val="0"/>
+              </a:ext>
+              <a:ext uri="{96DAC541-7B7A-43D3-8B79-37D633B846F1}">
+                <asvg:svgBlip xmlns:asvg="http://schemas.microsoft.com/office/drawing/2016/SVG/main" r:embed="rId4"/>
+              </a:ext>
+            </a:extLst>
+          </a:blip>
+          <a:stretch>
+            <a:fillRect/>
+          </a:stretch>
+        </a:blipFill>
+        <a:ln>
+          <a:noFill/>
+        </a:ln>
+      </dgm:spPr>
+      <dgm:extLst>
+        <a:ext uri="{E40237B7-FDA0-4F09-8148-C483321AD2D9}">
+          <dgm14:cNvPr xmlns:dgm14="http://schemas.microsoft.com/office/drawing/2010/diagram" id="0" name="" descr="Check List"/>
+        </a:ext>
+      </dgm:extLst>
+    </dgm:pt>
+    <dgm:pt modelId="{90032955-B519-49E2-8686-E2A20B7A378E}" type="pres">
+      <dgm:prSet presAssocID="{1D188419-3CE9-4ADE-8472-F8C94AF5B6B0}" presName="spaceRect" presStyleCnt="0"/>
+      <dgm:spPr/>
+    </dgm:pt>
+    <dgm:pt modelId="{D0D7B7B8-D6F6-4E6C-B0D5-32E6B0E05345}" type="pres">
+      <dgm:prSet presAssocID="{1D188419-3CE9-4ADE-8472-F8C94AF5B6B0}" presName="textRect" presStyleLbl="revTx" presStyleIdx="1" presStyleCnt="3">
+        <dgm:presLayoutVars>
+          <dgm:chMax val="1"/>
+          <dgm:chPref val="1"/>
+        </dgm:presLayoutVars>
+      </dgm:prSet>
+      <dgm:spPr/>
+    </dgm:pt>
+    <dgm:pt modelId="{B741B805-D3CF-433F-AEB3-1B3C405B99F7}" type="pres">
+      <dgm:prSet presAssocID="{7659F34E-A828-4D7D-AEA4-C3A4CE78CF32}" presName="sibTrans" presStyleCnt="0"/>
+      <dgm:spPr/>
+    </dgm:pt>
+    <dgm:pt modelId="{F202C4BE-44A4-4F5D-8D86-F31BF39EE76D}" type="pres">
+      <dgm:prSet presAssocID="{B66A85A3-BC29-41CF-888C-592B8621E3D4}" presName="compNode" presStyleCnt="0"/>
+      <dgm:spPr/>
+    </dgm:pt>
+    <dgm:pt modelId="{7F2F209C-BBD2-4562-AC35-53366214045D}" type="pres">
+      <dgm:prSet presAssocID="{B66A85A3-BC29-41CF-888C-592B8621E3D4}" presName="iconRect" presStyleLbl="node1" presStyleIdx="2" presStyleCnt="3"/>
+      <dgm:spPr>
+        <a:blipFill>
+          <a:blip xmlns:r="http://schemas.openxmlformats.org/officeDocument/2006/relationships" r:embed="rId5">
+            <a:extLst>
+              <a:ext uri="{96DAC541-7B7A-43D3-8B79-37D633B846F1}">
+                <asvg:svgBlip xmlns:asvg="http://schemas.microsoft.com/office/drawing/2016/SVG/main" r:embed="rId6"/>
+              </a:ext>
+            </a:extLst>
+          </a:blip>
+          <a:srcRect/>
+          <a:stretch>
+            <a:fillRect/>
+          </a:stretch>
+        </a:blipFill>
+      </dgm:spPr>
+      <dgm:extLst>
+        <a:ext uri="{E40237B7-FDA0-4F09-8148-C483321AD2D9}">
+          <dgm14:cNvPr xmlns:dgm14="http://schemas.microsoft.com/office/drawing/2010/diagram" id="0" name="" descr="Briefcase"/>
+        </a:ext>
+      </dgm:extLst>
+    </dgm:pt>
+    <dgm:pt modelId="{3048113B-4449-4919-9A22-CF3C03083439}" type="pres">
+      <dgm:prSet presAssocID="{B66A85A3-BC29-41CF-888C-592B8621E3D4}" presName="spaceRect" presStyleCnt="0"/>
+      <dgm:spPr/>
+    </dgm:pt>
+    <dgm:pt modelId="{6694F643-9EBF-4C53-A2EC-E88DAC68E9E6}" type="pres">
+      <dgm:prSet presAssocID="{B66A85A3-BC29-41CF-888C-592B8621E3D4}" presName="textRect" presStyleLbl="revTx" presStyleIdx="2" presStyleCnt="3">
+        <dgm:presLayoutVars>
+          <dgm:chMax val="1"/>
+          <dgm:chPref val="1"/>
+        </dgm:presLayoutVars>
+      </dgm:prSet>
+      <dgm:spPr/>
+    </dgm:pt>
+  </dgm:ptLst>
+  <dgm:cxnLst>
+    <dgm:cxn modelId="{2BC3B60B-85F9-42A9-85DF-77C176E835FA}" type="presOf" srcId="{5B9A868E-F570-4B8A-AA73-7ED2B0DAED12}" destId="{9C4A989E-4DA8-427C-874F-2A7384DD0666}" srcOrd="0" destOrd="0" presId="urn:microsoft.com/office/officeart/2018/2/layout/IconLabelList"/>
+    <dgm:cxn modelId="{1F98C915-EDB6-4516-8A60-6677D4EED68F}" srcId="{F54E3EBA-CA84-4D82-8BA4-97054F21357F}" destId="{5B9A868E-F570-4B8A-AA73-7ED2B0DAED12}" srcOrd="0" destOrd="0" parTransId="{3EA15ED9-74D0-4F83-B3B7-2935B0D06487}" sibTransId="{C5706296-1C61-4278-A689-93BC53A7D587}"/>
+    <dgm:cxn modelId="{990A5A27-F7FA-4443-9915-941E384C98B0}" type="presOf" srcId="{F54E3EBA-CA84-4D82-8BA4-97054F21357F}" destId="{B5571153-65CF-4DB4-92C5-93C7F3CE817D}" srcOrd="0" destOrd="0" presId="urn:microsoft.com/office/officeart/2018/2/layout/IconLabelList"/>
+    <dgm:cxn modelId="{82AD7328-7949-401B-AF90-47EA4DC000D9}" srcId="{F54E3EBA-CA84-4D82-8BA4-97054F21357F}" destId="{1D188419-3CE9-4ADE-8472-F8C94AF5B6B0}" srcOrd="1" destOrd="0" parTransId="{A3BFFE2A-2DEE-4EF8-ACF8-D2487D0A5802}" sibTransId="{7659F34E-A828-4D7D-AEA4-C3A4CE78CF32}"/>
+    <dgm:cxn modelId="{22FBFD3A-C442-4B07-B8CB-F706F0CB0542}" type="presOf" srcId="{B66A85A3-BC29-41CF-888C-592B8621E3D4}" destId="{6694F643-9EBF-4C53-A2EC-E88DAC68E9E6}" srcOrd="0" destOrd="0" presId="urn:microsoft.com/office/officeart/2018/2/layout/IconLabelList"/>
+    <dgm:cxn modelId="{0307E5BE-8606-4E80-8430-3AD59EEFC408}" srcId="{F54E3EBA-CA84-4D82-8BA4-97054F21357F}" destId="{B66A85A3-BC29-41CF-888C-592B8621E3D4}" srcOrd="2" destOrd="0" parTransId="{03114904-D351-4A56-89AC-E37B1D2C77F5}" sibTransId="{835FED23-44F4-473D-B6B2-C96E9649FF98}"/>
+    <dgm:cxn modelId="{F80E2EDC-E8F9-4071-A22C-DC456BA3BCAF}" type="presOf" srcId="{1D188419-3CE9-4ADE-8472-F8C94AF5B6B0}" destId="{D0D7B7B8-D6F6-4E6C-B0D5-32E6B0E05345}" srcOrd="0" destOrd="0" presId="urn:microsoft.com/office/officeart/2018/2/layout/IconLabelList"/>
+    <dgm:cxn modelId="{14CABFB0-1C4A-486A-973B-8BF46693D3DF}" type="presParOf" srcId="{B5571153-65CF-4DB4-92C5-93C7F3CE817D}" destId="{EE06BBFE-46ED-4CC7-920A-6791F4708222}" srcOrd="0" destOrd="0" presId="urn:microsoft.com/office/officeart/2018/2/layout/IconLabelList"/>
+    <dgm:cxn modelId="{C94BAC21-994C-4320-BDEC-C044729B3325}" type="presParOf" srcId="{EE06BBFE-46ED-4CC7-920A-6791F4708222}" destId="{602BF9D4-4DE1-431B-B1FD-F761CC4DE17B}" srcOrd="0" destOrd="0" presId="urn:microsoft.com/office/officeart/2018/2/layout/IconLabelList"/>
+    <dgm:cxn modelId="{87BB2472-2591-4E8A-82DB-0E0E64162835}" type="presParOf" srcId="{EE06BBFE-46ED-4CC7-920A-6791F4708222}" destId="{24E2FA4D-A784-4331-885A-4C9E2F1000A7}" srcOrd="1" destOrd="0" presId="urn:microsoft.com/office/officeart/2018/2/layout/IconLabelList"/>
+    <dgm:cxn modelId="{8FAC661F-AE5C-4877-B7DC-4E71AB33D94E}" type="presParOf" srcId="{EE06BBFE-46ED-4CC7-920A-6791F4708222}" destId="{9C4A989E-4DA8-427C-874F-2A7384DD0666}" srcOrd="2" destOrd="0" presId="urn:microsoft.com/office/officeart/2018/2/layout/IconLabelList"/>
+    <dgm:cxn modelId="{9C5FAFFE-B111-4591-AD19-D90CF0D6AFCC}" type="presParOf" srcId="{B5571153-65CF-4DB4-92C5-93C7F3CE817D}" destId="{898B6328-BB89-47A7-B336-DA6DBECE02C0}" srcOrd="1" destOrd="0" presId="urn:microsoft.com/office/officeart/2018/2/layout/IconLabelList"/>
+    <dgm:cxn modelId="{FF32D78F-C385-4333-8961-F1348013280C}" type="presParOf" srcId="{B5571153-65CF-4DB4-92C5-93C7F3CE817D}" destId="{5DCF6537-3AEF-493D-BBA7-B67ED7A5E848}" srcOrd="2" destOrd="0" presId="urn:microsoft.com/office/officeart/2018/2/layout/IconLabelList"/>
+    <dgm:cxn modelId="{048C8361-2689-48E0-9BF0-F5D01BD66FFF}" type="presParOf" srcId="{5DCF6537-3AEF-493D-BBA7-B67ED7A5E848}" destId="{E2C234D2-F8B6-4E34-B0F5-2FA004841952}" srcOrd="0" destOrd="0" presId="urn:microsoft.com/office/officeart/2018/2/layout/IconLabelList"/>
+    <dgm:cxn modelId="{83C2E8CD-CD0C-4D47-9BA7-090A377F1E38}" type="presParOf" srcId="{5DCF6537-3AEF-493D-BBA7-B67ED7A5E848}" destId="{90032955-B519-49E2-8686-E2A20B7A378E}" srcOrd="1" destOrd="0" presId="urn:microsoft.com/office/officeart/2018/2/layout/IconLabelList"/>
+    <dgm:cxn modelId="{3A2892B8-84B1-4740-9694-5C39A619ED7D}" type="presParOf" srcId="{5DCF6537-3AEF-493D-BBA7-B67ED7A5E848}" destId="{D0D7B7B8-D6F6-4E6C-B0D5-32E6B0E05345}" srcOrd="2" destOrd="0" presId="urn:microsoft.com/office/officeart/2018/2/layout/IconLabelList"/>
+    <dgm:cxn modelId="{03CAB41E-16DC-469F-ACB6-4AC38DCD6DCC}" type="presParOf" srcId="{B5571153-65CF-4DB4-92C5-93C7F3CE817D}" destId="{B741B805-D3CF-433F-AEB3-1B3C405B99F7}" srcOrd="3" destOrd="0" presId="urn:microsoft.com/office/officeart/2018/2/layout/IconLabelList"/>
+    <dgm:cxn modelId="{8A85D8E3-E548-41BA-8934-883D86CA9437}" type="presParOf" srcId="{B5571153-65CF-4DB4-92C5-93C7F3CE817D}" destId="{F202C4BE-44A4-4F5D-8D86-F31BF39EE76D}" srcOrd="4" destOrd="0" presId="urn:microsoft.com/office/officeart/2018/2/layout/IconLabelList"/>
+    <dgm:cxn modelId="{48C2A45B-20D9-42E4-8964-9C87E6B0FCA1}" type="presParOf" srcId="{F202C4BE-44A4-4F5D-8D86-F31BF39EE76D}" destId="{7F2F209C-BBD2-4562-AC35-53366214045D}" srcOrd="0" destOrd="0" presId="urn:microsoft.com/office/officeart/2018/2/layout/IconLabelList"/>
+    <dgm:cxn modelId="{CEFE8DAE-FF35-4966-9D9C-415D1ABC4676}" type="presParOf" srcId="{F202C4BE-44A4-4F5D-8D86-F31BF39EE76D}" destId="{3048113B-4449-4919-9A22-CF3C03083439}" srcOrd="1" destOrd="0" presId="urn:microsoft.com/office/officeart/2018/2/layout/IconLabelList"/>
+    <dgm:cxn modelId="{D1B37646-16A6-4A74-BCC1-61A793723EA5}" type="presParOf" srcId="{F202C4BE-44A4-4F5D-8D86-F31BF39EE76D}" destId="{6694F643-9EBF-4C53-A2EC-E88DAC68E9E6}" srcOrd="2" destOrd="0" presId="urn:microsoft.com/office/officeart/2018/2/layout/IconLabelList"/>
+  </dgm:cxnLst>
+  <dgm:bg/>
+  <dgm:whole/>
+  <dgm:extLst>
+    <a:ext uri="http://schemas.microsoft.com/office/drawing/2008/diagram">
+      <dsp:dataModelExt xmlns:dsp="http://schemas.microsoft.com/office/drawing/2008/diagram" relId="rId7" minVer="http://schemas.openxmlformats.org/drawingml/2006/diagram"/>
+    </a:ext>
+  </dgm:extLst>
+</dgm:dataModel>
+</file>
+
+<file path=ppt/diagrams/drawing1.xml><?xml version="1.0" encoding="utf-8"?>
+<dsp:drawing xmlns:dgm="http://schemas.openxmlformats.org/drawingml/2006/diagram" xmlns:dsp="http://schemas.microsoft.com/office/drawing/2008/diagram" xmlns:a="http://schemas.openxmlformats.org/drawingml/2006/main">
+  <dsp:spTree>
+    <dsp:nvGrpSpPr>
+      <dsp:cNvPr id="0" name=""/>
+      <dsp:cNvGrpSpPr/>
+    </dsp:nvGrpSpPr>
+    <dsp:grpSpPr/>
+    <dsp:sp modelId="{602BF9D4-4DE1-431B-B1FD-F761CC4DE17B}">
+      <dsp:nvSpPr>
+        <dsp:cNvPr id="0" name=""/>
+        <dsp:cNvSpPr/>
+      </dsp:nvSpPr>
+      <dsp:spPr>
+        <a:xfrm>
+          <a:off x="941481" y="770686"/>
+          <a:ext cx="1450370" cy="1450370"/>
+        </a:xfrm>
+        <a:prstGeom prst="rect">
+          <a:avLst/>
+        </a:prstGeom>
+        <a:blipFill>
+          <a:blip xmlns:r="http://schemas.openxmlformats.org/officeDocument/2006/relationships" r:embed="rId1">
+            <a:extLst>
+              <a:ext uri="{28A0092B-C50C-407E-A947-70E740481C1C}">
+                <a14:useLocalDpi xmlns:a14="http://schemas.microsoft.com/office/drawing/2010/main" val="0"/>
+              </a:ext>
+              <a:ext uri="{96DAC541-7B7A-43D3-8B79-37D633B846F1}">
+                <asvg:svgBlip xmlns:asvg="http://schemas.microsoft.com/office/drawing/2016/SVG/main" r:embed="rId2"/>
+              </a:ext>
+            </a:extLst>
+          </a:blip>
+          <a:stretch>
+            <a:fillRect/>
+          </a:stretch>
+        </a:blipFill>
+        <a:ln w="12700" cap="flat" cmpd="sng" algn="ctr">
+          <a:noFill/>
+          <a:prstDash val="solid"/>
+          <a:miter lim="800000"/>
+        </a:ln>
+        <a:effectLst/>
+      </dsp:spPr>
+      <dsp:style>
+        <a:lnRef idx="2">
+          <a:scrgbClr r="0" g="0" b="0"/>
+        </a:lnRef>
+        <a:fillRef idx="1">
+          <a:scrgbClr r="0" g="0" b="0"/>
+        </a:fillRef>
+        <a:effectRef idx="0">
+          <a:scrgbClr r="0" g="0" b="0"/>
+        </a:effectRef>
+        <a:fontRef idx="minor">
+          <a:schemeClr val="lt1"/>
+        </a:fontRef>
+      </dsp:style>
+    </dsp:sp>
+    <dsp:sp modelId="{9C4A989E-4DA8-427C-874F-2A7384DD0666}">
+      <dsp:nvSpPr>
+        <dsp:cNvPr id="0" name=""/>
+        <dsp:cNvSpPr/>
+      </dsp:nvSpPr>
+      <dsp:spPr>
+        <a:xfrm>
+          <a:off x="55144" y="2604236"/>
+          <a:ext cx="3223045" cy="720000"/>
+        </a:xfrm>
+        <a:prstGeom prst="rect">
+          <a:avLst/>
+        </a:prstGeom>
+        <a:noFill/>
+        <a:ln>
+          <a:noFill/>
+        </a:ln>
+        <a:effectLst/>
+      </dsp:spPr>
+      <dsp:style>
+        <a:lnRef idx="0">
+          <a:scrgbClr r="0" g="0" b="0"/>
+        </a:lnRef>
+        <a:fillRef idx="0">
+          <a:scrgbClr r="0" g="0" b="0"/>
+        </a:fillRef>
+        <a:effectRef idx="0">
+          <a:scrgbClr r="0" g="0" b="0"/>
+        </a:effectRef>
+        <a:fontRef idx="minor"/>
+      </dsp:style>
+      <dsp:txBody>
+        <a:bodyPr spcFirstLastPara="0" vert="horz" wrap="square" lIns="0" tIns="0" rIns="0" bIns="0" numCol="1" spcCol="1270" anchor="t" anchorCtr="0">
+          <a:noAutofit/>
+        </a:bodyPr>
+        <a:lstStyle/>
+        <a:p>
+          <a:pPr marL="0" lvl="0" indent="0" algn="ctr" defTabSz="1600200">
+            <a:lnSpc>
+              <a:spcPct val="100000"/>
+            </a:lnSpc>
+            <a:spcBef>
+              <a:spcPct val="0"/>
+            </a:spcBef>
+            <a:spcAft>
+              <a:spcPct val="35000"/>
+            </a:spcAft>
+            <a:buNone/>
+          </a:pPr>
+          <a:r>
+            <a:rPr lang="en-GB" sz="3600" kern="1200"/>
+            <a:t>Consistency</a:t>
+          </a:r>
+          <a:endParaRPr lang="en-US" sz="3600" kern="1200"/>
+        </a:p>
+      </dsp:txBody>
+      <dsp:txXfrm>
+        <a:off x="55144" y="2604236"/>
+        <a:ext cx="3223045" cy="720000"/>
+      </dsp:txXfrm>
+    </dsp:sp>
+    <dsp:sp modelId="{E2C234D2-F8B6-4E34-B0F5-2FA004841952}">
+      <dsp:nvSpPr>
+        <dsp:cNvPr id="0" name=""/>
+        <dsp:cNvSpPr/>
+      </dsp:nvSpPr>
+      <dsp:spPr>
+        <a:xfrm>
+          <a:off x="4728559" y="770686"/>
+          <a:ext cx="1450370" cy="1450370"/>
+        </a:xfrm>
+        <a:prstGeom prst="rect">
+          <a:avLst/>
+        </a:prstGeom>
+        <a:blipFill>
+          <a:blip xmlns:r="http://schemas.openxmlformats.org/officeDocument/2006/relationships" r:embed="rId3">
+            <a:extLst>
+              <a:ext uri="{28A0092B-C50C-407E-A947-70E740481C1C}">
+                <a14:useLocalDpi xmlns:a14="http://schemas.microsoft.com/office/drawing/2010/main" val="0"/>
+              </a:ext>
+              <a:ext uri="{96DAC541-7B7A-43D3-8B79-37D633B846F1}">
+                <asvg:svgBlip xmlns:asvg="http://schemas.microsoft.com/office/drawing/2016/SVG/main" r:embed="rId4"/>
+              </a:ext>
+            </a:extLst>
+          </a:blip>
+          <a:stretch>
+            <a:fillRect/>
+          </a:stretch>
+        </a:blipFill>
+        <a:ln w="12700" cap="flat" cmpd="sng" algn="ctr">
+          <a:noFill/>
+          <a:prstDash val="solid"/>
+          <a:miter lim="800000"/>
+        </a:ln>
+        <a:effectLst/>
+      </dsp:spPr>
+      <dsp:style>
+        <a:lnRef idx="2">
+          <a:scrgbClr r="0" g="0" b="0"/>
+        </a:lnRef>
+        <a:fillRef idx="1">
+          <a:scrgbClr r="0" g="0" b="0"/>
+        </a:fillRef>
+        <a:effectRef idx="0">
+          <a:scrgbClr r="0" g="0" b="0"/>
+        </a:effectRef>
+        <a:fontRef idx="minor">
+          <a:schemeClr val="lt1"/>
+        </a:fontRef>
+      </dsp:style>
+    </dsp:sp>
+    <dsp:sp modelId="{D0D7B7B8-D6F6-4E6C-B0D5-32E6B0E05345}">
+      <dsp:nvSpPr>
+        <dsp:cNvPr id="0" name=""/>
+        <dsp:cNvSpPr/>
+      </dsp:nvSpPr>
+      <dsp:spPr>
+        <a:xfrm>
+          <a:off x="3842222" y="2604236"/>
+          <a:ext cx="3223045" cy="720000"/>
+        </a:xfrm>
+        <a:prstGeom prst="rect">
+          <a:avLst/>
+        </a:prstGeom>
+        <a:noFill/>
+        <a:ln>
+          <a:noFill/>
+        </a:ln>
+        <a:effectLst/>
+      </dsp:spPr>
+      <dsp:style>
+        <a:lnRef idx="0">
+          <a:scrgbClr r="0" g="0" b="0"/>
+        </a:lnRef>
+        <a:fillRef idx="0">
+          <a:scrgbClr r="0" g="0" b="0"/>
+        </a:fillRef>
+        <a:effectRef idx="0">
+          <a:scrgbClr r="0" g="0" b="0"/>
+        </a:effectRef>
+        <a:fontRef idx="minor"/>
+      </dsp:style>
+      <dsp:txBody>
+        <a:bodyPr spcFirstLastPara="0" vert="horz" wrap="square" lIns="0" tIns="0" rIns="0" bIns="0" numCol="1" spcCol="1270" anchor="t" anchorCtr="0">
+          <a:noAutofit/>
+        </a:bodyPr>
+        <a:lstStyle/>
+        <a:p>
+          <a:pPr marL="0" lvl="0" indent="0" algn="ctr" defTabSz="1600200">
+            <a:lnSpc>
+              <a:spcPct val="100000"/>
+            </a:lnSpc>
+            <a:spcBef>
+              <a:spcPct val="0"/>
+            </a:spcBef>
+            <a:spcAft>
+              <a:spcPct val="35000"/>
+            </a:spcAft>
+            <a:buNone/>
+          </a:pPr>
+          <a:r>
+            <a:rPr lang="en-GB" sz="3600" kern="1200" dirty="0"/>
+            <a:t>Determination</a:t>
+          </a:r>
+          <a:endParaRPr lang="en-US" sz="3600" kern="1200" dirty="0"/>
+        </a:p>
+      </dsp:txBody>
+      <dsp:txXfrm>
+        <a:off x="3842222" y="2604236"/>
+        <a:ext cx="3223045" cy="720000"/>
+      </dsp:txXfrm>
+    </dsp:sp>
+    <dsp:sp modelId="{7F2F209C-BBD2-4562-AC35-53366214045D}">
+      <dsp:nvSpPr>
+        <dsp:cNvPr id="0" name=""/>
+        <dsp:cNvSpPr/>
+      </dsp:nvSpPr>
+      <dsp:spPr>
+        <a:xfrm>
+          <a:off x="8515638" y="770686"/>
+          <a:ext cx="1450370" cy="1450370"/>
+        </a:xfrm>
+        <a:prstGeom prst="rect">
+          <a:avLst/>
+        </a:prstGeom>
+        <a:blipFill>
+          <a:blip xmlns:r="http://schemas.openxmlformats.org/officeDocument/2006/relationships" r:embed="rId5">
+            <a:extLst>
+              <a:ext uri="{96DAC541-7B7A-43D3-8B79-37D633B846F1}">
+                <asvg:svgBlip xmlns:asvg="http://schemas.microsoft.com/office/drawing/2016/SVG/main" r:embed="rId6"/>
+              </a:ext>
+            </a:extLst>
+          </a:blip>
+          <a:srcRect/>
+          <a:stretch>
+            <a:fillRect/>
+          </a:stretch>
+        </a:blipFill>
+        <a:ln w="12700" cap="flat" cmpd="sng" algn="ctr">
+          <a:solidFill>
+            <a:schemeClr val="lt1">
+              <a:alpha val="0"/>
+              <a:hueOff val="0"/>
+              <a:satOff val="0"/>
+              <a:lumOff val="0"/>
+              <a:alphaOff val="0"/>
+            </a:schemeClr>
+          </a:solidFill>
+          <a:prstDash val="solid"/>
+          <a:miter lim="800000"/>
+        </a:ln>
+        <a:effectLst/>
+      </dsp:spPr>
+      <dsp:style>
+        <a:lnRef idx="2">
+          <a:scrgbClr r="0" g="0" b="0"/>
+        </a:lnRef>
+        <a:fillRef idx="1">
+          <a:scrgbClr r="0" g="0" b="0"/>
+        </a:fillRef>
+        <a:effectRef idx="0">
+          <a:scrgbClr r="0" g="0" b="0"/>
+        </a:effectRef>
+        <a:fontRef idx="minor">
+          <a:schemeClr val="lt1"/>
+        </a:fontRef>
+      </dsp:style>
+    </dsp:sp>
+    <dsp:sp modelId="{6694F643-9EBF-4C53-A2EC-E88DAC68E9E6}">
+      <dsp:nvSpPr>
+        <dsp:cNvPr id="0" name=""/>
+        <dsp:cNvSpPr/>
+      </dsp:nvSpPr>
+      <dsp:spPr>
+        <a:xfrm>
+          <a:off x="7629300" y="2604236"/>
+          <a:ext cx="3223045" cy="720000"/>
+        </a:xfrm>
+        <a:prstGeom prst="rect">
+          <a:avLst/>
+        </a:prstGeom>
+        <a:noFill/>
+        <a:ln>
+          <a:noFill/>
+        </a:ln>
+        <a:effectLst/>
+      </dsp:spPr>
+      <dsp:style>
+        <a:lnRef idx="0">
+          <a:scrgbClr r="0" g="0" b="0"/>
+        </a:lnRef>
+        <a:fillRef idx="0">
+          <a:scrgbClr r="0" g="0" b="0"/>
+        </a:fillRef>
+        <a:effectRef idx="0">
+          <a:scrgbClr r="0" g="0" b="0"/>
+        </a:effectRef>
+        <a:fontRef idx="minor"/>
+      </dsp:style>
+      <dsp:txBody>
+        <a:bodyPr spcFirstLastPara="0" vert="horz" wrap="square" lIns="0" tIns="0" rIns="0" bIns="0" numCol="1" spcCol="1270" anchor="t" anchorCtr="0">
+          <a:noAutofit/>
+        </a:bodyPr>
+        <a:lstStyle/>
+        <a:p>
+          <a:pPr marL="0" lvl="0" indent="0" algn="ctr" defTabSz="1600200">
+            <a:lnSpc>
+              <a:spcPct val="100000"/>
+            </a:lnSpc>
+            <a:spcBef>
+              <a:spcPct val="0"/>
+            </a:spcBef>
+            <a:spcAft>
+              <a:spcPct val="35000"/>
+            </a:spcAft>
+            <a:buNone/>
+          </a:pPr>
+          <a:r>
+            <a:rPr lang="en-US" sz="3600" kern="1200" dirty="0"/>
+            <a:t>Hard Work</a:t>
+          </a:r>
+        </a:p>
+      </dsp:txBody>
+      <dsp:txXfrm>
+        <a:off x="7629300" y="2604236"/>
+        <a:ext cx="3223045" cy="720000"/>
+      </dsp:txXfrm>
+    </dsp:sp>
+  </dsp:spTree>
+</dsp:drawing>
+</file>
+
+<file path=ppt/diagrams/layout1.xml><?xml version="1.0" encoding="utf-8"?>
+<dgm:layoutDef xmlns:dgm="http://schemas.openxmlformats.org/drawingml/2006/diagram" xmlns:a="http://schemas.openxmlformats.org/drawingml/2006/main" uniqueId="urn:microsoft.com/office/officeart/2018/2/layout/IconLabelList">
+  <dgm:title val="Icon Label List"/>
+  <dgm:desc val="Use to show non-sequential or grouped chunks of information accompanied by a related visuals. Works best with icons or small pictures with short text captions."/>
+  <dgm:catLst>
+    <dgm:cat type="icon" pri="500"/>
+  </dgm:catLst>
+  <dgm:sampData useDef="1">
+    <dgm:dataModel>
+      <dgm:ptLst/>
+      <dgm:bg/>
+      <dgm:whole/>
+    </dgm:dataModel>
+  </dgm:sampData>
+  <dgm:styleData useDef="1">
+    <dgm:dataModel>
+      <dgm:ptLst/>
+      <dgm:bg/>
+      <dgm:whole/>
+    </dgm:dataModel>
+  </dgm:styleData>
+  <dgm:clrData useDef="1">
+    <dgm:dataModel>
+      <dgm:ptLst/>
+      <dgm:bg/>
+      <dgm:whole/>
+    </dgm:dataModel>
+  </dgm:clrData>
+  <dgm:layoutNode name="root">
+    <dgm:varLst>
+      <dgm:dir/>
+      <dgm:resizeHandles val="exact"/>
+    </dgm:varLst>
+    <dgm:choose name="Name0">
+      <dgm:if name="Name1" axis="self" func="var" arg="dir" op="equ" val="norm">
+        <dgm:alg type="snake">
+          <dgm:param type="grDir" val="tL"/>
+          <dgm:param type="flowDir" val="row"/>
+          <dgm:param type="contDir" val="sameDir"/>
+          <dgm:param type="off" val="ctr"/>
+          <dgm:param type="vertAlign" val="mid"/>
+          <dgm:param type="horzAlign" val="ctr"/>
+        </dgm:alg>
+      </dgm:if>
+      <dgm:else name="Name2">
+        <dgm:alg type="snake">
+          <dgm:param type="grDir" val="tR"/>
+          <dgm:param type="flowDir" val="row"/>
+          <dgm:param type="contDir" val="sameDir"/>
+          <dgm:param type="off" val="ctr"/>
+          <dgm:param type="vertAlign" val="mid"/>
+          <dgm:param type="horzAlign" val="ctr"/>
+        </dgm:alg>
+      </dgm:else>
+    </dgm:choose>
+    <dgm:shape xmlns:r="http://schemas.openxmlformats.org/officeDocument/2006/relationships" r:blip="">
+      <dgm:adjLst/>
+    </dgm:shape>
+    <dgm:presOf/>
+    <dgm:choose name="Name3">
+      <dgm:if name="Name4" axis="ch" ptType="node" func="cnt" op="lte" val="2">
+        <dgm:constrLst>
+          <dgm:constr type="h" for="ch" forName="compNode" refType="h" fact="0.4"/>
+          <dgm:constr type="w" for="ch" forName="compNode" val="120"/>
+          <dgm:constr type="w" for="ch" forName="sibTrans" refType="w" refFor="ch" refForName="compNode" fact="0.175"/>
+          <dgm:constr type="sp" refType="w" refFor="ch" refForName="compNode" op="equ" fact="0.25"/>
+          <dgm:constr type="primFontSz" for="des" ptType="node" op="equ" val="50"/>
+          <dgm:constr type="h" for="des" forName="compNode" op="equ"/>
+          <dgm:constr type="h" for="des" forName="textRect" op="equ"/>
+        </dgm:constrLst>
+      </dgm:if>
+      <dgm:if name="Name5" axis="ch" ptType="node" func="cnt" op="lte" val="4">
+        <dgm:constrLst>
+          <dgm:constr type="h" for="ch" forName="compNode" refType="h" fact="0.4"/>
+          <dgm:constr type="w" for="ch" forName="compNode" refType="w"/>
+          <dgm:constr type="w" for="ch" forName="sibTrans" refType="w" refFor="ch" refForName="compNode" fact="0.175"/>
+          <dgm:constr type="sp" refType="w" refFor="ch" refForName="compNode" op="equ" fact="0.25"/>
+          <dgm:constr type="primFontSz" for="des" ptType="node" op="equ" val="36"/>
+          <dgm:constr type="h" for="des" forName="compNode" op="equ"/>
+          <dgm:constr type="h" for="des" forName="textRect" op="equ"/>
+        </dgm:constrLst>
+      </dgm:if>
+      <dgm:else name="Name6">
+        <dgm:constrLst>
+          <dgm:constr type="h" for="ch" forName="compNode" refType="h" fact="0.4"/>
+          <dgm:constr type="w" for="ch" forName="compNode" refType="w"/>
+          <dgm:constr type="w" for="ch" forName="sibTrans" refType="w" refFor="ch" refForName="compNode" fact="0.175"/>
+          <dgm:constr type="sp" refType="w" refFor="ch" refForName="compNode" op="equ" fact="0.25"/>
+          <dgm:constr type="primFontSz" for="des" ptType="node" op="equ" val="24"/>
+          <dgm:constr type="h" for="des" forName="compNode" op="equ"/>
+          <dgm:constr type="h" for="des" forName="textRect" op="equ"/>
+        </dgm:constrLst>
+      </dgm:else>
+    </dgm:choose>
+    <dgm:ruleLst>
+      <dgm:rule type="w" for="ch" forName="compNode" val="50" fact="NaN" max="NaN"/>
+    </dgm:ruleLst>
+    <dgm:forEach name="Name7" axis="ch" ptType="node">
+      <dgm:layoutNode name="compNode">
+        <dgm:alg type="composite"/>
+        <dgm:shape xmlns:r="http://schemas.openxmlformats.org/officeDocument/2006/relationships" r:blip="">
+          <dgm:adjLst/>
+        </dgm:shape>
+        <dgm:presOf axis="self"/>
+        <dgm:constrLst>
+          <dgm:constr type="w" for="ch" forName="iconRect" refType="w" fact="0.45"/>
+          <dgm:constr type="h" for="ch" forName="iconRect" refType="w" refFor="ch" refForName="iconRect"/>
+          <dgm:constr type="ctrX" for="ch" forName="iconRect" refType="w" fact="0.5"/>
+          <dgm:constr type="t" for="ch" forName="iconRect"/>
+          <dgm:constr type="h" for="ch" forName="spaceRect" refType="h" fact="0.15"/>
+          <dgm:constr type="w" for="ch" forName="spaceRect" refType="w"/>
+          <dgm:constr type="l" for="ch" forName="spaceRect"/>
+          <dgm:constr type="t" for="ch" forName="spaceRect" refType="b" refFor="ch" refForName="iconRect"/>
+          <dgm:constr type="h" for="ch" forName="textRect" val="20"/>
+          <dgm:constr type="w" for="ch" forName="textRect" refType="w"/>
+          <dgm:constr type="l" for="ch" forName="textRect"/>
+          <dgm:constr type="t" for="ch" forName="textRect" refType="b" refFor="ch" refForName="spaceRect"/>
+        </dgm:constrLst>
+        <dgm:ruleLst>
+          <dgm:rule type="h" val="INF" fact="NaN" max="NaN"/>
+        </dgm:ruleLst>
+        <dgm:layoutNode name="iconRect" styleLbl="node1">
+          <dgm:alg type="sp"/>
+          <dgm:shape xmlns:r="http://schemas.openxmlformats.org/officeDocument/2006/relationships" type="rect" r:blip="" blipPhldr="1">
+            <dgm:adjLst/>
+          </dgm:shape>
+          <dgm:presOf/>
+          <dgm:constrLst/>
+          <dgm:ruleLst/>
+        </dgm:layoutNode>
+        <dgm:layoutNode name="spaceRect">
+          <dgm:alg type="sp"/>
+          <dgm:shape xmlns:r="http://schemas.openxmlformats.org/officeDocument/2006/relationships" r:blip="">
+            <dgm:adjLst/>
+          </dgm:shape>
+          <dgm:presOf/>
+          <dgm:constrLst/>
+          <dgm:ruleLst/>
+        </dgm:layoutNode>
+        <dgm:layoutNode name="textRect" styleLbl="revTx">
+          <dgm:varLst>
+            <dgm:chMax val="1"/>
+            <dgm:chPref val="1"/>
+          </dgm:varLst>
+          <dgm:alg type="tx">
+            <dgm:param type="txAnchorVert" val="t"/>
+          </dgm:alg>
+          <dgm:shape xmlns:r="http://schemas.openxmlformats.org/officeDocument/2006/relationships" type="rect" r:blip="">
+            <dgm:adjLst/>
+          </dgm:shape>
+          <dgm:presOf axis="self" ptType="node"/>
+          <dgm:constrLst>
+            <dgm:constr type="lMarg"/>
+            <dgm:constr type="rMarg"/>
+            <dgm:constr type="tMarg"/>
+            <dgm:constr type="bMarg"/>
+          </dgm:constrLst>
+          <dgm:ruleLst>
+            <dgm:rule type="primFontSz" val="11" fact="NaN" max="NaN"/>
+            <dgm:rule type="h" val="INF" fact="NaN" max="NaN"/>
+          </dgm:ruleLst>
+        </dgm:layoutNode>
+      </dgm:layoutNode>
+      <dgm:forEach name="Name8" axis="followSib" ptType="sibTrans" cnt="1">
+        <dgm:layoutNode name="sibTrans">
+          <dgm:alg type="sp"/>
+          <dgm:shape xmlns:r="http://schemas.openxmlformats.org/officeDocument/2006/relationships" r:blip="">
+            <dgm:adjLst/>
+          </dgm:shape>
+          <dgm:presOf axis="self"/>
+          <dgm:constrLst/>
+          <dgm:ruleLst/>
+        </dgm:layoutNode>
+      </dgm:forEach>
+    </dgm:forEach>
+  </dgm:layoutNode>
+  <dgm:extLst>
+    <a:ext uri="{68A01E43-0DF5-4B5B-8FA6-DAF915123BFB}">
+      <dgm1612:lstStyle xmlns:dgm1612="http://schemas.microsoft.com/office/drawing/2016/12/diagram">
+        <a:lvl1pPr>
+          <a:lnSpc>
+            <a:spcPct val="100000"/>
+          </a:lnSpc>
+        </a:lvl1pPr>
+      </dgm1612:lstStyle>
+    </a:ext>
+  </dgm:extLst>
+</dgm:layoutDef>
+</file>
+
+<file path=ppt/diagrams/quickStyle1.xml><?xml version="1.0" encoding="utf-8"?>
+<dgm:styleDef xmlns:dgm="http://schemas.openxmlformats.org/drawingml/2006/diagram" xmlns:a="http://schemas.openxmlformats.org/drawingml/2006/main" uniqueId="urn:microsoft.com/office/officeart/2005/8/quickstyle/simple1">
+  <dgm:title val=""/>
+  <dgm:desc val=""/>
+  <dgm:catLst>
+    <dgm:cat type="simple" pri="10100"/>
+  </dgm:catLst>
+  <dgm:scene3d>
+    <a:camera prst="orthographicFront"/>
+    <a:lightRig rig="threePt" dir="t"/>
+  </dgm:scene3d>
+  <dgm:styleLbl name="node0">
+    <dgm:scene3d>
+      <a:camera prst="orthographicFront"/>
+      <a:lightRig rig="threePt" dir="t"/>
+    </dgm:scene3d>
+    <dgm:sp3d/>
+    <dgm:txPr/>
+    <dgm:style>
+      <a:lnRef idx="2">
+        <a:scrgbClr r="0" g="0" b="0"/>
+      </a:lnRef>
+      <a:fillRef idx="1">
+        <a:scrgbClr r="0" g="0" b="0"/>
+      </a:fillRef>
+      <a:effectRef idx="0">
+        <a:scrgbClr r="0" g="0" b="0"/>
+      </a:effectRef>
+      <a:fontRef idx="minor">
+        <a:schemeClr val="lt1"/>
+      </a:fontRef>
+    </dgm:style>
+  </dgm:styleLbl>
+  <dgm:styleLbl name="lnNode1">
+    <dgm:scene3d>
+      <a:camera prst="orthographicFront"/>
+      <a:lightRig rig="threePt" dir="t"/>
+    </dgm:scene3d>
+    <dgm:sp3d/>
+    <dgm:txPr/>
+    <dgm:style>
+      <a:lnRef idx="2">
+        <a:scrgbClr r="0" g="0" b="0"/>
+      </a:lnRef>
+      <a:fillRef idx="1">
+        <a:scrgbClr r="0" g="0" b="0"/>
+      </a:fillRef>
+      <a:effectRef idx="0">
+        <a:scrgbClr r="0" g="0" b="0"/>
+      </a:effectRef>
+      <a:fontRef idx="minor">
+        <a:schemeClr val="lt1"/>
+      </a:fontRef>
+    </dgm:style>
+  </dgm:styleLbl>
+  <dgm:styleLbl name="vennNode1">
+    <dgm:scene3d>
+      <a:camera prst="orthographicFront"/>
+      <a:lightRig rig="threePt" dir="t"/>
+    </dgm:scene3d>
+    <dgm:sp3d/>
+    <dgm:txPr/>
+    <dgm:style>
+      <a:lnRef idx="2">
+        <a:scrgbClr r="0" g="0" b="0"/>
+      </a:lnRef>
+      <a:fillRef idx="1">
+        <a:scrgbClr r="0" g="0" b="0"/>
+      </a:fillRef>
+      <a:effectRef idx="0">
+        <a:scrgbClr r="0" g="0" b="0"/>
+      </a:effectRef>
+      <a:fontRef idx="minor">
+        <a:schemeClr val="tx1"/>
+      </a:fontRef>
+    </dgm:style>
+  </dgm:styleLbl>
+  <dgm:styleLbl name="alignNode1">
+    <dgm:scene3d>
+      <a:camera prst="orthographicFront"/>
+      <a:lightRig rig="threePt" dir="t"/>
+    </dgm:scene3d>
+    <dgm:sp3d/>
+    <dgm:txPr/>
+    <dgm:style>
+      <a:lnRef idx="2">
+        <a:scrgbClr r="0" g="0" b="0"/>
+      </a:lnRef>
+      <a:fillRef idx="1">
+        <a:scrgbClr r="0" g="0" b="0"/>
+      </a:fillRef>
+      <a:effectRef idx="0">
+        <a:scrgbClr r="0" g="0" b="0"/>
+      </a:effectRef>
+      <a:fontRef idx="minor">
+        <a:schemeClr val="lt1"/>
+      </a:fontRef>
+    </dgm:style>
+  </dgm:styleLbl>
+  <dgm:styleLbl name="node1">
+    <dgm:scene3d>
+      <a:camera prst="orthographicFront"/>
+      <a:lightRig rig="threePt" dir="t"/>
+    </dgm:scene3d>
+    <dgm:sp3d/>
+    <dgm:txPr/>
+    <dgm:style>
+      <a:lnRef idx="2">
+        <a:scrgbClr r="0" g="0" b="0"/>
+      </a:lnRef>
+      <a:fillRef idx="1">
+        <a:scrgbClr r="0" g="0" b="0"/>
+      </a:fillRef>
+      <a:effectRef idx="0">
+        <a:scrgbClr r="0" g="0" b="0"/>
+      </a:effectRef>
+      <a:fontRef idx="minor">
+        <a:schemeClr val="lt1"/>
+      </a:fontRef>
+    </dgm:style>
+  </dgm:styleLbl>
+  <dgm:styleLbl name="node2">
+    <dgm:scene3d>
+      <a:camera prst="orthographicFront"/>
+      <a:lightRig rig="threePt" dir="t"/>
+    </dgm:scene3d>
+    <dgm:sp3d/>
+    <dgm:txPr/>
+    <dgm:style>
+      <a:lnRef idx="2">
+        <a:scrgbClr r="0" g="0" b="0"/>
+      </a:lnRef>
+      <a:fillRef idx="1">
+        <a:scrgbClr r="0" g="0" b="0"/>
+      </a:fillRef>
+      <a:effectRef idx="0">
+        <a:scrgbClr r="0" g="0" b="0"/>
+      </a:effectRef>
+      <a:fontRef idx="minor">
+        <a:schemeClr val="lt1"/>
+      </a:fontRef>
+    </dgm:style>
+  </dgm:styleLbl>
+  <dgm:styleLbl name="node3">
+    <dgm:scene3d>
+      <a:camera prst="orthographicFront"/>
+      <a:lightRig rig="threePt" dir="t"/>
+    </dgm:scene3d>
+    <dgm:sp3d/>
+    <dgm:txPr/>
+    <dgm:style>
+      <a:lnRef idx="2">
+        <a:scrgbClr r="0" g="0" b="0"/>
+      </a:lnRef>
+      <a:fillRef idx="1">
+        <a:scrgbClr r="0" g="0" b="0"/>
+      </a:fillRef>
+      <a:effectRef idx="0">
+        <a:scrgbClr r="0" g="0" b="0"/>
+      </a:effectRef>
+      <a:fontRef idx="minor">
+        <a:schemeClr val="lt1"/>
+      </a:fontRef>
+    </dgm:style>
+  </dgm:styleLbl>
+  <dgm:styleLbl name="node4">
+    <dgm:scene3d>
+      <a:camera prst="orthographicFront"/>
+      <a:lightRig rig="threePt" dir="t"/>
+    </dgm:scene3d>
+    <dgm:sp3d/>
+    <dgm:txPr/>
+    <dgm:style>
+      <a:lnRef idx="2">
+        <a:scrgbClr r="0" g="0" b="0"/>
+      </a:lnRef>
+      <a:fillRef idx="1">
+        <a:scrgbClr r="0" g="0" b="0"/>
+      </a:fillRef>
+      <a:effectRef idx="0">
+        <a:scrgbClr r="0" g="0" b="0"/>
+      </a:effectRef>
+      <a:fontRef idx="minor">
+        <a:schemeClr val="lt1"/>
+      </a:fontRef>
+    </dgm:style>
+  </dgm:styleLbl>
+  <dgm:styleLbl name="fgImgPlace1">
+    <dgm:scene3d>
+      <a:camera prst="orthographicFront"/>
+      <a:lightRig rig="threePt" dir="t"/>
+    </dgm:scene3d>
+    <dgm:sp3d/>
+    <dgm:txPr/>
+    <dgm:style>
+      <a:lnRef idx="2">
+        <a:scrgbClr r="0" g="0" b="0"/>
+      </a:lnRef>
+      <a:fillRef idx="1">
+        <a:scrgbClr r="0" g="0" b="0"/>
+      </a:fillRef>
+      <a:effectRef idx="0">
+        <a:scrgbClr r="0" g="0" b="0"/>
+      </a:effectRef>
+      <a:fontRef idx="minor"/>
+    </dgm:style>
+  </dgm:styleLbl>
+  <dgm:styleLbl name="alignImgPlace1">
+    <dgm:scene3d>
+      <a:camera prst="orthographicFront"/>
+      <a:lightRig rig="threePt" dir="t"/>
+    </dgm:scene3d>
+    <dgm:sp3d/>
+    <dgm:txPr/>
+    <dgm:style>
+      <a:lnRef idx="2">
+        <a:scrgbClr r="0" g="0" b="0"/>
+      </a:lnRef>
+      <a:fillRef idx="1">
+        <a:scrgbClr r="0" g="0" b="0"/>
+      </a:fillRef>
+      <a:effectRef idx="0">
+        <a:scrgbClr r="0" g="0" b="0"/>
+      </a:effectRef>
+      <a:fontRef idx="minor"/>
+    </dgm:style>
+  </dgm:styleLbl>
+  <dgm:styleLbl name="bgImgPlace1">
+    <dgm:scene3d>
+      <a:camera prst="orthographicFront"/>
+      <a:lightRig rig="threePt" dir="t"/>
+    </dgm:scene3d>
+    <dgm:sp3d/>
+    <dgm:txPr/>
+    <dgm:style>
+      <a:lnRef idx="2">
+        <a:scrgbClr r="0" g="0" b="0"/>
+      </a:lnRef>
+      <a:fillRef idx="1">
+        <a:scrgbClr r="0" g="0" b="0"/>
+      </a:fillRef>
+      <a:effectRef idx="0">
+        <a:scrgbClr r="0" g="0" b="0"/>
+      </a:effectRef>
+      <a:fontRef idx="minor"/>
+    </dgm:style>
+  </dgm:styleLbl>
+  <dgm:styleLbl name="sibTrans2D1">
+    <dgm:scene3d>
+      <a:camera prst="orthographicFront"/>
+      <a:lightRig rig="threePt" dir="t"/>
+    </dgm:scene3d>
+    <dgm:sp3d/>
+    <dgm:txPr/>
+    <dgm:style>
+      <a:lnRef idx="0">
+        <a:scrgbClr r="0" g="0" b="0"/>
+      </a:lnRef>
+      <a:fillRef idx="1">
+        <a:scrgbClr r="0" g="0" b="0"/>
+      </a:fillRef>
+      <a:effectRef idx="0">
+        <a:scrgbClr r="0" g="0" b="0"/>
+      </a:effectRef>
+      <a:fontRef idx="minor">
+        <a:schemeClr val="lt1"/>
+      </a:fontRef>
+    </dgm:style>
+  </dgm:styleLbl>
+  <dgm:styleLbl name="fgSibTrans2D1">
+    <dgm:scene3d>
+      <a:camera prst="orthographicFront"/>
+      <a:lightRig rig="threePt" dir="t"/>
+    </dgm:scene3d>
+    <dgm:sp3d/>
+    <dgm:txPr/>
+    <dgm:style>
+      <a:lnRef idx="0">
+        <a:scrgbClr r="0" g="0" b="0"/>
+      </a:lnRef>
+      <a:fillRef idx="1">
+        <a:scrgbClr r="0" g="0" b="0"/>
+      </a:fillRef>
+      <a:effectRef idx="0">
+        <a:scrgbClr r="0" g="0" b="0"/>
+      </a:effectRef>
+      <a:fontRef idx="minor">
+        <a:schemeClr val="lt1"/>
+      </a:fontRef>
+    </dgm:style>
+  </dgm:styleLbl>
+  <dgm:styleLbl name="bgSibTrans2D1">
+    <dgm:scene3d>
+      <a:camera prst="orthographicFront"/>
+      <a:lightRig rig="threePt" dir="t"/>
+    </dgm:scene3d>
+    <dgm:sp3d/>
+    <dgm:txPr/>
+    <dgm:style>
+      <a:lnRef idx="0">
+        <a:scrgbClr r="0" g="0" b="0"/>
+      </a:lnRef>
+      <a:fillRef idx="1">
+        <a:scrgbClr r="0" g="0" b="0"/>
+      </a:fillRef>
+      <a:effectRef idx="0">
+        <a:scrgbClr r="0" g="0" b="0"/>
+      </a:effectRef>
+      <a:fontRef idx="minor">
+        <a:schemeClr val="lt1"/>
+      </a:fontRef>
+    </dgm:style>
+  </dgm:styleLbl>
+  <dgm:styleLbl name="sibTrans1D1">
+    <dgm:scene3d>
+      <a:camera prst="orthographicFront"/>
+      <a:lightRig rig="threePt" dir="t"/>
+    </dgm:scene3d>
+    <dgm:sp3d/>
+    <dgm:txPr/>
+    <dgm:style>
+      <a:lnRef idx="1">
+        <a:scrgbClr r="0" g="0" b="0"/>
+      </a:lnRef>
+      <a:fillRef idx="0">
+        <a:scrgbClr r="0" g="0" b="0"/>
+      </a:fillRef>
+      <a:effectRef idx="0">
+        <a:scrgbClr r="0" g="0" b="0"/>
+      </a:effectRef>
+      <a:fontRef idx="minor"/>
+    </dgm:style>
+  </dgm:styleLbl>
+  <dgm:styleLbl name="callout">
+    <dgm:scene3d>
+      <a:camera prst="orthographicFront"/>
+      <a:lightRig rig="threePt" dir="t"/>
+    </dgm:scene3d>
+    <dgm:sp3d/>
+    <dgm:txPr/>
+    <dgm:style>
+      <a:lnRef idx="2">
+        <a:scrgbClr r="0" g="0" b="0"/>
+      </a:lnRef>
+      <a:fillRef idx="1">
+        <a:scrgbClr r="0" g="0" b="0"/>
+      </a:fillRef>
+      <a:effectRef idx="0">
+        <a:scrgbClr r="0" g="0" b="0"/>
+      </a:effectRef>
+      <a:fontRef idx="minor"/>
+    </dgm:style>
+  </dgm:styleLbl>
+  <dgm:styleLbl name="asst0">
+    <dgm:scene3d>
+      <a:camera prst="orthographicFront"/>
+      <a:lightRig rig="threePt" dir="t"/>
+    </dgm:scene3d>
+    <dgm:sp3d/>
+    <dgm:txPr/>
+    <dgm:style>
+      <a:lnRef idx="2">
+        <a:scrgbClr r="0" g="0" b="0"/>
+      </a:lnRef>
+      <a:fillRef idx="1">
+        <a:scrgbClr r="0" g="0" b="0"/>
+      </a:fillRef>
+      <a:effectRef idx="0">
+        <a:scrgbClr r="0" g="0" b="0"/>
+      </a:effectRef>
+      <a:fontRef idx="minor">
+        <a:schemeClr val="lt1"/>
+      </a:fontRef>
+    </dgm:style>
+  </dgm:styleLbl>
+  <dgm:styleLbl name="asst1">
+    <dgm:scene3d>
+      <a:camera prst="orthographicFront"/>
+      <a:lightRig rig="threePt" dir="t"/>
+    </dgm:scene3d>
+    <dgm:sp3d/>
+    <dgm:txPr/>
+    <dgm:style>
+      <a:lnRef idx="2">
+        <a:scrgbClr r="0" g="0" b="0"/>
+      </a:lnRef>
+      <a:fillRef idx="1">
+        <a:scrgbClr r="0" g="0" b="0"/>
+      </a:fillRef>
+      <a:effectRef idx="0">
+        <a:scrgbClr r="0" g="0" b="0"/>
+      </a:effectRef>
+      <a:fontRef idx="minor">
+        <a:schemeClr val="lt1"/>
+      </a:fontRef>
+    </dgm:style>
+  </dgm:styleLbl>
+  <dgm:styleLbl name="asst2">
+    <dgm:scene3d>
+      <a:camera prst="orthographicFront"/>
+      <a:lightRig rig="threePt" dir="t"/>
+    </dgm:scene3d>
+    <dgm:sp3d/>
+    <dgm:txPr/>
+    <dgm:style>
+      <a:lnRef idx="2">
+        <a:scrgbClr r="0" g="0" b="0"/>
+      </a:lnRef>
+      <a:fillRef idx="1">
+        <a:scrgbClr r="0" g="0" b="0"/>
+      </a:fillRef>
+      <a:effectRef idx="0">
+        <a:scrgbClr r="0" g="0" b="0"/>
+      </a:effectRef>
+      <a:fontRef idx="minor">
+        <a:schemeClr val="lt1"/>
+      </a:fontRef>
+    </dgm:style>
+  </dgm:styleLbl>
+  <dgm:styleLbl name="asst3">
+    <dgm:scene3d>
+      <a:camera prst="orthographicFront"/>
+      <a:lightRig rig="threePt" dir="t"/>
+    </dgm:scene3d>
+    <dgm:sp3d/>
+    <dgm:txPr/>
+    <dgm:style>
+      <a:lnRef idx="2">
+        <a:scrgbClr r="0" g="0" b="0"/>
+      </a:lnRef>
+      <a:fillRef idx="1">
+        <a:scrgbClr r="0" g="0" b="0"/>
+      </a:fillRef>
+      <a:effectRef idx="0">
+        <a:scrgbClr r="0" g="0" b="0"/>
+      </a:effectRef>
+      <a:fontRef idx="minor">
+        <a:schemeClr val="lt1"/>
+      </a:fontRef>
+    </dgm:style>
+  </dgm:styleLbl>
+  <dgm:styleLbl name="asst4">
+    <dgm:scene3d>
+      <a:camera prst="orthographicFront"/>
+      <a:lightRig rig="threePt" dir="t"/>
+    </dgm:scene3d>
+    <dgm:sp3d/>
+    <dgm:txPr/>
+    <dgm:style>
+      <a:lnRef idx="2">
+        <a:scrgbClr r="0" g="0" b="0"/>
+      </a:lnRef>
+      <a:fillRef idx="1">
+        <a:scrgbClr r="0" g="0" b="0"/>
+      </a:fillRef>
+      <a:effectRef idx="0">
+        <a:scrgbClr r="0" g="0" b="0"/>
+      </a:effectRef>
+      <a:fontRef idx="minor">
+        <a:schemeClr val="lt1"/>
+      </a:fontRef>
+    </dgm:style>
+  </dgm:styleLbl>
+  <dgm:styleLbl name="parChTrans2D1">
+    <dgm:scene3d>
+      <a:camera prst="orthographicFront"/>
+      <a:lightRig rig="threePt" dir="t"/>
+    </dgm:scene3d>
+    <dgm:sp3d/>
+    <dgm:txPr/>
+    <dgm:style>
+      <a:lnRef idx="2">
+        <a:scrgbClr r="0" g="0" b="0"/>
+      </a:lnRef>
+      <a:fillRef idx="1">
+        <a:scrgbClr r="0" g="0" b="0"/>
+      </a:fillRef>
+      <a:effectRef idx="0">
+        <a:scrgbClr r="0" g="0" b="0"/>
+      </a:effectRef>
+      <a:fontRef idx="minor">
+        <a:schemeClr val="lt1"/>
+      </a:fontRef>
+    </dgm:style>
+  </dgm:styleLbl>
+  <dgm:styleLbl name="parChTrans2D2">
+    <dgm:scene3d>
+      <a:camera prst="orthographicFront"/>
+      <a:lightRig rig="threePt" dir="t"/>
+    </dgm:scene3d>
+    <dgm:sp3d/>
+    <dgm:txPr/>
+    <dgm:style>
+      <a:lnRef idx="2">
+        <a:scrgbClr r="0" g="0" b="0"/>
+      </a:lnRef>
+      <a:fillRef idx="1">
+        <a:scrgbClr r="0" g="0" b="0"/>
+      </a:fillRef>
+      <a:effectRef idx="0">
+        <a:scrgbClr r="0" g="0" b="0"/>
+      </a:effectRef>
+      <a:fontRef idx="minor">
+        <a:schemeClr val="lt1"/>
+      </a:fontRef>
+    </dgm:style>
+  </dgm:styleLbl>
+  <dgm:styleLbl name="parChTrans2D3">
+    <dgm:scene3d>
+      <a:camera prst="orthographicFront"/>
+      <a:lightRig rig="threePt" dir="t"/>
+    </dgm:scene3d>
+    <dgm:sp3d/>
+    <dgm:txPr/>
+    <dgm:style>
+      <a:lnRef idx="2">
+        <a:scrgbClr r="0" g="0" b="0"/>
+      </a:lnRef>
+      <a:fillRef idx="1">
+        <a:scrgbClr r="0" g="0" b="0"/>
+      </a:fillRef>
+      <a:effectRef idx="0">
+        <a:scrgbClr r="0" g="0" b="0"/>
+      </a:effectRef>
+      <a:fontRef idx="minor">
+        <a:schemeClr val="lt1"/>
+      </a:fontRef>
+    </dgm:style>
+  </dgm:styleLbl>
+  <dgm:styleLbl name="parChTrans2D4">
+    <dgm:scene3d>
+      <a:camera prst="orthographicFront"/>
+      <a:lightRig rig="threePt" dir="t"/>
+    </dgm:scene3d>
+    <dgm:sp3d/>
+    <dgm:txPr/>
+    <dgm:style>
+      <a:lnRef idx="2">
+        <a:scrgbClr r="0" g="0" b="0"/>
+      </a:lnRef>
+      <a:fillRef idx="1">
+        <a:scrgbClr r="0" g="0" b="0"/>
+      </a:fillRef>
+      <a:effectRef idx="0">
+        <a:scrgbClr r="0" g="0" b="0"/>
+      </a:effectRef>
+      <a:fontRef idx="minor">
+        <a:schemeClr val="lt1"/>
+      </a:fontRef>
+    </dgm:style>
+  </dgm:styleLbl>
+  <dgm:styleLbl name="parChTrans1D1">
+    <dgm:scene3d>
+      <a:camera prst="orthographicFront"/>
+      <a:lightRig rig="threePt" dir="t"/>
+    </dgm:scene3d>
+    <dgm:sp3d/>
+    <dgm:txPr/>
+    <dgm:style>
+      <a:lnRef idx="2">
+        <a:scrgbClr r="0" g="0" b="0"/>
+      </a:lnRef>
+      <a:fillRef idx="0">
+        <a:scrgbClr r="0" g="0" b="0"/>
+      </a:fillRef>
+      <a:effectRef idx="0">
+        <a:scrgbClr r="0" g="0" b="0"/>
+      </a:effectRef>
+      <a:fontRef idx="minor"/>
+    </dgm:style>
+  </dgm:styleLbl>
+  <dgm:styleLbl name="parChTrans1D2">
+    <dgm:scene3d>
+      <a:camera prst="orthographicFront"/>
+      <a:lightRig rig="threePt" dir="t"/>
+    </dgm:scene3d>
+    <dgm:sp3d/>
+    <dgm:txPr/>
+    <dgm:style>
+      <a:lnRef idx="2">
+        <a:scrgbClr r="0" g="0" b="0"/>
+      </a:lnRef>
+      <a:fillRef idx="0">
+        <a:scrgbClr r="0" g="0" b="0"/>
+      </a:fillRef>
+      <a:effectRef idx="0">
+        <a:scrgbClr r="0" g="0" b="0"/>
+      </a:effectRef>
+      <a:fontRef idx="minor"/>
+    </dgm:style>
+  </dgm:styleLbl>
+  <dgm:styleLbl name="parChTrans1D3">
+    <dgm:scene3d>
+      <a:camera prst="orthographicFront"/>
+      <a:lightRig rig="threePt" dir="t"/>
+    </dgm:scene3d>
+    <dgm:sp3d/>
+    <dgm:txPr/>
+    <dgm:style>
+      <a:lnRef idx="2">
+        <a:scrgbClr r="0" g="0" b="0"/>
+      </a:lnRef>
+      <a:fillRef idx="0">
+        <a:scrgbClr r="0" g="0" b="0"/>
+      </a:fillRef>
+      <a:effectRef idx="0">
+        <a:scrgbClr r="0" g="0" b="0"/>
+      </a:effectRef>
+      <a:fontRef idx="minor"/>
+    </dgm:style>
+  </dgm:styleLbl>
+  <dgm:styleLbl name="parChTrans1D4">
+    <dgm:scene3d>
+      <a:camera prst="orthographicFront"/>
+      <a:lightRig rig="threePt" dir="t"/>
+    </dgm:scene3d>
+    <dgm:sp3d/>
+    <dgm:txPr/>
+    <dgm:style>
+      <a:lnRef idx="2">
+        <a:scrgbClr r="0" g="0" b="0"/>
+      </a:lnRef>
+      <a:fillRef idx="0">
+        <a:scrgbClr r="0" g="0" b="0"/>
+      </a:fillRef>
+      <a:effectRef idx="0">
+        <a:scrgbClr r="0" g="0" b="0"/>
+      </a:effectRef>
+      <a:fontRef idx="minor"/>
+    </dgm:style>
+  </dgm:styleLbl>
+  <dgm:styleLbl name="fgAcc1">
+    <dgm:scene3d>
+      <a:camera prst="orthographicFront"/>
+      <a:lightRig rig="threePt" dir="t"/>
+    </dgm:scene3d>
+    <dgm:sp3d/>
+    <dgm:txPr/>
+    <dgm:style>
+      <a:lnRef idx="2">
+        <a:scrgbClr r="0" g="0" b="0"/>
+      </a:lnRef>
+      <a:fillRef idx="1">
+        <a:scrgbClr r="0" g="0" b="0"/>
+      </a:fillRef>
+      <a:effectRef idx="0">
+        <a:scrgbClr r="0" g="0" b="0"/>
+      </a:effectRef>
+      <a:fontRef idx="minor"/>
+    </dgm:style>
+  </dgm:styleLbl>
+  <dgm:styleLbl name="conFgAcc1">
+    <dgm:scene3d>
+      <a:camera prst="orthographicFront"/>
+      <a:lightRig rig="threePt" dir="t"/>
+    </dgm:scene3d>
+    <dgm:sp3d/>
+    <dgm:txPr/>
+    <dgm:style>
+      <a:lnRef idx="2">
+        <a:scrgbClr r="0" g="0" b="0"/>
+      </a:lnRef>
+      <a:fillRef idx="1">
+        <a:scrgbClr r="0" g="0" b="0"/>
+      </a:fillRef>
+      <a:effectRef idx="0">
+        <a:scrgbClr r="0" g="0" b="0"/>
+      </a:effectRef>
+      <a:fontRef idx="minor"/>
+    </dgm:style>
+  </dgm:styleLbl>
+  <dgm:styleLbl name="alignAcc1">
+    <dgm:scene3d>
+      <a:camera prst="orthographicFront"/>
+      <a:lightRig rig="threePt" dir="t"/>
+    </dgm:scene3d>
+    <dgm:sp3d/>
+    <dgm:txPr/>
+    <dgm:style>
+      <a:lnRef idx="2">
+        <a:scrgbClr r="0" g="0" b="0"/>
+      </a:lnRef>
+      <a:fillRef idx="1">
+        <a:scrgbClr r="0" g="0" b="0"/>
+      </a:fillRef>
+      <a:effectRef idx="0">
+        <a:scrgbClr r="0" g="0" b="0"/>
+      </a:effectRef>
+      <a:fontRef idx="minor"/>
+    </dgm:style>
+  </dgm:styleLbl>
+  <dgm:styleLbl name="trAlignAcc1">
+    <dgm:scene3d>
+      <a:camera prst="orthographicFront"/>
+      <a:lightRig rig="threePt" dir="t"/>
+    </dgm:scene3d>
+    <dgm:sp3d/>
+    <dgm:txPr/>
+    <dgm:style>
+      <a:lnRef idx="1">
+        <a:scrgbClr r="0" g="0" b="0"/>
+      </a:lnRef>
+      <a:fillRef idx="1">
+        <a:scrgbClr r="0" g="0" b="0"/>
+      </a:fillRef>
+      <a:effectRef idx="0">
+        <a:scrgbClr r="0" g="0" b="0"/>
+      </a:effectRef>
+      <a:fontRef idx="minor"/>
+    </dgm:style>
+  </dgm:styleLbl>
+  <dgm:styleLbl name="bgAcc1">
+    <dgm:scene3d>
+      <a:camera prst="orthographicFront"/>
+      <a:lightRig rig="threePt" dir="t"/>
+    </dgm:scene3d>
+    <dgm:sp3d/>
+    <dgm:txPr/>
+    <dgm:style>
+      <a:lnRef idx="2">
+        <a:scrgbClr r="0" g="0" b="0"/>
+      </a:lnRef>
+      <a:fillRef idx="1">
+        <a:scrgbClr r="0" g="0" b="0"/>
+      </a:fillRef>
+      <a:effectRef idx="0">
+        <a:scrgbClr r="0" g="0" b="0"/>
+      </a:effectRef>
+      <a:fontRef idx="minor"/>
+    </dgm:style>
+  </dgm:styleLbl>
+  <dgm:styleLbl name="solidFgAcc1">
+    <dgm:scene3d>
+      <a:camera prst="orthographicFront"/>
+      <a:lightRig rig="threePt" dir="t"/>
+    </dgm:scene3d>
+    <dgm:sp3d/>
+    <dgm:txPr/>
+    <dgm:style>
+      <a:lnRef idx="2">
+        <a:scrgbClr r="0" g="0" b="0"/>
+      </a:lnRef>
+      <a:fillRef idx="1">
+        <a:scrgbClr r="0" g="0" b="0"/>
+      </a:fillRef>
+      <a:effectRef idx="0">
+        <a:scrgbClr r="0" g="0" b="0"/>
+      </a:effectRef>
+      <a:fontRef idx="minor"/>
+    </dgm:style>
+  </dgm:styleLbl>
+  <dgm:styleLbl name="solidAlignAcc1">
+    <dgm:scene3d>
+      <a:camera prst="orthographicFront"/>
+      <a:lightRig rig="threePt" dir="t"/>
+    </dgm:scene3d>
+    <dgm:sp3d/>
+    <dgm:txPr/>
+    <dgm:style>
+      <a:lnRef idx="2">
+        <a:scrgbClr r="0" g="0" b="0"/>
+      </a:lnRef>
+      <a:fillRef idx="1">
+        <a:scrgbClr r="0" g="0" b="0"/>
+      </a:fillRef>
+      <a:effectRef idx="0">
+        <a:scrgbClr r="0" g="0" b="0"/>
+      </a:effectRef>
+      <a:fontRef idx="minor"/>
+    </dgm:style>
+  </dgm:styleLbl>
+  <dgm:styleLbl name="solidBgAcc1">
+    <dgm:scene3d>
+      <a:camera prst="orthographicFront"/>
+      <a:lightRig rig="threePt" dir="t"/>
+    </dgm:scene3d>
+    <dgm:sp3d/>
+    <dgm:txPr/>
+    <dgm:style>
+      <a:lnRef idx="2">
+        <a:scrgbClr r="0" g="0" b="0"/>
+      </a:lnRef>
+      <a:fillRef idx="1">
+        <a:scrgbClr r="0" g="0" b="0"/>
+      </a:fillRef>
+      <a:effectRef idx="0">
+        <a:scrgbClr r="0" g="0" b="0"/>
+      </a:effectRef>
+      <a:fontRef idx="minor"/>
+    </dgm:style>
+  </dgm:styleLbl>
+  <dgm:styleLbl name="fgAccFollowNode1">
+    <dgm:scene3d>
+      <a:camera prst="orthographicFront"/>
+      <a:lightRig rig="threePt" dir="t"/>
+    </dgm:scene3d>
+    <dgm:sp3d/>
+    <dgm:txPr/>
+    <dgm:style>
+      <a:lnRef idx="2">
+        <a:scrgbClr r="0" g="0" b="0"/>
+      </a:lnRef>
+      <a:fillRef idx="1">
+        <a:scrgbClr r="0" g="0" b="0"/>
+      </a:fillRef>
+      <a:effectRef idx="0">
+        <a:scrgbClr r="0" g="0" b="0"/>
+      </a:effectRef>
+      <a:fontRef idx="minor"/>
+    </dgm:style>
+  </dgm:styleLbl>
+  <dgm:styleLbl name="alignAccFollowNode1">
+    <dgm:scene3d>
+      <a:camera prst="orthographicFront"/>
+      <a:lightRig rig="threePt" dir="t"/>
+    </dgm:scene3d>
+    <dgm:sp3d/>
+    <dgm:txPr/>
+    <dgm:style>
+      <a:lnRef idx="2">
+        <a:scrgbClr r="0" g="0" b="0"/>
+      </a:lnRef>
+      <a:fillRef idx="1">
+        <a:scrgbClr r="0" g="0" b="0"/>
+      </a:fillRef>
+      <a:effectRef idx="0">
+        <a:scrgbClr r="0" g="0" b="0"/>
+      </a:effectRef>
+      <a:fontRef idx="minor"/>
+    </dgm:style>
+  </dgm:styleLbl>
+  <dgm:styleLbl name="bgAccFollowNode1">
+    <dgm:scene3d>
+      <a:camera prst="orthographicFront"/>
+      <a:lightRig rig="threePt" dir="t"/>
+    </dgm:scene3d>
+    <dgm:sp3d/>
+    <dgm:txPr/>
+    <dgm:style>
+      <a:lnRef idx="2">
+        <a:scrgbClr r="0" g="0" b="0"/>
+      </a:lnRef>
+      <a:fillRef idx="1">
+        <a:scrgbClr r="0" g="0" b="0"/>
+      </a:fillRef>
+      <a:effectRef idx="0">
+        <a:scrgbClr r="0" g="0" b="0"/>
+      </a:effectRef>
+      <a:fontRef idx="minor"/>
+    </dgm:style>
+  </dgm:styleLbl>
+  <dgm:styleLbl name="fgAcc0">
+    <dgm:scene3d>
+      <a:camera prst="orthographicFront"/>
+      <a:lightRig rig="threePt" dir="t"/>
+    </dgm:scene3d>
+    <dgm:sp3d/>
+    <dgm:txPr/>
+    <dgm:style>
+      <a:lnRef idx="2">
+        <a:scrgbClr r="0" g="0" b="0"/>
+      </a:lnRef>
+      <a:fillRef idx="1">
+        <a:scrgbClr r="0" g="0" b="0"/>
+      </a:fillRef>
+      <a:effectRef idx="0">
+        <a:scrgbClr r="0" g="0" b="0"/>
+      </a:effectRef>
+      <a:fontRef idx="minor"/>
+    </dgm:style>
+  </dgm:styleLbl>
+  <dgm:styleLbl name="fgAcc2">
+    <dgm:scene3d>
+      <a:camera prst="orthographicFront"/>
+      <a:lightRig rig="threePt" dir="t"/>
+    </dgm:scene3d>
+    <dgm:sp3d/>
+    <dgm:txPr/>
+    <dgm:style>
+      <a:lnRef idx="2">
+        <a:scrgbClr r="0" g="0" b="0"/>
+      </a:lnRef>
+      <a:fillRef idx="1">
+        <a:scrgbClr r="0" g="0" b="0"/>
+      </a:fillRef>
+      <a:effectRef idx="0">
+        <a:scrgbClr r="0" g="0" b="0"/>
+      </a:effectRef>
+      <a:fontRef idx="minor"/>
+    </dgm:style>
+  </dgm:styleLbl>
+  <dgm:styleLbl name="fgAcc3">
+    <dgm:scene3d>
+      <a:camera prst="orthographicFront"/>
+      <a:lightRig rig="threePt" dir="t"/>
+    </dgm:scene3d>
+    <dgm:sp3d/>
+    <dgm:txPr/>
+    <dgm:style>
+      <a:lnRef idx="2">
+        <a:scrgbClr r="0" g="0" b="0"/>
+      </a:lnRef>
+      <a:fillRef idx="1">
+        <a:scrgbClr r="0" g="0" b="0"/>
+      </a:fillRef>
+      <a:effectRef idx="0">
+        <a:scrgbClr r="0" g="0" b="0"/>
+      </a:effectRef>
+      <a:fontRef idx="minor"/>
+    </dgm:style>
+  </dgm:styleLbl>
+  <dgm:styleLbl name="fgAcc4">
+    <dgm:scene3d>
+      <a:camera prst="orthographicFront"/>
+      <a:lightRig rig="threePt" dir="t"/>
+    </dgm:scene3d>
+    <dgm:sp3d/>
+    <dgm:txPr/>
+    <dgm:style>
+      <a:lnRef idx="2">
+        <a:scrgbClr r="0" g="0" b="0"/>
+      </a:lnRef>
+      <a:fillRef idx="1">
+        <a:scrgbClr r="0" g="0" b="0"/>
+      </a:fillRef>
+      <a:effectRef idx="0">
+        <a:scrgbClr r="0" g="0" b="0"/>
+      </a:effectRef>
+      <a:fontRef idx="minor"/>
+    </dgm:style>
+  </dgm:styleLbl>
+  <dgm:styleLbl name="bgShp">
+    <dgm:scene3d>
+      <a:camera prst="orthographicFront"/>
+      <a:lightRig rig="threePt" dir="t"/>
+    </dgm:scene3d>
+    <dgm:sp3d/>
+    <dgm:txPr/>
+    <dgm:style>
+      <a:lnRef idx="0">
+        <a:scrgbClr r="0" g="0" b="0"/>
+      </a:lnRef>
+      <a:fillRef idx="1">
+        <a:scrgbClr r="0" g="0" b="0"/>
+      </a:fillRef>
+      <a:effectRef idx="0">
+        <a:scrgbClr r="0" g="0" b="0"/>
+      </a:effectRef>
+      <a:fontRef idx="minor"/>
+    </dgm:style>
+  </dgm:styleLbl>
+  <dgm:styleLbl name="dkBgShp">
+    <dgm:scene3d>
+      <a:camera prst="orthographicFront"/>
+      <a:lightRig rig="threePt" dir="t"/>
+    </dgm:scene3d>
+    <dgm:sp3d/>
+    <dgm:txPr/>
+    <dgm:style>
+      <a:lnRef idx="0">
+        <a:scrgbClr r="0" g="0" b="0"/>
+      </a:lnRef>
+      <a:fillRef idx="1">
+        <a:scrgbClr r="0" g="0" b="0"/>
+      </a:fillRef>
+      <a:effectRef idx="0">
+        <a:scrgbClr r="0" g="0" b="0"/>
+      </a:effectRef>
+      <a:fontRef idx="minor"/>
+    </dgm:style>
+  </dgm:styleLbl>
+  <dgm:styleLbl name="trBgShp">
+    <dgm:scene3d>
+      <a:camera prst="orthographicFront"/>
+      <a:lightRig rig="threePt" dir="t"/>
+    </dgm:scene3d>
+    <dgm:sp3d/>
+    <dgm:txPr/>
+    <dgm:style>
+      <a:lnRef idx="0">
+        <a:scrgbClr r="0" g="0" b="0"/>
+      </a:lnRef>
+      <a:fillRef idx="1">
+        <a:scrgbClr r="0" g="0" b="0"/>
+      </a:fillRef>
+      <a:effectRef idx="0">
+        <a:scrgbClr r="0" g="0" b="0"/>
+      </a:effectRef>
+      <a:fontRef idx="minor"/>
+    </dgm:style>
+  </dgm:styleLbl>
+  <dgm:styleLbl name="fgShp">
+    <dgm:scene3d>
+      <a:camera prst="orthographicFront"/>
+      <a:lightRig rig="threePt" dir="t"/>
+    </dgm:scene3d>
+    <dgm:sp3d/>
+    <dgm:txPr/>
+    <dgm:style>
+      <a:lnRef idx="2">
+        <a:scrgbClr r="0" g="0" b="0"/>
+      </a:lnRef>
+      <a:fillRef idx="1">
+        <a:scrgbClr r="0" g="0" b="0"/>
+      </a:fillRef>
+      <a:effectRef idx="0">
+        <a:scrgbClr r="0" g="0" b="0"/>
+      </a:effectRef>
+      <a:fontRef idx="minor"/>
+    </dgm:style>
+  </dgm:styleLbl>
+  <dgm:styleLbl name="revTx">
+    <dgm:scene3d>
+      <a:camera prst="orthographicFront"/>
+      <a:lightRig rig="threePt" dir="t"/>
+    </dgm:scene3d>
+    <dgm:sp3d/>
+    <dgm:txPr/>
+    <dgm:style>
+      <a:lnRef idx="0">
+        <a:scrgbClr r="0" g="0" b="0"/>
+      </a:lnRef>
+      <a:fillRef idx="0">
+        <a:scrgbClr r="0" g="0" b="0"/>
+      </a:fillRef>
+      <a:effectRef idx="0">
+        <a:scrgbClr r="0" g="0" b="0"/>
+      </a:effectRef>
+      <a:fontRef idx="minor"/>
+    </dgm:style>
+  </dgm:styleLbl>
+</dgm:styleDef>
 </file>
 
 <file path=ppt/notesMasters/notesMaster1.xml><?xml version="1.0" encoding="utf-8"?>
@@ -199,7 +2846,7 @@
           <a:p>
             <a:fld id="{F17C6EE4-3AE7-41EA-9116-4CEF9F8A020B}" type="datetimeFigureOut">
               <a:rPr lang="en-GB" smtClean="0"/>
-              <a:t>03/07/2020</a:t>
+              <a:t>06/07/2020</a:t>
             </a:fld>
             <a:endParaRPr lang="en-GB"/>
           </a:p>
@@ -827,102 +3474,6 @@
 </p:notes>
 </file>
 
-<file path=ppt/notesSlides/notesSlide4.xml><?xml version="1.0" encoding="utf-8"?>
-<p:notes xmlns:a="http://schemas.openxmlformats.org/drawingml/2006/main" xmlns:r="http://schemas.openxmlformats.org/officeDocument/2006/relationships" xmlns:p="http://schemas.openxmlformats.org/presentationml/2006/main">
-  <p:cSld>
-    <p:spTree>
-      <p:nvGrpSpPr>
-        <p:cNvPr id="1" name=""/>
-        <p:cNvGrpSpPr/>
-        <p:nvPr/>
-      </p:nvGrpSpPr>
-      <p:grpSpPr>
-        <a:xfrm>
-          <a:off x="0" y="0"/>
-          <a:ext cx="0" cy="0"/>
-          <a:chOff x="0" y="0"/>
-          <a:chExt cx="0" cy="0"/>
-        </a:xfrm>
-      </p:grpSpPr>
-      <p:sp>
-        <p:nvSpPr>
-          <p:cNvPr id="2" name="Slide Image Placeholder 1"/>
-          <p:cNvSpPr>
-            <a:spLocks noGrp="1" noRot="1" noChangeAspect="1"/>
-          </p:cNvSpPr>
-          <p:nvPr>
-            <p:ph type="sldImg"/>
-          </p:nvPr>
-        </p:nvSpPr>
-        <p:spPr/>
-      </p:sp>
-      <p:sp>
-        <p:nvSpPr>
-          <p:cNvPr id="3" name="Notes Placeholder 2"/>
-          <p:cNvSpPr>
-            <a:spLocks noGrp="1"/>
-          </p:cNvSpPr>
-          <p:nvPr>
-            <p:ph type="body" idx="1"/>
-          </p:nvPr>
-        </p:nvSpPr>
-        <p:spPr/>
-        <p:txBody>
-          <a:bodyPr/>
-          <a:lstStyle/>
-          <a:p>
-            <a:r>
-              <a:rPr lang="en-GB" dirty="0"/>
-              <a:t>I like to help. I’ve had to ask for help so often and working in Core that has been the case and recently in SRE. I have helped in situations I didn’t have the answer to when I started but through working together we both learn and answer questions. But I won’t pretend to know the answer.</a:t>
-            </a:r>
-          </a:p>
-          <a:p>
-            <a:endParaRPr lang="en-GB" dirty="0"/>
-          </a:p>
-          <a:p>
-            <a:r>
-              <a:rPr lang="en-GB" dirty="0"/>
-              <a:t>I don’t believe I have natural leadership qualities, but where I lack I believe I can gain through hard work.</a:t>
-            </a:r>
-          </a:p>
-        </p:txBody>
-      </p:sp>
-      <p:sp>
-        <p:nvSpPr>
-          <p:cNvPr id="4" name="Slide Number Placeholder 3"/>
-          <p:cNvSpPr>
-            <a:spLocks noGrp="1"/>
-          </p:cNvSpPr>
-          <p:nvPr>
-            <p:ph type="sldNum" sz="quarter" idx="5"/>
-          </p:nvPr>
-        </p:nvSpPr>
-        <p:spPr/>
-        <p:txBody>
-          <a:bodyPr/>
-          <a:lstStyle/>
-          <a:p>
-            <a:fld id="{0640F48A-CFC7-450D-AC90-BD4BDBA68922}" type="slidenum">
-              <a:rPr lang="en-GB" smtClean="0"/>
-              <a:t>8</a:t>
-            </a:fld>
-            <a:endParaRPr lang="en-GB"/>
-          </a:p>
-        </p:txBody>
-      </p:sp>
-    </p:spTree>
-    <p:extLst>
-      <p:ext uri="{BB962C8B-B14F-4D97-AF65-F5344CB8AC3E}">
-        <p14:creationId xmlns:p14="http://schemas.microsoft.com/office/powerpoint/2010/main" val="3994601173"/>
-      </p:ext>
-    </p:extLst>
-  </p:cSld>
-  <p:clrMapOvr>
-    <a:masterClrMapping/>
-  </p:clrMapOvr>
-</p:notes>
-</file>
-
 <file path=ppt/slideLayouts/slideLayout1.xml><?xml version="1.0" encoding="utf-8"?>
 <p:sldLayout xmlns:a="http://schemas.openxmlformats.org/drawingml/2006/main" xmlns:r="http://schemas.openxmlformats.org/officeDocument/2006/relationships" xmlns:p="http://schemas.openxmlformats.org/presentationml/2006/main" type="title" preserve="1">
   <p:cSld name="Title Slide">
@@ -1072,7 +3623,7 @@
           <a:p>
             <a:fld id="{5B57BF05-9AB2-4FDE-96F0-EF0913596FA7}" type="datetimeFigureOut">
               <a:rPr lang="en-GB" smtClean="0"/>
-              <a:t>03/07/2020</a:t>
+              <a:t>06/07/2020</a:t>
             </a:fld>
             <a:endParaRPr lang="en-GB"/>
           </a:p>
@@ -1272,7 +3823,7 @@
           <a:p>
             <a:fld id="{5B57BF05-9AB2-4FDE-96F0-EF0913596FA7}" type="datetimeFigureOut">
               <a:rPr lang="en-GB" smtClean="0"/>
-              <a:t>03/07/2020</a:t>
+              <a:t>06/07/2020</a:t>
             </a:fld>
             <a:endParaRPr lang="en-GB"/>
           </a:p>
@@ -1482,7 +4033,7 @@
           <a:p>
             <a:fld id="{5B57BF05-9AB2-4FDE-96F0-EF0913596FA7}" type="datetimeFigureOut">
               <a:rPr lang="en-GB" smtClean="0"/>
-              <a:t>03/07/2020</a:t>
+              <a:t>06/07/2020</a:t>
             </a:fld>
             <a:endParaRPr lang="en-GB"/>
           </a:p>
@@ -1682,7 +4233,7 @@
           <a:p>
             <a:fld id="{5B57BF05-9AB2-4FDE-96F0-EF0913596FA7}" type="datetimeFigureOut">
               <a:rPr lang="en-GB" smtClean="0"/>
-              <a:t>03/07/2020</a:t>
+              <a:t>06/07/2020</a:t>
             </a:fld>
             <a:endParaRPr lang="en-GB"/>
           </a:p>
@@ -1958,7 +4509,7 @@
           <a:p>
             <a:fld id="{5B57BF05-9AB2-4FDE-96F0-EF0913596FA7}" type="datetimeFigureOut">
               <a:rPr lang="en-GB" smtClean="0"/>
-              <a:t>03/07/2020</a:t>
+              <a:t>06/07/2020</a:t>
             </a:fld>
             <a:endParaRPr lang="en-GB"/>
           </a:p>
@@ -2226,7 +4777,7 @@
           <a:p>
             <a:fld id="{5B57BF05-9AB2-4FDE-96F0-EF0913596FA7}" type="datetimeFigureOut">
               <a:rPr lang="en-GB" smtClean="0"/>
-              <a:t>03/07/2020</a:t>
+              <a:t>06/07/2020</a:t>
             </a:fld>
             <a:endParaRPr lang="en-GB"/>
           </a:p>
@@ -2641,7 +5192,7 @@
           <a:p>
             <a:fld id="{5B57BF05-9AB2-4FDE-96F0-EF0913596FA7}" type="datetimeFigureOut">
               <a:rPr lang="en-GB" smtClean="0"/>
-              <a:t>03/07/2020</a:t>
+              <a:t>06/07/2020</a:t>
             </a:fld>
             <a:endParaRPr lang="en-GB"/>
           </a:p>
@@ -2783,7 +5334,7 @@
           <a:p>
             <a:fld id="{5B57BF05-9AB2-4FDE-96F0-EF0913596FA7}" type="datetimeFigureOut">
               <a:rPr lang="en-GB" smtClean="0"/>
-              <a:t>03/07/2020</a:t>
+              <a:t>06/07/2020</a:t>
             </a:fld>
             <a:endParaRPr lang="en-GB"/>
           </a:p>
@@ -2896,7 +5447,7 @@
           <a:p>
             <a:fld id="{5B57BF05-9AB2-4FDE-96F0-EF0913596FA7}" type="datetimeFigureOut">
               <a:rPr lang="en-GB" smtClean="0"/>
-              <a:t>03/07/2020</a:t>
+              <a:t>06/07/2020</a:t>
             </a:fld>
             <a:endParaRPr lang="en-GB"/>
           </a:p>
@@ -3209,7 +5760,7 @@
           <a:p>
             <a:fld id="{5B57BF05-9AB2-4FDE-96F0-EF0913596FA7}" type="datetimeFigureOut">
               <a:rPr lang="en-GB" smtClean="0"/>
-              <a:t>03/07/2020</a:t>
+              <a:t>06/07/2020</a:t>
             </a:fld>
             <a:endParaRPr lang="en-GB"/>
           </a:p>
@@ -3498,7 +6049,7 @@
           <a:p>
             <a:fld id="{5B57BF05-9AB2-4FDE-96F0-EF0913596FA7}" type="datetimeFigureOut">
               <a:rPr lang="en-GB" smtClean="0"/>
-              <a:t>03/07/2020</a:t>
+              <a:t>06/07/2020</a:t>
             </a:fld>
             <a:endParaRPr lang="en-GB"/>
           </a:p>
@@ -3741,7 +6292,7 @@
           <a:p>
             <a:fld id="{5B57BF05-9AB2-4FDE-96F0-EF0913596FA7}" type="datetimeFigureOut">
               <a:rPr lang="en-GB" smtClean="0"/>
-              <a:t>03/07/2020</a:t>
+              <a:t>06/07/2020</a:t>
             </a:fld>
             <a:endParaRPr lang="en-GB"/>
           </a:p>
@@ -4144,6 +6695,14 @@
 <file path=ppt/slides/slide1.xml><?xml version="1.0" encoding="utf-8"?>
 <p:sld xmlns:a="http://schemas.openxmlformats.org/drawingml/2006/main" xmlns:r="http://schemas.openxmlformats.org/officeDocument/2006/relationships" xmlns:p="http://schemas.openxmlformats.org/presentationml/2006/main">
   <p:cSld>
+    <p:bg>
+      <p:bgPr>
+        <a:solidFill>
+          <a:schemeClr val="bg1"/>
+        </a:solidFill>
+        <a:effectLst/>
+      </p:bgPr>
+    </p:bg>
     <p:spTree>
       <p:nvGrpSpPr>
         <p:cNvPr id="1" name=""/>
@@ -4158,6 +6717,457 @@
           <a:chExt cx="0" cy="0"/>
         </a:xfrm>
       </p:grpSpPr>
+      <p:sp useBgFill="1">
+        <p:nvSpPr>
+          <p:cNvPr id="8" name="Rectangle 7">
+            <a:extLst>
+              <a:ext uri="{FF2B5EF4-FFF2-40B4-BE49-F238E27FC236}">
+                <a16:creationId xmlns:a16="http://schemas.microsoft.com/office/drawing/2014/main" id="{FFD48BC7-DC40-47DE-87EE-9F4B6ECB9ABB}"/>
+              </a:ext>
+              <a:ext uri="{C183D7F6-B498-43B3-948B-1728B52AA6E4}">
+                <adec:decorative xmlns:adec="http://schemas.microsoft.com/office/drawing/2017/decorative" val="1"/>
+              </a:ext>
+            </a:extLst>
+          </p:cNvPr>
+          <p:cNvSpPr>
+            <a:spLocks noGrp="1" noRot="1" noChangeAspect="1" noMove="1" noResize="1" noEditPoints="1" noAdjustHandles="1" noChangeArrowheads="1" noChangeShapeType="1" noTextEdit="1"/>
+          </p:cNvSpPr>
+          <p:nvPr>
+            <p:extLst>
+              <p:ext uri="{386F3935-93C4-4BCD-93E2-E3B085C9AB24}">
+                <p16:designElem xmlns:p16="http://schemas.microsoft.com/office/powerpoint/2015/main" val="1"/>
+              </p:ext>
+            </p:extLst>
+          </p:nvPr>
+        </p:nvSpPr>
+        <p:spPr>
+          <a:xfrm>
+            <a:off x="0" y="0"/>
+            <a:ext cx="12192000" cy="6858000"/>
+          </a:xfrm>
+          <a:prstGeom prst="rect">
+            <a:avLst/>
+          </a:prstGeom>
+          <a:ln>
+            <a:noFill/>
+          </a:ln>
+        </p:spPr>
+        <p:style>
+          <a:lnRef idx="2">
+            <a:schemeClr val="accent1">
+              <a:shade val="50000"/>
+            </a:schemeClr>
+          </a:lnRef>
+          <a:fillRef idx="1">
+            <a:schemeClr val="accent1"/>
+          </a:fillRef>
+          <a:effectRef idx="0">
+            <a:schemeClr val="accent1"/>
+          </a:effectRef>
+          <a:fontRef idx="minor">
+            <a:schemeClr val="lt1"/>
+          </a:fontRef>
+        </p:style>
+        <p:txBody>
+          <a:bodyPr rtlCol="0" anchor="ctr"/>
+          <a:lstStyle/>
+          <a:p>
+            <a:pPr algn="ctr"/>
+            <a:endParaRPr lang="en-US"/>
+          </a:p>
+        </p:txBody>
+      </p:sp>
+      <p:sp useBgFill="1">
+        <p:nvSpPr>
+          <p:cNvPr id="10" name="Freeform: Shape 9">
+            <a:extLst>
+              <a:ext uri="{FF2B5EF4-FFF2-40B4-BE49-F238E27FC236}">
+                <a16:creationId xmlns:a16="http://schemas.microsoft.com/office/drawing/2014/main" id="{E502BBC7-2C76-46F3-BC24-5985BC13DB88}"/>
+              </a:ext>
+              <a:ext uri="{C183D7F6-B498-43B3-948B-1728B52AA6E4}">
+                <adec:decorative xmlns:adec="http://schemas.microsoft.com/office/drawing/2017/decorative" val="1"/>
+              </a:ext>
+            </a:extLst>
+          </p:cNvPr>
+          <p:cNvSpPr>
+            <a:spLocks noGrp="1" noRot="1" noChangeAspect="1" noMove="1" noResize="1" noEditPoints="1" noAdjustHandles="1" noChangeArrowheads="1" noChangeShapeType="1" noTextEdit="1"/>
+          </p:cNvSpPr>
+          <p:nvPr>
+            <p:extLst>
+              <p:ext uri="{386F3935-93C4-4BCD-93E2-E3B085C9AB24}">
+                <p16:designElem xmlns:p16="http://schemas.microsoft.com/office/powerpoint/2015/main" val="1"/>
+              </p:ext>
+            </p:extLst>
+          </p:nvPr>
+        </p:nvSpPr>
+        <p:spPr>
+          <a:xfrm>
+            <a:off x="1114425" y="0"/>
+            <a:ext cx="9963150" cy="6858000"/>
+          </a:xfrm>
+          <a:custGeom>
+            <a:avLst/>
+            <a:gdLst>
+              <a:gd name="connsiteX0" fmla="*/ 1595771 w 9963150"/>
+              <a:gd name="connsiteY0" fmla="*/ 0 h 6858000"/>
+              <a:gd name="connsiteX1" fmla="*/ 8367379 w 9963150"/>
+              <a:gd name="connsiteY1" fmla="*/ 0 h 6858000"/>
+              <a:gd name="connsiteX2" fmla="*/ 8504080 w 9963150"/>
+              <a:gd name="connsiteY2" fmla="*/ 130333 h 6858000"/>
+              <a:gd name="connsiteX3" fmla="*/ 9963150 w 9963150"/>
+              <a:gd name="connsiteY3" fmla="*/ 3652838 h 6858000"/>
+              <a:gd name="connsiteX4" fmla="*/ 8825600 w 9963150"/>
+              <a:gd name="connsiteY4" fmla="*/ 6821583 h 6858000"/>
+              <a:gd name="connsiteX5" fmla="*/ 8794055 w 9963150"/>
+              <a:gd name="connsiteY5" fmla="*/ 6858000 h 6858000"/>
+              <a:gd name="connsiteX6" fmla="*/ 1169096 w 9963150"/>
+              <a:gd name="connsiteY6" fmla="*/ 6858000 h 6858000"/>
+              <a:gd name="connsiteX7" fmla="*/ 1137550 w 9963150"/>
+              <a:gd name="connsiteY7" fmla="*/ 6821583 h 6858000"/>
+              <a:gd name="connsiteX8" fmla="*/ 0 w 9963150"/>
+              <a:gd name="connsiteY8" fmla="*/ 3652838 h 6858000"/>
+              <a:gd name="connsiteX9" fmla="*/ 1459070 w 9963150"/>
+              <a:gd name="connsiteY9" fmla="*/ 130333 h 6858000"/>
+            </a:gdLst>
+            <a:ahLst/>
+            <a:cxnLst>
+              <a:cxn ang="0">
+                <a:pos x="connsiteX0" y="connsiteY0"/>
+              </a:cxn>
+              <a:cxn ang="0">
+                <a:pos x="connsiteX1" y="connsiteY1"/>
+              </a:cxn>
+              <a:cxn ang="0">
+                <a:pos x="connsiteX2" y="connsiteY2"/>
+              </a:cxn>
+              <a:cxn ang="0">
+                <a:pos x="connsiteX3" y="connsiteY3"/>
+              </a:cxn>
+              <a:cxn ang="0">
+                <a:pos x="connsiteX4" y="connsiteY4"/>
+              </a:cxn>
+              <a:cxn ang="0">
+                <a:pos x="connsiteX5" y="connsiteY5"/>
+              </a:cxn>
+              <a:cxn ang="0">
+                <a:pos x="connsiteX6" y="connsiteY6"/>
+              </a:cxn>
+              <a:cxn ang="0">
+                <a:pos x="connsiteX7" y="connsiteY7"/>
+              </a:cxn>
+              <a:cxn ang="0">
+                <a:pos x="connsiteX8" y="connsiteY8"/>
+              </a:cxn>
+              <a:cxn ang="0">
+                <a:pos x="connsiteX9" y="connsiteY9"/>
+              </a:cxn>
+            </a:cxnLst>
+            <a:rect l="l" t="t" r="r" b="b"/>
+            <a:pathLst>
+              <a:path w="9963150" h="6858000">
+                <a:moveTo>
+                  <a:pt x="1595771" y="0"/>
+                </a:moveTo>
+                <a:lnTo>
+                  <a:pt x="8367379" y="0"/>
+                </a:lnTo>
+                <a:lnTo>
+                  <a:pt x="8504080" y="130333"/>
+                </a:lnTo>
+                <a:cubicBezTo>
+                  <a:pt x="9405568" y="1031820"/>
+                  <a:pt x="9963150" y="2277214"/>
+                  <a:pt x="9963150" y="3652838"/>
+                </a:cubicBezTo>
+                <a:cubicBezTo>
+                  <a:pt x="9963150" y="4856509"/>
+                  <a:pt x="9536251" y="5960473"/>
+                  <a:pt x="8825600" y="6821583"/>
+                </a:cubicBezTo>
+                <a:lnTo>
+                  <a:pt x="8794055" y="6858000"/>
+                </a:lnTo>
+                <a:lnTo>
+                  <a:pt x="1169096" y="6858000"/>
+                </a:lnTo>
+                <a:lnTo>
+                  <a:pt x="1137550" y="6821583"/>
+                </a:lnTo>
+                <a:cubicBezTo>
+                  <a:pt x="426899" y="5960473"/>
+                  <a:pt x="0" y="4856509"/>
+                  <a:pt x="0" y="3652838"/>
+                </a:cubicBezTo>
+                <a:cubicBezTo>
+                  <a:pt x="0" y="2277214"/>
+                  <a:pt x="557582" y="1031820"/>
+                  <a:pt x="1459070" y="130333"/>
+                </a:cubicBezTo>
+                <a:close/>
+              </a:path>
+            </a:pathLst>
+          </a:custGeom>
+          <a:ln w="9525">
+            <a:solidFill>
+              <a:srgbClr val="EFEFEF"/>
+            </a:solidFill>
+          </a:ln>
+          <a:effectLst>
+            <a:outerShdw blurRad="139700" sx="102000" sy="102000" algn="ctr" rotWithShape="0">
+              <a:schemeClr val="bg1">
+                <a:lumMod val="85000"/>
+                <a:alpha val="38000"/>
+              </a:schemeClr>
+            </a:outerShdw>
+          </a:effectLst>
+        </p:spPr>
+        <p:style>
+          <a:lnRef idx="2">
+            <a:schemeClr val="accent1">
+              <a:shade val="50000"/>
+            </a:schemeClr>
+          </a:lnRef>
+          <a:fillRef idx="1">
+            <a:schemeClr val="accent1"/>
+          </a:fillRef>
+          <a:effectRef idx="0">
+            <a:schemeClr val="accent1"/>
+          </a:effectRef>
+          <a:fontRef idx="minor">
+            <a:schemeClr val="lt1"/>
+          </a:fontRef>
+        </p:style>
+        <p:txBody>
+          <a:bodyPr wrap="square" rtlCol="0" anchor="ctr">
+            <a:noAutofit/>
+          </a:bodyPr>
+          <a:lstStyle/>
+          <a:p>
+            <a:pPr marL="0" marR="0" lvl="0" indent="0" algn="ctr" defTabSz="914400" rtl="0" eaLnBrk="1" fontAlgn="auto" latinLnBrk="0" hangingPunct="1">
+              <a:lnSpc>
+                <a:spcPct val="100000"/>
+              </a:lnSpc>
+              <a:spcBef>
+                <a:spcPts val="0"/>
+              </a:spcBef>
+              <a:spcAft>
+                <a:spcPts val="0"/>
+              </a:spcAft>
+              <a:buClrTx/>
+              <a:buSzTx/>
+              <a:buFontTx/>
+              <a:buNone/>
+              <a:tabLst/>
+              <a:defRPr/>
+            </a:pPr>
+            <a:endParaRPr kumimoji="0" lang="en-US" sz="1800" b="0" i="0" u="none" strike="noStrike" kern="1200" cap="none" spc="0" normalizeH="0" baseline="0" noProof="0">
+              <a:ln>
+                <a:noFill/>
+              </a:ln>
+              <a:solidFill>
+                <a:prstClr val="white"/>
+              </a:solidFill>
+              <a:effectLst/>
+              <a:uLnTx/>
+              <a:uFillTx/>
+              <a:latin typeface="Calibri" panose="020F0502020204030204"/>
+              <a:ea typeface="+mn-ea"/>
+              <a:cs typeface="+mn-cs"/>
+            </a:endParaRPr>
+          </a:p>
+        </p:txBody>
+      </p:sp>
+      <p:sp useBgFill="1">
+        <p:nvSpPr>
+          <p:cNvPr id="12" name="Freeform: Shape 11">
+            <a:extLst>
+              <a:ext uri="{FF2B5EF4-FFF2-40B4-BE49-F238E27FC236}">
+                <a16:creationId xmlns:a16="http://schemas.microsoft.com/office/drawing/2014/main" id="{C7F28D52-2A5F-4D23-81AE-7CB8B591C7AF}"/>
+              </a:ext>
+              <a:ext uri="{C183D7F6-B498-43B3-948B-1728B52AA6E4}">
+                <adec:decorative xmlns:adec="http://schemas.microsoft.com/office/drawing/2017/decorative" val="1"/>
+              </a:ext>
+            </a:extLst>
+          </p:cNvPr>
+          <p:cNvSpPr>
+            <a:spLocks noGrp="1" noRot="1" noChangeAspect="1" noMove="1" noResize="1" noEditPoints="1" noAdjustHandles="1" noChangeArrowheads="1" noChangeShapeType="1" noTextEdit="1"/>
+          </p:cNvSpPr>
+          <p:nvPr>
+            <p:extLst>
+              <p:ext uri="{386F3935-93C4-4BCD-93E2-E3B085C9AB24}">
+                <p16:designElem xmlns:p16="http://schemas.microsoft.com/office/powerpoint/2015/main" val="1"/>
+              </p:ext>
+            </p:extLst>
+          </p:nvPr>
+        </p:nvSpPr>
+        <p:spPr>
+          <a:xfrm>
+            <a:off x="1121664" y="0"/>
+            <a:ext cx="9948672" cy="6858000"/>
+          </a:xfrm>
+          <a:custGeom>
+            <a:avLst/>
+            <a:gdLst>
+              <a:gd name="connsiteX0" fmla="*/ 1595771 w 9963150"/>
+              <a:gd name="connsiteY0" fmla="*/ 0 h 6858000"/>
+              <a:gd name="connsiteX1" fmla="*/ 8367379 w 9963150"/>
+              <a:gd name="connsiteY1" fmla="*/ 0 h 6858000"/>
+              <a:gd name="connsiteX2" fmla="*/ 8504080 w 9963150"/>
+              <a:gd name="connsiteY2" fmla="*/ 130333 h 6858000"/>
+              <a:gd name="connsiteX3" fmla="*/ 9963150 w 9963150"/>
+              <a:gd name="connsiteY3" fmla="*/ 3652838 h 6858000"/>
+              <a:gd name="connsiteX4" fmla="*/ 8825600 w 9963150"/>
+              <a:gd name="connsiteY4" fmla="*/ 6821583 h 6858000"/>
+              <a:gd name="connsiteX5" fmla="*/ 8794055 w 9963150"/>
+              <a:gd name="connsiteY5" fmla="*/ 6858000 h 6858000"/>
+              <a:gd name="connsiteX6" fmla="*/ 1169096 w 9963150"/>
+              <a:gd name="connsiteY6" fmla="*/ 6858000 h 6858000"/>
+              <a:gd name="connsiteX7" fmla="*/ 1137550 w 9963150"/>
+              <a:gd name="connsiteY7" fmla="*/ 6821583 h 6858000"/>
+              <a:gd name="connsiteX8" fmla="*/ 0 w 9963150"/>
+              <a:gd name="connsiteY8" fmla="*/ 3652838 h 6858000"/>
+              <a:gd name="connsiteX9" fmla="*/ 1459070 w 9963150"/>
+              <a:gd name="connsiteY9" fmla="*/ 130333 h 6858000"/>
+            </a:gdLst>
+            <a:ahLst/>
+            <a:cxnLst>
+              <a:cxn ang="0">
+                <a:pos x="connsiteX0" y="connsiteY0"/>
+              </a:cxn>
+              <a:cxn ang="0">
+                <a:pos x="connsiteX1" y="connsiteY1"/>
+              </a:cxn>
+              <a:cxn ang="0">
+                <a:pos x="connsiteX2" y="connsiteY2"/>
+              </a:cxn>
+              <a:cxn ang="0">
+                <a:pos x="connsiteX3" y="connsiteY3"/>
+              </a:cxn>
+              <a:cxn ang="0">
+                <a:pos x="connsiteX4" y="connsiteY4"/>
+              </a:cxn>
+              <a:cxn ang="0">
+                <a:pos x="connsiteX5" y="connsiteY5"/>
+              </a:cxn>
+              <a:cxn ang="0">
+                <a:pos x="connsiteX6" y="connsiteY6"/>
+              </a:cxn>
+              <a:cxn ang="0">
+                <a:pos x="connsiteX7" y="connsiteY7"/>
+              </a:cxn>
+              <a:cxn ang="0">
+                <a:pos x="connsiteX8" y="connsiteY8"/>
+              </a:cxn>
+              <a:cxn ang="0">
+                <a:pos x="connsiteX9" y="connsiteY9"/>
+              </a:cxn>
+            </a:cxnLst>
+            <a:rect l="l" t="t" r="r" b="b"/>
+            <a:pathLst>
+              <a:path w="9963150" h="6858000">
+                <a:moveTo>
+                  <a:pt x="1595771" y="0"/>
+                </a:moveTo>
+                <a:lnTo>
+                  <a:pt x="8367379" y="0"/>
+                </a:lnTo>
+                <a:lnTo>
+                  <a:pt x="8504080" y="130333"/>
+                </a:lnTo>
+                <a:cubicBezTo>
+                  <a:pt x="9405568" y="1031820"/>
+                  <a:pt x="9963150" y="2277214"/>
+                  <a:pt x="9963150" y="3652838"/>
+                </a:cubicBezTo>
+                <a:cubicBezTo>
+                  <a:pt x="9963150" y="4856509"/>
+                  <a:pt x="9536251" y="5960473"/>
+                  <a:pt x="8825600" y="6821583"/>
+                </a:cubicBezTo>
+                <a:lnTo>
+                  <a:pt x="8794055" y="6858000"/>
+                </a:lnTo>
+                <a:lnTo>
+                  <a:pt x="1169096" y="6858000"/>
+                </a:lnTo>
+                <a:lnTo>
+                  <a:pt x="1137550" y="6821583"/>
+                </a:lnTo>
+                <a:cubicBezTo>
+                  <a:pt x="426899" y="5960473"/>
+                  <a:pt x="0" y="4856509"/>
+                  <a:pt x="0" y="3652838"/>
+                </a:cubicBezTo>
+                <a:cubicBezTo>
+                  <a:pt x="0" y="2277214"/>
+                  <a:pt x="557582" y="1031820"/>
+                  <a:pt x="1459070" y="130333"/>
+                </a:cubicBezTo>
+                <a:close/>
+              </a:path>
+            </a:pathLst>
+          </a:custGeom>
+          <a:ln w="9525">
+            <a:noFill/>
+          </a:ln>
+          <a:effectLst/>
+        </p:spPr>
+        <p:style>
+          <a:lnRef idx="2">
+            <a:schemeClr val="accent1">
+              <a:shade val="50000"/>
+            </a:schemeClr>
+          </a:lnRef>
+          <a:fillRef idx="1">
+            <a:schemeClr val="accent1"/>
+          </a:fillRef>
+          <a:effectRef idx="0">
+            <a:schemeClr val="accent1"/>
+          </a:effectRef>
+          <a:fontRef idx="minor">
+            <a:schemeClr val="lt1"/>
+          </a:fontRef>
+        </p:style>
+        <p:txBody>
+          <a:bodyPr wrap="square" rtlCol="0" anchor="ctr">
+            <a:noAutofit/>
+          </a:bodyPr>
+          <a:lstStyle/>
+          <a:p>
+            <a:pPr marL="0" marR="0" lvl="0" indent="0" algn="ctr" defTabSz="914400" rtl="0" eaLnBrk="1" fontAlgn="auto" latinLnBrk="0" hangingPunct="1">
+              <a:lnSpc>
+                <a:spcPct val="100000"/>
+              </a:lnSpc>
+              <a:spcBef>
+                <a:spcPts val="0"/>
+              </a:spcBef>
+              <a:spcAft>
+                <a:spcPts val="0"/>
+              </a:spcAft>
+              <a:buClrTx/>
+              <a:buSzTx/>
+              <a:buFontTx/>
+              <a:buNone/>
+              <a:tabLst/>
+              <a:defRPr/>
+            </a:pPr>
+            <a:endParaRPr kumimoji="0" lang="en-US" sz="1800" b="0" i="0" u="none" strike="noStrike" kern="1200" cap="none" spc="0" normalizeH="0" baseline="0" noProof="0">
+              <a:ln>
+                <a:noFill/>
+              </a:ln>
+              <a:solidFill>
+                <a:prstClr val="white"/>
+              </a:solidFill>
+              <a:effectLst/>
+              <a:uLnTx/>
+              <a:uFillTx/>
+              <a:latin typeface="Calibri" panose="020F0502020204030204"/>
+              <a:ea typeface="+mn-ea"/>
+              <a:cs typeface="+mn-cs"/>
+            </a:endParaRPr>
+          </a:p>
+        </p:txBody>
+      </p:sp>
       <p:sp>
         <p:nvSpPr>
           <p:cNvPr id="2" name="Title 1">
@@ -4174,13 +7184,20 @@
             <p:ph type="ctrTitle"/>
           </p:nvPr>
         </p:nvSpPr>
-        <p:spPr/>
+        <p:spPr>
+          <a:xfrm>
+            <a:off x="1524003" y="1999615"/>
+            <a:ext cx="9144000" cy="2764028"/>
+          </a:xfrm>
+        </p:spPr>
         <p:txBody>
-          <a:bodyPr/>
+          <a:bodyPr anchor="ctr">
+            <a:normAutofit/>
+          </a:bodyPr>
           <a:lstStyle/>
           <a:p>
             <a:r>
-              <a:rPr lang="en-GB" dirty="0"/>
+              <a:rPr lang="en-GB" sz="7200"/>
               <a:t>Tomas Pilvelis</a:t>
             </a:r>
           </a:p>
@@ -4202,15 +7219,114 @@
             <p:ph type="subTitle" idx="1"/>
           </p:nvPr>
         </p:nvSpPr>
-        <p:spPr/>
+        <p:spPr>
+          <a:xfrm>
+            <a:off x="1966912" y="5645150"/>
+            <a:ext cx="8258176" cy="631825"/>
+          </a:xfrm>
+        </p:spPr>
         <p:txBody>
-          <a:bodyPr/>
+          <a:bodyPr anchor="ctr">
+            <a:normAutofit/>
+          </a:bodyPr>
           <a:lstStyle/>
           <a:p>
             <a:r>
-              <a:rPr lang="en-GB" dirty="0"/>
+              <a:rPr lang="en-GB" sz="2800"/>
               <a:t>Application for Developer Team Lead</a:t>
             </a:r>
+          </a:p>
+        </p:txBody>
+      </p:sp>
+      <p:sp>
+        <p:nvSpPr>
+          <p:cNvPr id="14" name="Rectangle 13">
+            <a:extLst>
+              <a:ext uri="{FF2B5EF4-FFF2-40B4-BE49-F238E27FC236}">
+                <a16:creationId xmlns:a16="http://schemas.microsoft.com/office/drawing/2014/main" id="{3629484E-3792-4B3D-89AD-7C8A1ED0E0D4}"/>
+              </a:ext>
+              <a:ext uri="{C183D7F6-B498-43B3-948B-1728B52AA6E4}">
+                <adec:decorative xmlns:adec="http://schemas.microsoft.com/office/drawing/2017/decorative" val="1"/>
+              </a:ext>
+            </a:extLst>
+          </p:cNvPr>
+          <p:cNvSpPr>
+            <a:spLocks noGrp="1" noRot="1" noChangeAspect="1" noMove="1" noResize="1" noEditPoints="1" noAdjustHandles="1" noChangeArrowheads="1" noChangeShapeType="1" noTextEdit="1"/>
+          </p:cNvSpPr>
+          <p:nvPr>
+            <p:extLst>
+              <p:ext uri="{386F3935-93C4-4BCD-93E2-E3B085C9AB24}">
+                <p16:designElem xmlns:p16="http://schemas.microsoft.com/office/powerpoint/2015/main" val="1"/>
+              </p:ext>
+            </p:extLst>
+          </p:nvPr>
+        </p:nvSpPr>
+        <p:spPr>
+          <a:xfrm>
+            <a:off x="3718560" y="5524786"/>
+            <a:ext cx="4754880" cy="27432"/>
+          </a:xfrm>
+          <a:prstGeom prst="rect">
+            <a:avLst/>
+          </a:prstGeom>
+          <a:solidFill>
+            <a:schemeClr val="accent2"/>
+          </a:solidFill>
+          <a:ln>
+            <a:noFill/>
+          </a:ln>
+        </p:spPr>
+        <p:style>
+          <a:lnRef idx="2">
+            <a:schemeClr val="accent1">
+              <a:shade val="50000"/>
+            </a:schemeClr>
+          </a:lnRef>
+          <a:fillRef idx="1">
+            <a:schemeClr val="accent1"/>
+          </a:fillRef>
+          <a:effectRef idx="0">
+            <a:schemeClr val="accent1"/>
+          </a:effectRef>
+          <a:fontRef idx="minor">
+            <a:schemeClr val="lt1"/>
+          </a:fontRef>
+        </p:style>
+        <p:txBody>
+          <a:bodyPr rtlCol="0" anchor="ctr"/>
+          <a:lstStyle/>
+          <a:p>
+            <a:pPr marL="0" marR="0" lvl="0" indent="0" algn="ctr" defTabSz="914400" rtl="0" eaLnBrk="1" fontAlgn="auto" latinLnBrk="0" hangingPunct="1">
+              <a:lnSpc>
+                <a:spcPct val="100000"/>
+              </a:lnSpc>
+              <a:spcBef>
+                <a:spcPts val="0"/>
+              </a:spcBef>
+              <a:spcAft>
+                <a:spcPts val="0"/>
+              </a:spcAft>
+              <a:buClrTx/>
+              <a:buSzTx/>
+              <a:buFontTx/>
+              <a:buNone/>
+              <a:tabLst/>
+              <a:defRPr/>
+            </a:pPr>
+            <a:endParaRPr kumimoji="0" lang="en-US" sz="1800" b="0" i="0" u="none" strike="noStrike" kern="1200" cap="none" spc="0" normalizeH="0" baseline="0" noProof="0">
+              <a:ln>
+                <a:noFill/>
+              </a:ln>
+              <a:solidFill>
+                <a:prstClr val="white"/>
+              </a:solidFill>
+              <a:effectLst/>
+              <a:uLnTx/>
+              <a:uFillTx/>
+              <a:latin typeface="Calibri" panose="020F0502020204030204"/>
+              <a:ea typeface="+mn-ea"/>
+              <a:cs typeface="+mn-cs"/>
+            </a:endParaRPr>
           </a:p>
         </p:txBody>
       </p:sp>
@@ -4230,6 +7346,14 @@
 <file path=ppt/slides/slide2.xml><?xml version="1.0" encoding="utf-8"?>
 <p:sld xmlns:a="http://schemas.openxmlformats.org/drawingml/2006/main" xmlns:r="http://schemas.openxmlformats.org/officeDocument/2006/relationships" xmlns:p="http://schemas.openxmlformats.org/presentationml/2006/main">
   <p:cSld>
+    <p:bg>
+      <p:bgPr>
+        <a:solidFill>
+          <a:schemeClr val="bg1"/>
+        </a:solidFill>
+        <a:effectLst/>
+      </p:bgPr>
+    </p:bg>
     <p:spTree>
       <p:nvGrpSpPr>
         <p:cNvPr id="1" name=""/>
@@ -4244,6 +7368,66 @@
           <a:chExt cx="0" cy="0"/>
         </a:xfrm>
       </p:grpSpPr>
+      <p:sp useBgFill="1">
+        <p:nvSpPr>
+          <p:cNvPr id="20" name="Rectangle 19">
+            <a:extLst>
+              <a:ext uri="{FF2B5EF4-FFF2-40B4-BE49-F238E27FC236}">
+                <a16:creationId xmlns:a16="http://schemas.microsoft.com/office/drawing/2014/main" id="{122F9423-F4B1-45D4-8445-E9991ECCBCCF}"/>
+              </a:ext>
+              <a:ext uri="{C183D7F6-B498-43B3-948B-1728B52AA6E4}">
+                <adec:decorative xmlns:adec="http://schemas.microsoft.com/office/drawing/2017/decorative" val="1"/>
+              </a:ext>
+            </a:extLst>
+          </p:cNvPr>
+          <p:cNvSpPr>
+            <a:spLocks noGrp="1" noRot="1" noChangeAspect="1" noMove="1" noResize="1" noEditPoints="1" noAdjustHandles="1" noChangeArrowheads="1" noChangeShapeType="1" noTextEdit="1"/>
+          </p:cNvSpPr>
+          <p:nvPr>
+            <p:extLst>
+              <p:ext uri="{386F3935-93C4-4BCD-93E2-E3B085C9AB24}">
+                <p16:designElem xmlns:p16="http://schemas.microsoft.com/office/powerpoint/2015/main" val="1"/>
+              </p:ext>
+            </p:extLst>
+          </p:nvPr>
+        </p:nvSpPr>
+        <p:spPr>
+          <a:xfrm>
+            <a:off x="0" y="0"/>
+            <a:ext cx="12192000" cy="6858000"/>
+          </a:xfrm>
+          <a:prstGeom prst="rect">
+            <a:avLst/>
+          </a:prstGeom>
+          <a:ln>
+            <a:noFill/>
+          </a:ln>
+        </p:spPr>
+        <p:style>
+          <a:lnRef idx="2">
+            <a:schemeClr val="accent1">
+              <a:shade val="50000"/>
+            </a:schemeClr>
+          </a:lnRef>
+          <a:fillRef idx="1">
+            <a:schemeClr val="accent1"/>
+          </a:fillRef>
+          <a:effectRef idx="0">
+            <a:schemeClr val="accent1"/>
+          </a:effectRef>
+          <a:fontRef idx="minor">
+            <a:schemeClr val="lt1"/>
+          </a:fontRef>
+        </p:style>
+        <p:txBody>
+          <a:bodyPr rtlCol="0" anchor="ctr"/>
+          <a:lstStyle/>
+          <a:p>
+            <a:pPr algn="ctr"/>
+            <a:endParaRPr lang="en-US"/>
+          </a:p>
+        </p:txBody>
+      </p:sp>
       <p:sp>
         <p:nvSpPr>
           <p:cNvPr id="2" name="Title 1">
@@ -4260,52 +7444,462 @@
             <p:ph type="title"/>
           </p:nvPr>
         </p:nvSpPr>
-        <p:spPr/>
+        <p:spPr>
+          <a:xfrm>
+            <a:off x="1812897" y="518649"/>
+            <a:ext cx="9882278" cy="1067634"/>
+          </a:xfrm>
+        </p:spPr>
         <p:txBody>
-          <a:bodyPr/>
+          <a:bodyPr anchor="ctr">
+            <a:normAutofit/>
+          </a:bodyPr>
           <a:lstStyle/>
           <a:p>
             <a:r>
-              <a:rPr lang="en-GB" dirty="0"/>
+              <a:rPr lang="en-GB"/>
               <a:t>My Story</a:t>
             </a:r>
           </a:p>
         </p:txBody>
       </p:sp>
-      <p:sp>
-        <p:nvSpPr>
-          <p:cNvPr id="3" name="Content Placeholder 2">
+      <p:grpSp>
+        <p:nvGrpSpPr>
+          <p:cNvPr id="22" name="Group 21">
             <a:extLst>
               <a:ext uri="{FF2B5EF4-FFF2-40B4-BE49-F238E27FC236}">
-                <a16:creationId xmlns:a16="http://schemas.microsoft.com/office/drawing/2014/main" id="{7BD57B12-C1E4-4AFD-A362-F9B413546EA5}"/>
+                <a16:creationId xmlns:a16="http://schemas.microsoft.com/office/drawing/2014/main" id="{770AE191-D2EA-45C9-A44D-830C188F74CB}"/>
+              </a:ext>
+              <a:ext uri="{C183D7F6-B498-43B3-948B-1728B52AA6E4}">
+                <adec:decorative xmlns:adec="http://schemas.microsoft.com/office/drawing/2017/decorative" val="1"/>
               </a:ext>
             </a:extLst>
           </p:cNvPr>
-          <p:cNvSpPr>
-            <a:spLocks noGrp="1"/>
-          </p:cNvSpPr>
+          <p:cNvGrpSpPr>
+            <a:grpSpLocks noGrp="1" noUngrp="1" noRot="1" noChangeAspect="1" noMove="1" noResize="1"/>
+          </p:cNvGrpSpPr>
+          <p:nvPr>
+            <p:extLst>
+              <p:ext uri="{386F3935-93C4-4BCD-93E2-E3B085C9AB24}">
+                <p16:designElem xmlns:p16="http://schemas.microsoft.com/office/powerpoint/2015/main" val="1"/>
+              </p:ext>
+            </p:extLst>
+          </p:nvPr>
+        </p:nvGrpSpPr>
+        <p:grpSpPr>
+          <a:xfrm>
+            <a:off x="472021" y="628863"/>
+            <a:ext cx="1128382" cy="847206"/>
+            <a:chOff x="8183879" y="1000124"/>
+            <a:chExt cx="1562267" cy="1172973"/>
+          </a:xfrm>
+        </p:grpSpPr>
+        <p:sp>
+          <p:nvSpPr>
+            <p:cNvPr id="23" name="Freeform 5">
+              <a:extLst>
+                <a:ext uri="{FF2B5EF4-FFF2-40B4-BE49-F238E27FC236}">
+                  <a16:creationId xmlns:a16="http://schemas.microsoft.com/office/drawing/2014/main" id="{23A0E4C1-B7A6-4637-AC51-4A5AE3841FFB}"/>
+                </a:ext>
+                <a:ext uri="{C183D7F6-B498-43B3-948B-1728B52AA6E4}">
+                  <adec:decorative xmlns:adec="http://schemas.microsoft.com/office/drawing/2017/decorative" val="1"/>
+                </a:ext>
+              </a:extLst>
+            </p:cNvPr>
+            <p:cNvSpPr>
+              <a:spLocks/>
+            </p:cNvSpPr>
+            <p:nvPr>
+              <p:extLst>
+                <p:ext uri="{386F3935-93C4-4BCD-93E2-E3B085C9AB24}">
+                  <p16:designElem xmlns:p16="http://schemas.microsoft.com/office/powerpoint/2015/main" val="1"/>
+                </p:ext>
+              </p:extLst>
+            </p:nvPr>
+          </p:nvSpPr>
+          <p:spPr bwMode="auto">
+            <a:xfrm>
+              <a:off x="8183879" y="1348782"/>
+              <a:ext cx="935037" cy="824315"/>
+            </a:xfrm>
+            <a:custGeom>
+              <a:avLst/>
+              <a:gdLst>
+                <a:gd name="T0" fmla="*/ 225 w 785"/>
+                <a:gd name="T1" fmla="*/ 692 h 692"/>
+                <a:gd name="T2" fmla="*/ 177 w 785"/>
+                <a:gd name="T3" fmla="*/ 665 h 692"/>
+                <a:gd name="T4" fmla="*/ 9 w 785"/>
+                <a:gd name="T5" fmla="*/ 374 h 692"/>
+                <a:gd name="T6" fmla="*/ 9 w 785"/>
+                <a:gd name="T7" fmla="*/ 318 h 692"/>
+                <a:gd name="T8" fmla="*/ 177 w 785"/>
+                <a:gd name="T9" fmla="*/ 27 h 692"/>
+                <a:gd name="T10" fmla="*/ 225 w 785"/>
+                <a:gd name="T11" fmla="*/ 0 h 692"/>
+                <a:gd name="T12" fmla="*/ 561 w 785"/>
+                <a:gd name="T13" fmla="*/ 0 h 692"/>
+                <a:gd name="T14" fmla="*/ 609 w 785"/>
+                <a:gd name="T15" fmla="*/ 27 h 692"/>
+                <a:gd name="T16" fmla="*/ 777 w 785"/>
+                <a:gd name="T17" fmla="*/ 318 h 692"/>
+                <a:gd name="T18" fmla="*/ 777 w 785"/>
+                <a:gd name="T19" fmla="*/ 374 h 692"/>
+                <a:gd name="T20" fmla="*/ 609 w 785"/>
+                <a:gd name="T21" fmla="*/ 665 h 692"/>
+                <a:gd name="T22" fmla="*/ 561 w 785"/>
+                <a:gd name="T23" fmla="*/ 692 h 692"/>
+                <a:gd name="T24" fmla="*/ 225 w 785"/>
+                <a:gd name="T25" fmla="*/ 692 h 692"/>
+              </a:gdLst>
+              <a:ahLst/>
+              <a:cxnLst>
+                <a:cxn ang="0">
+                  <a:pos x="T0" y="T1"/>
+                </a:cxn>
+                <a:cxn ang="0">
+                  <a:pos x="T2" y="T3"/>
+                </a:cxn>
+                <a:cxn ang="0">
+                  <a:pos x="T4" y="T5"/>
+                </a:cxn>
+                <a:cxn ang="0">
+                  <a:pos x="T6" y="T7"/>
+                </a:cxn>
+                <a:cxn ang="0">
+                  <a:pos x="T8" y="T9"/>
+                </a:cxn>
+                <a:cxn ang="0">
+                  <a:pos x="T10" y="T11"/>
+                </a:cxn>
+                <a:cxn ang="0">
+                  <a:pos x="T12" y="T13"/>
+                </a:cxn>
+                <a:cxn ang="0">
+                  <a:pos x="T14" y="T15"/>
+                </a:cxn>
+                <a:cxn ang="0">
+                  <a:pos x="T16" y="T17"/>
+                </a:cxn>
+                <a:cxn ang="0">
+                  <a:pos x="T18" y="T19"/>
+                </a:cxn>
+                <a:cxn ang="0">
+                  <a:pos x="T20" y="T21"/>
+                </a:cxn>
+                <a:cxn ang="0">
+                  <a:pos x="T22" y="T23"/>
+                </a:cxn>
+                <a:cxn ang="0">
+                  <a:pos x="T24" y="T25"/>
+                </a:cxn>
+              </a:cxnLst>
+              <a:rect l="0" t="0" r="r" b="b"/>
+              <a:pathLst>
+                <a:path w="785" h="692">
+                  <a:moveTo>
+                    <a:pt x="225" y="692"/>
+                  </a:moveTo>
+                  <a:cubicBezTo>
+                    <a:pt x="207" y="692"/>
+                    <a:pt x="185" y="680"/>
+                    <a:pt x="177" y="665"/>
+                  </a:cubicBezTo>
+                  <a:cubicBezTo>
+                    <a:pt x="9" y="374"/>
+                    <a:pt x="9" y="374"/>
+                    <a:pt x="9" y="374"/>
+                  </a:cubicBezTo>
+                  <a:cubicBezTo>
+                    <a:pt x="0" y="358"/>
+                    <a:pt x="0" y="334"/>
+                    <a:pt x="9" y="318"/>
+                  </a:cubicBezTo>
+                  <a:cubicBezTo>
+                    <a:pt x="177" y="27"/>
+                    <a:pt x="177" y="27"/>
+                    <a:pt x="177" y="27"/>
+                  </a:cubicBezTo>
+                  <a:cubicBezTo>
+                    <a:pt x="185" y="12"/>
+                    <a:pt x="207" y="0"/>
+                    <a:pt x="225" y="0"/>
+                  </a:cubicBezTo>
+                  <a:cubicBezTo>
+                    <a:pt x="561" y="0"/>
+                    <a:pt x="561" y="0"/>
+                    <a:pt x="561" y="0"/>
+                  </a:cubicBezTo>
+                  <a:cubicBezTo>
+                    <a:pt x="578" y="0"/>
+                    <a:pt x="600" y="12"/>
+                    <a:pt x="609" y="27"/>
+                  </a:cubicBezTo>
+                  <a:cubicBezTo>
+                    <a:pt x="777" y="318"/>
+                    <a:pt x="777" y="318"/>
+                    <a:pt x="777" y="318"/>
+                  </a:cubicBezTo>
+                  <a:cubicBezTo>
+                    <a:pt x="785" y="334"/>
+                    <a:pt x="785" y="358"/>
+                    <a:pt x="777" y="374"/>
+                  </a:cubicBezTo>
+                  <a:cubicBezTo>
+                    <a:pt x="609" y="665"/>
+                    <a:pt x="609" y="665"/>
+                    <a:pt x="609" y="665"/>
+                  </a:cubicBezTo>
+                  <a:cubicBezTo>
+                    <a:pt x="600" y="680"/>
+                    <a:pt x="578" y="692"/>
+                    <a:pt x="561" y="692"/>
+                  </a:cubicBezTo>
+                  <a:lnTo>
+                    <a:pt x="225" y="692"/>
+                  </a:lnTo>
+                  <a:close/>
+                </a:path>
+              </a:pathLst>
+            </a:custGeom>
+            <a:noFill/>
+            <a:ln w="28575" cmpd="sng">
+              <a:solidFill>
+                <a:schemeClr val="tx1"/>
+              </a:solidFill>
+            </a:ln>
+          </p:spPr>
+          <p:txBody>
+            <a:bodyPr vert="horz" wrap="square" lIns="91440" tIns="45720" rIns="91440" bIns="45720" numCol="1" anchor="t" anchorCtr="0" compatLnSpc="1">
+              <a:prstTxWarp prst="textNoShape">
+                <a:avLst/>
+              </a:prstTxWarp>
+            </a:bodyPr>
+            <a:lstStyle/>
+            <a:p>
+              <a:endParaRPr lang="en-US"/>
+            </a:p>
+          </p:txBody>
+        </p:sp>
+        <p:sp>
+          <p:nvSpPr>
+            <p:cNvPr id="24" name="Freeform 5">
+              <a:extLst>
+                <a:ext uri="{FF2B5EF4-FFF2-40B4-BE49-F238E27FC236}">
+                  <a16:creationId xmlns:a16="http://schemas.microsoft.com/office/drawing/2014/main" id="{F4E8C039-CC58-44F3-8A7B-E0A934C1D015}"/>
+                </a:ext>
+                <a:ext uri="{C183D7F6-B498-43B3-948B-1728B52AA6E4}">
+                  <adec:decorative xmlns:adec="http://schemas.microsoft.com/office/drawing/2017/decorative" val="1"/>
+                </a:ext>
+              </a:extLst>
+            </p:cNvPr>
+            <p:cNvSpPr>
+              <a:spLocks/>
+            </p:cNvSpPr>
+            <p:nvPr>
+              <p:extLst>
+                <p:ext uri="{386F3935-93C4-4BCD-93E2-E3B085C9AB24}">
+                  <p16:designElem xmlns:p16="http://schemas.microsoft.com/office/powerpoint/2015/main" val="1"/>
+                </p:ext>
+              </p:extLst>
+            </p:nvPr>
+          </p:nvSpPr>
+          <p:spPr bwMode="auto">
+            <a:xfrm>
+              <a:off x="8983979" y="1000124"/>
+              <a:ext cx="762167" cy="671915"/>
+            </a:xfrm>
+            <a:custGeom>
+              <a:avLst/>
+              <a:gdLst>
+                <a:gd name="T0" fmla="*/ 225 w 785"/>
+                <a:gd name="T1" fmla="*/ 692 h 692"/>
+                <a:gd name="T2" fmla="*/ 177 w 785"/>
+                <a:gd name="T3" fmla="*/ 665 h 692"/>
+                <a:gd name="T4" fmla="*/ 9 w 785"/>
+                <a:gd name="T5" fmla="*/ 374 h 692"/>
+                <a:gd name="T6" fmla="*/ 9 w 785"/>
+                <a:gd name="T7" fmla="*/ 318 h 692"/>
+                <a:gd name="T8" fmla="*/ 177 w 785"/>
+                <a:gd name="T9" fmla="*/ 27 h 692"/>
+                <a:gd name="T10" fmla="*/ 225 w 785"/>
+                <a:gd name="T11" fmla="*/ 0 h 692"/>
+                <a:gd name="T12" fmla="*/ 561 w 785"/>
+                <a:gd name="T13" fmla="*/ 0 h 692"/>
+                <a:gd name="T14" fmla="*/ 609 w 785"/>
+                <a:gd name="T15" fmla="*/ 27 h 692"/>
+                <a:gd name="T16" fmla="*/ 777 w 785"/>
+                <a:gd name="T17" fmla="*/ 318 h 692"/>
+                <a:gd name="T18" fmla="*/ 777 w 785"/>
+                <a:gd name="T19" fmla="*/ 374 h 692"/>
+                <a:gd name="T20" fmla="*/ 609 w 785"/>
+                <a:gd name="T21" fmla="*/ 665 h 692"/>
+                <a:gd name="T22" fmla="*/ 561 w 785"/>
+                <a:gd name="T23" fmla="*/ 692 h 692"/>
+                <a:gd name="T24" fmla="*/ 225 w 785"/>
+                <a:gd name="T25" fmla="*/ 692 h 692"/>
+              </a:gdLst>
+              <a:ahLst/>
+              <a:cxnLst>
+                <a:cxn ang="0">
+                  <a:pos x="T0" y="T1"/>
+                </a:cxn>
+                <a:cxn ang="0">
+                  <a:pos x="T2" y="T3"/>
+                </a:cxn>
+                <a:cxn ang="0">
+                  <a:pos x="T4" y="T5"/>
+                </a:cxn>
+                <a:cxn ang="0">
+                  <a:pos x="T6" y="T7"/>
+                </a:cxn>
+                <a:cxn ang="0">
+                  <a:pos x="T8" y="T9"/>
+                </a:cxn>
+                <a:cxn ang="0">
+                  <a:pos x="T10" y="T11"/>
+                </a:cxn>
+                <a:cxn ang="0">
+                  <a:pos x="T12" y="T13"/>
+                </a:cxn>
+                <a:cxn ang="0">
+                  <a:pos x="T14" y="T15"/>
+                </a:cxn>
+                <a:cxn ang="0">
+                  <a:pos x="T16" y="T17"/>
+                </a:cxn>
+                <a:cxn ang="0">
+                  <a:pos x="T18" y="T19"/>
+                </a:cxn>
+                <a:cxn ang="0">
+                  <a:pos x="T20" y="T21"/>
+                </a:cxn>
+                <a:cxn ang="0">
+                  <a:pos x="T22" y="T23"/>
+                </a:cxn>
+                <a:cxn ang="0">
+                  <a:pos x="T24" y="T25"/>
+                </a:cxn>
+              </a:cxnLst>
+              <a:rect l="0" t="0" r="r" b="b"/>
+              <a:pathLst>
+                <a:path w="785" h="692">
+                  <a:moveTo>
+                    <a:pt x="225" y="692"/>
+                  </a:moveTo>
+                  <a:cubicBezTo>
+                    <a:pt x="207" y="692"/>
+                    <a:pt x="185" y="680"/>
+                    <a:pt x="177" y="665"/>
+                  </a:cubicBezTo>
+                  <a:cubicBezTo>
+                    <a:pt x="9" y="374"/>
+                    <a:pt x="9" y="374"/>
+                    <a:pt x="9" y="374"/>
+                  </a:cubicBezTo>
+                  <a:cubicBezTo>
+                    <a:pt x="0" y="358"/>
+                    <a:pt x="0" y="334"/>
+                    <a:pt x="9" y="318"/>
+                  </a:cubicBezTo>
+                  <a:cubicBezTo>
+                    <a:pt x="177" y="27"/>
+                    <a:pt x="177" y="27"/>
+                    <a:pt x="177" y="27"/>
+                  </a:cubicBezTo>
+                  <a:cubicBezTo>
+                    <a:pt x="185" y="12"/>
+                    <a:pt x="207" y="0"/>
+                    <a:pt x="225" y="0"/>
+                  </a:cubicBezTo>
+                  <a:cubicBezTo>
+                    <a:pt x="561" y="0"/>
+                    <a:pt x="561" y="0"/>
+                    <a:pt x="561" y="0"/>
+                  </a:cubicBezTo>
+                  <a:cubicBezTo>
+                    <a:pt x="578" y="0"/>
+                    <a:pt x="600" y="12"/>
+                    <a:pt x="609" y="27"/>
+                  </a:cubicBezTo>
+                  <a:cubicBezTo>
+                    <a:pt x="777" y="318"/>
+                    <a:pt x="777" y="318"/>
+                    <a:pt x="777" y="318"/>
+                  </a:cubicBezTo>
+                  <a:cubicBezTo>
+                    <a:pt x="785" y="334"/>
+                    <a:pt x="785" y="358"/>
+                    <a:pt x="777" y="374"/>
+                  </a:cubicBezTo>
+                  <a:cubicBezTo>
+                    <a:pt x="609" y="665"/>
+                    <a:pt x="609" y="665"/>
+                    <a:pt x="609" y="665"/>
+                  </a:cubicBezTo>
+                  <a:cubicBezTo>
+                    <a:pt x="600" y="680"/>
+                    <a:pt x="578" y="692"/>
+                    <a:pt x="561" y="692"/>
+                  </a:cubicBezTo>
+                  <a:lnTo>
+                    <a:pt x="225" y="692"/>
+                  </a:lnTo>
+                  <a:close/>
+                </a:path>
+              </a:pathLst>
+            </a:custGeom>
+            <a:noFill/>
+            <a:ln w="28575" cmpd="sng">
+              <a:solidFill>
+                <a:schemeClr val="tx1"/>
+              </a:solidFill>
+            </a:ln>
+          </p:spPr>
+          <p:txBody>
+            <a:bodyPr vert="horz" wrap="square" lIns="91440" tIns="45720" rIns="91440" bIns="45720" numCol="1" anchor="t" anchorCtr="0" compatLnSpc="1">
+              <a:prstTxWarp prst="textNoShape">
+                <a:avLst/>
+              </a:prstTxWarp>
+            </a:bodyPr>
+            <a:lstStyle/>
+            <a:p>
+              <a:endParaRPr lang="en-US"/>
+            </a:p>
+          </p:txBody>
+        </p:sp>
+      </p:grpSp>
+      <p:graphicFrame>
+        <p:nvGraphicFramePr>
+          <p:cNvPr id="16" name="Content Placeholder 2">
+            <a:extLst>
+              <a:ext uri="{FF2B5EF4-FFF2-40B4-BE49-F238E27FC236}">
+                <a16:creationId xmlns:a16="http://schemas.microsoft.com/office/drawing/2014/main" id="{62D9F16F-9C48-40D5-8AAF-A41DB2DAADCA}"/>
+              </a:ext>
+            </a:extLst>
+          </p:cNvPr>
+          <p:cNvGraphicFramePr>
+            <a:graphicFrameLocks noGrp="1"/>
+          </p:cNvGraphicFramePr>
           <p:nvPr>
             <p:ph idx="1"/>
+            <p:extLst>
+              <p:ext uri="{D42A27DB-BD31-4B8C-83A1-F6EECF244321}">
+                <p14:modId xmlns:p14="http://schemas.microsoft.com/office/powerpoint/2010/main" val="2865552853"/>
+              </p:ext>
+            </p:extLst>
           </p:nvPr>
-        </p:nvSpPr>
-        <p:spPr/>
-        <p:txBody>
-          <a:bodyPr/>
-          <a:lstStyle/>
-          <a:p>
-            <a:r>
-              <a:rPr lang="en-GB" dirty="0"/>
-              <a:t>Consistency, Determination</a:t>
-            </a:r>
-          </a:p>
-          <a:p>
-            <a:endParaRPr lang="en-GB" dirty="0"/>
-          </a:p>
-          <a:p>
-            <a:endParaRPr lang="en-GB" dirty="0"/>
-          </a:p>
-        </p:txBody>
-      </p:sp>
+        </p:nvGraphicFramePr>
+        <p:xfrm>
+          <a:off x="629854" y="1860604"/>
+          <a:ext cx="10907490" cy="4094923"/>
+        </p:xfrm>
+        <a:graphic>
+          <a:graphicData uri="http://schemas.openxmlformats.org/drawingml/2006/diagram">
+            <dgm:relIds xmlns:dgm="http://schemas.openxmlformats.org/drawingml/2006/diagram" xmlns:r="http://schemas.openxmlformats.org/officeDocument/2006/relationships" r:dm="rId3" r:lo="rId4" r:qs="rId5" r:cs="rId6"/>
+          </a:graphicData>
+        </a:graphic>
+      </p:graphicFrame>
     </p:spTree>
     <p:extLst>
       <p:ext uri="{BB962C8B-B14F-4D97-AF65-F5344CB8AC3E}">
@@ -4322,6 +7916,14 @@
 <file path=ppt/slides/slide3.xml><?xml version="1.0" encoding="utf-8"?>
 <p:sld xmlns:a="http://schemas.openxmlformats.org/drawingml/2006/main" xmlns:r="http://schemas.openxmlformats.org/officeDocument/2006/relationships" xmlns:p="http://schemas.openxmlformats.org/presentationml/2006/main">
   <p:cSld>
+    <p:bg>
+      <p:bgPr>
+        <a:solidFill>
+          <a:schemeClr val="bg1"/>
+        </a:solidFill>
+        <a:effectLst/>
+      </p:bgPr>
+    </p:bg>
     <p:spTree>
       <p:nvGrpSpPr>
         <p:cNvPr id="1" name=""/>
@@ -4336,6 +7938,401 @@
           <a:chExt cx="0" cy="0"/>
         </a:xfrm>
       </p:grpSpPr>
+      <p:sp useBgFill="1">
+        <p:nvSpPr>
+          <p:cNvPr id="9" name="Rectangle 8">
+            <a:extLst>
+              <a:ext uri="{FF2B5EF4-FFF2-40B4-BE49-F238E27FC236}">
+                <a16:creationId xmlns:a16="http://schemas.microsoft.com/office/drawing/2014/main" id="{1C799903-48D5-4A31-A1A2-541072D9771E}"/>
+              </a:ext>
+              <a:ext uri="{C183D7F6-B498-43B3-948B-1728B52AA6E4}">
+                <adec:decorative xmlns:adec="http://schemas.microsoft.com/office/drawing/2017/decorative" val="1"/>
+              </a:ext>
+            </a:extLst>
+          </p:cNvPr>
+          <p:cNvSpPr>
+            <a:spLocks noGrp="1" noRot="1" noChangeAspect="1" noMove="1" noResize="1" noEditPoints="1" noAdjustHandles="1" noChangeArrowheads="1" noChangeShapeType="1" noTextEdit="1"/>
+          </p:cNvSpPr>
+          <p:nvPr>
+            <p:extLst>
+              <p:ext uri="{386F3935-93C4-4BCD-93E2-E3B085C9AB24}">
+                <p16:designElem xmlns:p16="http://schemas.microsoft.com/office/powerpoint/2015/main" val="1"/>
+              </p:ext>
+            </p:extLst>
+          </p:nvPr>
+        </p:nvSpPr>
+        <p:spPr>
+          <a:xfrm>
+            <a:off x="0" y="0"/>
+            <a:ext cx="12192002" cy="6858000"/>
+          </a:xfrm>
+          <a:prstGeom prst="rect">
+            <a:avLst/>
+          </a:prstGeom>
+          <a:ln>
+            <a:noFill/>
+          </a:ln>
+        </p:spPr>
+        <p:style>
+          <a:lnRef idx="2">
+            <a:schemeClr val="accent1">
+              <a:shade val="50000"/>
+            </a:schemeClr>
+          </a:lnRef>
+          <a:fillRef idx="1">
+            <a:schemeClr val="accent1"/>
+          </a:fillRef>
+          <a:effectRef idx="0">
+            <a:schemeClr val="accent1"/>
+          </a:effectRef>
+          <a:fontRef idx="minor">
+            <a:schemeClr val="lt1"/>
+          </a:fontRef>
+        </p:style>
+        <p:txBody>
+          <a:bodyPr rtlCol="0" anchor="ctr"/>
+          <a:lstStyle/>
+          <a:p>
+            <a:pPr algn="ctr"/>
+            <a:endParaRPr lang="en-US"/>
+          </a:p>
+        </p:txBody>
+      </p:sp>
+      <p:sp useBgFill="1">
+        <p:nvSpPr>
+          <p:cNvPr id="11" name="Freeform: Shape 10">
+            <a:extLst>
+              <a:ext uri="{FF2B5EF4-FFF2-40B4-BE49-F238E27FC236}">
+                <a16:creationId xmlns:a16="http://schemas.microsoft.com/office/drawing/2014/main" id="{8EFFF109-FC58-4FD3-BE05-9775A1310F55}"/>
+              </a:ext>
+              <a:ext uri="{C183D7F6-B498-43B3-948B-1728B52AA6E4}">
+                <adec:decorative xmlns:adec="http://schemas.microsoft.com/office/drawing/2017/decorative" val="1"/>
+              </a:ext>
+            </a:extLst>
+          </p:cNvPr>
+          <p:cNvSpPr>
+            <a:spLocks noGrp="1" noRot="1" noChangeAspect="1" noMove="1" noResize="1" noEditPoints="1" noAdjustHandles="1" noChangeArrowheads="1" noChangeShapeType="1" noTextEdit="1"/>
+          </p:cNvSpPr>
+          <p:nvPr>
+            <p:extLst>
+              <p:ext uri="{386F3935-93C4-4BCD-93E2-E3B085C9AB24}">
+                <p16:designElem xmlns:p16="http://schemas.microsoft.com/office/powerpoint/2015/main" val="1"/>
+              </p:ext>
+            </p:extLst>
+          </p:nvPr>
+        </p:nvSpPr>
+        <p:spPr>
+          <a:xfrm>
+            <a:off x="-1" y="0"/>
+            <a:ext cx="4818889" cy="6858000"/>
+          </a:xfrm>
+          <a:custGeom>
+            <a:avLst/>
+            <a:gdLst>
+              <a:gd name="connsiteX0" fmla="*/ 0 w 4818889"/>
+              <a:gd name="connsiteY0" fmla="*/ 0 h 6858000"/>
+              <a:gd name="connsiteX1" fmla="*/ 3605911 w 4818889"/>
+              <a:gd name="connsiteY1" fmla="*/ 0 h 6858000"/>
+              <a:gd name="connsiteX2" fmla="*/ 3668894 w 4818889"/>
+              <a:gd name="connsiteY2" fmla="*/ 69271 h 6858000"/>
+              <a:gd name="connsiteX3" fmla="*/ 4818889 w 4818889"/>
+              <a:gd name="connsiteY3" fmla="*/ 3429000 h 6858000"/>
+              <a:gd name="connsiteX4" fmla="*/ 3668894 w 4818889"/>
+              <a:gd name="connsiteY4" fmla="*/ 6788730 h 6858000"/>
+              <a:gd name="connsiteX5" fmla="*/ 3605911 w 4818889"/>
+              <a:gd name="connsiteY5" fmla="*/ 6858000 h 6858000"/>
+              <a:gd name="connsiteX6" fmla="*/ 0 w 4818889"/>
+              <a:gd name="connsiteY6" fmla="*/ 6858000 h 6858000"/>
+            </a:gdLst>
+            <a:ahLst/>
+            <a:cxnLst>
+              <a:cxn ang="0">
+                <a:pos x="connsiteX0" y="connsiteY0"/>
+              </a:cxn>
+              <a:cxn ang="0">
+                <a:pos x="connsiteX1" y="connsiteY1"/>
+              </a:cxn>
+              <a:cxn ang="0">
+                <a:pos x="connsiteX2" y="connsiteY2"/>
+              </a:cxn>
+              <a:cxn ang="0">
+                <a:pos x="connsiteX3" y="connsiteY3"/>
+              </a:cxn>
+              <a:cxn ang="0">
+                <a:pos x="connsiteX4" y="connsiteY4"/>
+              </a:cxn>
+              <a:cxn ang="0">
+                <a:pos x="connsiteX5" y="connsiteY5"/>
+              </a:cxn>
+              <a:cxn ang="0">
+                <a:pos x="connsiteX6" y="connsiteY6"/>
+              </a:cxn>
+            </a:cxnLst>
+            <a:rect l="l" t="t" r="r" b="b"/>
+            <a:pathLst>
+              <a:path w="4818889" h="6858000">
+                <a:moveTo>
+                  <a:pt x="0" y="0"/>
+                </a:moveTo>
+                <a:lnTo>
+                  <a:pt x="3605911" y="0"/>
+                </a:lnTo>
+                <a:lnTo>
+                  <a:pt x="3668894" y="69271"/>
+                </a:lnTo>
+                <a:cubicBezTo>
+                  <a:pt x="4379420" y="929100"/>
+                  <a:pt x="4818889" y="2116944"/>
+                  <a:pt x="4818889" y="3429000"/>
+                </a:cubicBezTo>
+                <a:cubicBezTo>
+                  <a:pt x="4818889" y="4741056"/>
+                  <a:pt x="4379420" y="5928900"/>
+                  <a:pt x="3668894" y="6788730"/>
+                </a:cubicBezTo>
+                <a:lnTo>
+                  <a:pt x="3605911" y="6858000"/>
+                </a:lnTo>
+                <a:lnTo>
+                  <a:pt x="0" y="6858000"/>
+                </a:lnTo>
+                <a:close/>
+              </a:path>
+            </a:pathLst>
+          </a:custGeom>
+          <a:ln w="9525">
+            <a:solidFill>
+              <a:srgbClr val="E6E6E6"/>
+            </a:solidFill>
+          </a:ln>
+          <a:effectLst>
+            <a:outerShdw blurRad="50800" dist="38100" algn="l" rotWithShape="0">
+              <a:schemeClr val="bg1">
+                <a:lumMod val="85000"/>
+                <a:alpha val="50000"/>
+              </a:schemeClr>
+            </a:outerShdw>
+          </a:effectLst>
+        </p:spPr>
+        <p:style>
+          <a:lnRef idx="2">
+            <a:schemeClr val="accent1">
+              <a:shade val="50000"/>
+            </a:schemeClr>
+          </a:lnRef>
+          <a:fillRef idx="1">
+            <a:schemeClr val="accent1"/>
+          </a:fillRef>
+          <a:effectRef idx="0">
+            <a:schemeClr val="accent1"/>
+          </a:effectRef>
+          <a:fontRef idx="minor">
+            <a:schemeClr val="lt1"/>
+          </a:fontRef>
+        </p:style>
+        <p:txBody>
+          <a:bodyPr wrap="square" rtlCol="0" anchor="ctr">
+            <a:noAutofit/>
+          </a:bodyPr>
+          <a:lstStyle/>
+          <a:p>
+            <a:pPr marL="0" marR="0" lvl="0" indent="0" algn="ctr" defTabSz="914400" rtl="0" eaLnBrk="1" fontAlgn="auto" latinLnBrk="0" hangingPunct="1">
+              <a:lnSpc>
+                <a:spcPct val="100000"/>
+              </a:lnSpc>
+              <a:spcBef>
+                <a:spcPts val="0"/>
+              </a:spcBef>
+              <a:spcAft>
+                <a:spcPts val="0"/>
+              </a:spcAft>
+              <a:buClrTx/>
+              <a:buSzTx/>
+              <a:buFontTx/>
+              <a:buNone/>
+              <a:tabLst/>
+              <a:defRPr/>
+            </a:pPr>
+            <a:endParaRPr kumimoji="0" lang="en-US" sz="1800" b="0" i="0" u="none" strike="noStrike" kern="1200" cap="none" spc="0" normalizeH="0" baseline="0" noProof="0">
+              <a:ln>
+                <a:noFill/>
+              </a:ln>
+              <a:solidFill>
+                <a:prstClr val="white"/>
+              </a:solidFill>
+              <a:effectLst/>
+              <a:uLnTx/>
+              <a:uFillTx/>
+              <a:latin typeface="Calibri" panose="020F0502020204030204"/>
+              <a:ea typeface="+mn-ea"/>
+              <a:cs typeface="+mn-cs"/>
+            </a:endParaRPr>
+          </a:p>
+        </p:txBody>
+      </p:sp>
+      <p:sp useBgFill="1">
+        <p:nvSpPr>
+          <p:cNvPr id="13" name="Freeform: Shape 12">
+            <a:extLst>
+              <a:ext uri="{FF2B5EF4-FFF2-40B4-BE49-F238E27FC236}">
+                <a16:creationId xmlns:a16="http://schemas.microsoft.com/office/drawing/2014/main" id="{E1B96AD6-92A9-4273-A62B-96A1C3E0BA95}"/>
+              </a:ext>
+              <a:ext uri="{C183D7F6-B498-43B3-948B-1728B52AA6E4}">
+                <adec:decorative xmlns:adec="http://schemas.microsoft.com/office/drawing/2017/decorative" val="1"/>
+              </a:ext>
+            </a:extLst>
+          </p:cNvPr>
+          <p:cNvSpPr>
+            <a:spLocks noGrp="1" noRot="1" noChangeAspect="1" noMove="1" noResize="1" noEditPoints="1" noAdjustHandles="1" noChangeArrowheads="1" noChangeShapeType="1" noTextEdit="1"/>
+          </p:cNvSpPr>
+          <p:nvPr>
+            <p:extLst>
+              <p:ext uri="{386F3935-93C4-4BCD-93E2-E3B085C9AB24}">
+                <p16:designElem xmlns:p16="http://schemas.microsoft.com/office/powerpoint/2015/main" val="1"/>
+              </p:ext>
+            </p:extLst>
+          </p:nvPr>
+        </p:nvSpPr>
+        <p:spPr>
+          <a:xfrm>
+            <a:off x="1" y="0"/>
+            <a:ext cx="4811477" cy="6858000"/>
+          </a:xfrm>
+          <a:custGeom>
+            <a:avLst/>
+            <a:gdLst>
+              <a:gd name="connsiteX0" fmla="*/ 0 w 4811477"/>
+              <a:gd name="connsiteY0" fmla="*/ 0 h 6858000"/>
+              <a:gd name="connsiteX1" fmla="*/ 3598499 w 4811477"/>
+              <a:gd name="connsiteY1" fmla="*/ 0 h 6858000"/>
+              <a:gd name="connsiteX2" fmla="*/ 3661482 w 4811477"/>
+              <a:gd name="connsiteY2" fmla="*/ 69271 h 6858000"/>
+              <a:gd name="connsiteX3" fmla="*/ 4811477 w 4811477"/>
+              <a:gd name="connsiteY3" fmla="*/ 3429000 h 6858000"/>
+              <a:gd name="connsiteX4" fmla="*/ 3661482 w 4811477"/>
+              <a:gd name="connsiteY4" fmla="*/ 6788730 h 6858000"/>
+              <a:gd name="connsiteX5" fmla="*/ 3598499 w 4811477"/>
+              <a:gd name="connsiteY5" fmla="*/ 6858000 h 6858000"/>
+              <a:gd name="connsiteX6" fmla="*/ 0 w 4811477"/>
+              <a:gd name="connsiteY6" fmla="*/ 6858000 h 6858000"/>
+            </a:gdLst>
+            <a:ahLst/>
+            <a:cxnLst>
+              <a:cxn ang="0">
+                <a:pos x="connsiteX0" y="connsiteY0"/>
+              </a:cxn>
+              <a:cxn ang="0">
+                <a:pos x="connsiteX1" y="connsiteY1"/>
+              </a:cxn>
+              <a:cxn ang="0">
+                <a:pos x="connsiteX2" y="connsiteY2"/>
+              </a:cxn>
+              <a:cxn ang="0">
+                <a:pos x="connsiteX3" y="connsiteY3"/>
+              </a:cxn>
+              <a:cxn ang="0">
+                <a:pos x="connsiteX4" y="connsiteY4"/>
+              </a:cxn>
+              <a:cxn ang="0">
+                <a:pos x="connsiteX5" y="connsiteY5"/>
+              </a:cxn>
+              <a:cxn ang="0">
+                <a:pos x="connsiteX6" y="connsiteY6"/>
+              </a:cxn>
+            </a:cxnLst>
+            <a:rect l="l" t="t" r="r" b="b"/>
+            <a:pathLst>
+              <a:path w="4811477" h="6858000">
+                <a:moveTo>
+                  <a:pt x="0" y="0"/>
+                </a:moveTo>
+                <a:lnTo>
+                  <a:pt x="3598499" y="0"/>
+                </a:lnTo>
+                <a:lnTo>
+                  <a:pt x="3661482" y="69271"/>
+                </a:lnTo>
+                <a:cubicBezTo>
+                  <a:pt x="4372008" y="929100"/>
+                  <a:pt x="4811477" y="2116944"/>
+                  <a:pt x="4811477" y="3429000"/>
+                </a:cubicBezTo>
+                <a:cubicBezTo>
+                  <a:pt x="4811477" y="4741056"/>
+                  <a:pt x="4372008" y="5928900"/>
+                  <a:pt x="3661482" y="6788730"/>
+                </a:cubicBezTo>
+                <a:lnTo>
+                  <a:pt x="3598499" y="6858000"/>
+                </a:lnTo>
+                <a:lnTo>
+                  <a:pt x="0" y="6858000"/>
+                </a:lnTo>
+                <a:close/>
+              </a:path>
+            </a:pathLst>
+          </a:custGeom>
+          <a:ln w="9525">
+            <a:noFill/>
+          </a:ln>
+          <a:effectLst/>
+        </p:spPr>
+        <p:style>
+          <a:lnRef idx="2">
+            <a:schemeClr val="accent1">
+              <a:shade val="50000"/>
+            </a:schemeClr>
+          </a:lnRef>
+          <a:fillRef idx="1">
+            <a:schemeClr val="accent1"/>
+          </a:fillRef>
+          <a:effectRef idx="0">
+            <a:schemeClr val="accent1"/>
+          </a:effectRef>
+          <a:fontRef idx="minor">
+            <a:schemeClr val="lt1"/>
+          </a:fontRef>
+        </p:style>
+        <p:txBody>
+          <a:bodyPr wrap="square" rtlCol="0" anchor="ctr">
+            <a:noAutofit/>
+          </a:bodyPr>
+          <a:lstStyle/>
+          <a:p>
+            <a:pPr marL="0" marR="0" lvl="0" indent="0" algn="ctr" defTabSz="914400" rtl="0" eaLnBrk="1" fontAlgn="auto" latinLnBrk="0" hangingPunct="1">
+              <a:lnSpc>
+                <a:spcPct val="100000"/>
+              </a:lnSpc>
+              <a:spcBef>
+                <a:spcPts val="0"/>
+              </a:spcBef>
+              <a:spcAft>
+                <a:spcPts val="0"/>
+              </a:spcAft>
+              <a:buClrTx/>
+              <a:buSzTx/>
+              <a:buFontTx/>
+              <a:buNone/>
+              <a:tabLst/>
+              <a:defRPr/>
+            </a:pPr>
+            <a:endParaRPr kumimoji="0" lang="en-US" sz="1800" b="0" i="0" u="none" strike="noStrike" kern="1200" cap="none" spc="0" normalizeH="0" baseline="0" noProof="0">
+              <a:ln>
+                <a:noFill/>
+              </a:ln>
+              <a:solidFill>
+                <a:prstClr val="white"/>
+              </a:solidFill>
+              <a:effectLst/>
+              <a:uLnTx/>
+              <a:uFillTx/>
+              <a:latin typeface="Calibri" panose="020F0502020204030204"/>
+              <a:ea typeface="+mn-ea"/>
+              <a:cs typeface="+mn-cs"/>
+            </a:endParaRPr>
+          </a:p>
+        </p:txBody>
+      </p:sp>
       <p:sp>
         <p:nvSpPr>
           <p:cNvPr id="2" name="Title 1">
@@ -4352,15 +8349,90 @@
             <p:ph type="title"/>
           </p:nvPr>
         </p:nvSpPr>
-        <p:spPr/>
+        <p:spPr>
+          <a:xfrm>
+            <a:off x="621792" y="1161288"/>
+            <a:ext cx="3602736" cy="4526280"/>
+          </a:xfrm>
+        </p:spPr>
         <p:txBody>
-          <a:bodyPr/>
+          <a:bodyPr>
+            <a:normAutofit/>
+          </a:bodyPr>
           <a:lstStyle/>
           <a:p>
             <a:r>
-              <a:rPr lang="en-GB" dirty="0"/>
-              <a:t>Work Experience</a:t>
+              <a:rPr lang="en-GB" sz="4000" dirty="0"/>
+              <a:t>Experience</a:t>
             </a:r>
+          </a:p>
+        </p:txBody>
+      </p:sp>
+      <p:sp>
+        <p:nvSpPr>
+          <p:cNvPr id="15" name="Rectangle 14">
+            <a:extLst>
+              <a:ext uri="{FF2B5EF4-FFF2-40B4-BE49-F238E27FC236}">
+                <a16:creationId xmlns:a16="http://schemas.microsoft.com/office/drawing/2014/main" id="{463EEC44-1BA3-44ED-81FC-A644B04B2A44}"/>
+              </a:ext>
+              <a:ext uri="{C183D7F6-B498-43B3-948B-1728B52AA6E4}">
+                <adec:decorative xmlns:adec="http://schemas.microsoft.com/office/drawing/2017/decorative" val="1"/>
+              </a:ext>
+            </a:extLst>
+          </p:cNvPr>
+          <p:cNvSpPr>
+            <a:spLocks noGrp="1" noRot="1" noChangeAspect="1" noMove="1" noResize="1" noEditPoints="1" noAdjustHandles="1" noChangeArrowheads="1" noChangeShapeType="1" noTextEdit="1"/>
+          </p:cNvSpPr>
+          <p:nvPr>
+            <p:extLst>
+              <p:ext uri="{386F3935-93C4-4BCD-93E2-E3B085C9AB24}">
+                <p16:designElem xmlns:p16="http://schemas.microsoft.com/office/powerpoint/2015/main" val="1"/>
+              </p:ext>
+            </p:extLst>
+          </p:nvPr>
+        </p:nvSpPr>
+        <p:spPr>
+          <a:xfrm>
+            <a:off x="0" y="3102049"/>
+            <a:ext cx="128016" cy="653903"/>
+          </a:xfrm>
+          <a:prstGeom prst="rect">
+            <a:avLst/>
+          </a:prstGeom>
+          <a:solidFill>
+            <a:schemeClr val="accent2"/>
+          </a:solidFill>
+          <a:ln>
+            <a:noFill/>
+          </a:ln>
+        </p:spPr>
+        <p:style>
+          <a:lnRef idx="2">
+            <a:schemeClr val="accent1">
+              <a:shade val="50000"/>
+            </a:schemeClr>
+          </a:lnRef>
+          <a:fillRef idx="1">
+            <a:schemeClr val="accent1"/>
+          </a:fillRef>
+          <a:effectRef idx="0">
+            <a:schemeClr val="accent1"/>
+          </a:effectRef>
+          <a:fontRef idx="minor">
+            <a:schemeClr val="lt1"/>
+          </a:fontRef>
+        </p:style>
+        <p:txBody>
+          <a:bodyPr rtlCol="0" anchor="ctr"/>
+          <a:lstStyle/>
+          <a:p>
+            <a:pPr algn="ctr"/>
+            <a:endParaRPr lang="en-US">
+              <a:solidFill>
+                <a:prstClr val="white"/>
+              </a:solidFill>
+              <a:latin typeface="Calibri" panose="020F0502020204030204"/>
+            </a:endParaRPr>
           </a:p>
         </p:txBody>
       </p:sp>
@@ -4380,56 +8452,61 @@
             <p:ph idx="1"/>
           </p:nvPr>
         </p:nvSpPr>
-        <p:spPr/>
+        <p:spPr>
+          <a:xfrm>
+            <a:off x="5434149" y="932688"/>
+            <a:ext cx="5916603" cy="4992624"/>
+          </a:xfrm>
+        </p:spPr>
         <p:txBody>
-          <a:bodyPr>
-            <a:normAutofit lnSpcReduction="10000"/>
+          <a:bodyPr anchor="ctr">
+            <a:normAutofit/>
           </a:bodyPr>
           <a:lstStyle/>
           <a:p>
             <a:r>
-              <a:rPr lang="en-GB" dirty="0"/>
+              <a:rPr lang="en-GB" sz="2000"/>
               <a:t>Summer Camp Counsellor</a:t>
             </a:r>
           </a:p>
           <a:p>
-            <a:endParaRPr lang="en-GB" dirty="0"/>
+            <a:endParaRPr lang="en-GB" sz="2000"/>
           </a:p>
           <a:p>
             <a:r>
-              <a:rPr lang="en-GB" dirty="0"/>
+              <a:rPr lang="en-GB" sz="2000"/>
               <a:t>Trainee QA &amp; Support Analyst</a:t>
             </a:r>
           </a:p>
           <a:p>
-            <a:endParaRPr lang="en-GB" dirty="0"/>
+            <a:endParaRPr lang="en-GB" sz="2000"/>
           </a:p>
           <a:p>
             <a:r>
-              <a:rPr lang="en-GB" dirty="0"/>
+              <a:rPr lang="en-GB" sz="2000"/>
               <a:t>Junior Developer</a:t>
             </a:r>
           </a:p>
           <a:p>
-            <a:endParaRPr lang="en-GB" dirty="0"/>
+            <a:endParaRPr lang="en-GB" sz="2000"/>
           </a:p>
           <a:p>
             <a:r>
-              <a:rPr lang="en-GB" dirty="0"/>
+              <a:rPr lang="en-GB" sz="2000"/>
               <a:t>Execution Product</a:t>
             </a:r>
           </a:p>
           <a:p>
-            <a:endParaRPr lang="en-GB" dirty="0"/>
+            <a:endParaRPr lang="en-GB" sz="2000"/>
           </a:p>
           <a:p>
             <a:r>
-              <a:rPr lang="en-GB" dirty="0"/>
+              <a:rPr lang="en-GB" sz="2000"/>
               <a:t>Junior SRE</a:t>
             </a:r>
           </a:p>
           <a:p>
-            <a:endParaRPr lang="en-GB" dirty="0"/>
+            <a:endParaRPr lang="en-GB" sz="2000"/>
           </a:p>
         </p:txBody>
       </p:sp>
@@ -4449,6 +8526,14 @@
 <file path=ppt/slides/slide4.xml><?xml version="1.0" encoding="utf-8"?>
 <p:sld xmlns:a="http://schemas.openxmlformats.org/drawingml/2006/main" xmlns:r="http://schemas.openxmlformats.org/officeDocument/2006/relationships" xmlns:p="http://schemas.openxmlformats.org/presentationml/2006/main">
   <p:cSld>
+    <p:bg>
+      <p:bgPr>
+        <a:solidFill>
+          <a:schemeClr val="bg1"/>
+        </a:solidFill>
+        <a:effectLst/>
+      </p:bgPr>
+    </p:bg>
     <p:spTree>
       <p:nvGrpSpPr>
         <p:cNvPr id="1" name=""/>
@@ -4463,6 +8548,401 @@
           <a:chExt cx="0" cy="0"/>
         </a:xfrm>
       </p:grpSpPr>
+      <p:sp useBgFill="1">
+        <p:nvSpPr>
+          <p:cNvPr id="8" name="Rectangle 7">
+            <a:extLst>
+              <a:ext uri="{FF2B5EF4-FFF2-40B4-BE49-F238E27FC236}">
+                <a16:creationId xmlns:a16="http://schemas.microsoft.com/office/drawing/2014/main" id="{2029D5AD-8348-4446-B191-6A9B6FE03F21}"/>
+              </a:ext>
+              <a:ext uri="{C183D7F6-B498-43B3-948B-1728B52AA6E4}">
+                <adec:decorative xmlns:adec="http://schemas.microsoft.com/office/drawing/2017/decorative" val="1"/>
+              </a:ext>
+            </a:extLst>
+          </p:cNvPr>
+          <p:cNvSpPr>
+            <a:spLocks noGrp="1" noRot="1" noChangeAspect="1" noMove="1" noResize="1" noEditPoints="1" noAdjustHandles="1" noChangeArrowheads="1" noChangeShapeType="1" noTextEdit="1"/>
+          </p:cNvSpPr>
+          <p:nvPr>
+            <p:extLst>
+              <p:ext uri="{386F3935-93C4-4BCD-93E2-E3B085C9AB24}">
+                <p16:designElem xmlns:p16="http://schemas.microsoft.com/office/powerpoint/2015/main" val="1"/>
+              </p:ext>
+            </p:extLst>
+          </p:nvPr>
+        </p:nvSpPr>
+        <p:spPr>
+          <a:xfrm>
+            <a:off x="0" y="0"/>
+            <a:ext cx="12188952" cy="6858000"/>
+          </a:xfrm>
+          <a:prstGeom prst="rect">
+            <a:avLst/>
+          </a:prstGeom>
+          <a:ln>
+            <a:noFill/>
+          </a:ln>
+        </p:spPr>
+        <p:style>
+          <a:lnRef idx="2">
+            <a:schemeClr val="accent1">
+              <a:shade val="50000"/>
+            </a:schemeClr>
+          </a:lnRef>
+          <a:fillRef idx="1">
+            <a:schemeClr val="accent1"/>
+          </a:fillRef>
+          <a:effectRef idx="0">
+            <a:schemeClr val="accent1"/>
+          </a:effectRef>
+          <a:fontRef idx="minor">
+            <a:schemeClr val="lt1"/>
+          </a:fontRef>
+        </p:style>
+        <p:txBody>
+          <a:bodyPr rtlCol="0" anchor="ctr"/>
+          <a:lstStyle/>
+          <a:p>
+            <a:pPr algn="ctr"/>
+            <a:endParaRPr lang="en-US"/>
+          </a:p>
+        </p:txBody>
+      </p:sp>
+      <p:sp useBgFill="1">
+        <p:nvSpPr>
+          <p:cNvPr id="10" name="Freeform: Shape 9">
+            <a:extLst>
+              <a:ext uri="{FF2B5EF4-FFF2-40B4-BE49-F238E27FC236}">
+                <a16:creationId xmlns:a16="http://schemas.microsoft.com/office/drawing/2014/main" id="{A3F395A2-2B64-4749-BD93-2F159C7E1FB5}"/>
+              </a:ext>
+              <a:ext uri="{C183D7F6-B498-43B3-948B-1728B52AA6E4}">
+                <adec:decorative xmlns:adec="http://schemas.microsoft.com/office/drawing/2017/decorative" val="1"/>
+              </a:ext>
+            </a:extLst>
+          </p:cNvPr>
+          <p:cNvSpPr>
+            <a:spLocks noGrp="1" noRot="1" noChangeAspect="1" noMove="1" noResize="1" noEditPoints="1" noAdjustHandles="1" noChangeArrowheads="1" noChangeShapeType="1" noTextEdit="1"/>
+          </p:cNvSpPr>
+          <p:nvPr>
+            <p:extLst>
+              <p:ext uri="{386F3935-93C4-4BCD-93E2-E3B085C9AB24}">
+                <p16:designElem xmlns:p16="http://schemas.microsoft.com/office/powerpoint/2015/main" val="1"/>
+              </p:ext>
+            </p:extLst>
+          </p:nvPr>
+        </p:nvSpPr>
+        <p:spPr>
+          <a:xfrm>
+            <a:off x="0" y="0"/>
+            <a:ext cx="12188952" cy="1899601"/>
+          </a:xfrm>
+          <a:custGeom>
+            <a:avLst/>
+            <a:gdLst>
+              <a:gd name="connsiteX0" fmla="*/ 0 w 12188952"/>
+              <a:gd name="connsiteY0" fmla="*/ 0 h 1899601"/>
+              <a:gd name="connsiteX1" fmla="*/ 12188952 w 12188952"/>
+              <a:gd name="connsiteY1" fmla="*/ 0 h 1899601"/>
+              <a:gd name="connsiteX2" fmla="*/ 12188952 w 12188952"/>
+              <a:gd name="connsiteY2" fmla="*/ 1635106 h 1899601"/>
+              <a:gd name="connsiteX3" fmla="*/ 11356325 w 12188952"/>
+              <a:gd name="connsiteY3" fmla="*/ 1707615 h 1899601"/>
+              <a:gd name="connsiteX4" fmla="*/ 6096001 w 12188952"/>
+              <a:gd name="connsiteY4" fmla="*/ 1899601 h 1899601"/>
+              <a:gd name="connsiteX5" fmla="*/ 835678 w 12188952"/>
+              <a:gd name="connsiteY5" fmla="*/ 1707615 h 1899601"/>
+              <a:gd name="connsiteX6" fmla="*/ 0 w 12188952"/>
+              <a:gd name="connsiteY6" fmla="*/ 1634841 h 1899601"/>
+            </a:gdLst>
+            <a:ahLst/>
+            <a:cxnLst>
+              <a:cxn ang="0">
+                <a:pos x="connsiteX0" y="connsiteY0"/>
+              </a:cxn>
+              <a:cxn ang="0">
+                <a:pos x="connsiteX1" y="connsiteY1"/>
+              </a:cxn>
+              <a:cxn ang="0">
+                <a:pos x="connsiteX2" y="connsiteY2"/>
+              </a:cxn>
+              <a:cxn ang="0">
+                <a:pos x="connsiteX3" y="connsiteY3"/>
+              </a:cxn>
+              <a:cxn ang="0">
+                <a:pos x="connsiteX4" y="connsiteY4"/>
+              </a:cxn>
+              <a:cxn ang="0">
+                <a:pos x="connsiteX5" y="connsiteY5"/>
+              </a:cxn>
+              <a:cxn ang="0">
+                <a:pos x="connsiteX6" y="connsiteY6"/>
+              </a:cxn>
+            </a:cxnLst>
+            <a:rect l="l" t="t" r="r" b="b"/>
+            <a:pathLst>
+              <a:path w="12188952" h="1899601">
+                <a:moveTo>
+                  <a:pt x="0" y="0"/>
+                </a:moveTo>
+                <a:lnTo>
+                  <a:pt x="12188952" y="0"/>
+                </a:lnTo>
+                <a:lnTo>
+                  <a:pt x="12188952" y="1635106"/>
+                </a:lnTo>
+                <a:lnTo>
+                  <a:pt x="11356325" y="1707615"/>
+                </a:lnTo>
+                <a:cubicBezTo>
+                  <a:pt x="9739512" y="1831240"/>
+                  <a:pt x="7961919" y="1899601"/>
+                  <a:pt x="6096001" y="1899601"/>
+                </a:cubicBezTo>
+                <a:cubicBezTo>
+                  <a:pt x="4230084" y="1899601"/>
+                  <a:pt x="2452490" y="1831240"/>
+                  <a:pt x="835678" y="1707615"/>
+                </a:cubicBezTo>
+                <a:lnTo>
+                  <a:pt x="0" y="1634841"/>
+                </a:lnTo>
+                <a:close/>
+              </a:path>
+            </a:pathLst>
+          </a:custGeom>
+          <a:ln w="9525">
+            <a:solidFill>
+              <a:srgbClr val="E6E6E6"/>
+            </a:solidFill>
+          </a:ln>
+          <a:effectLst>
+            <a:outerShdw blurRad="50800" dist="38100" dir="2700000" algn="tl" rotWithShape="0">
+              <a:schemeClr val="bg1">
+                <a:lumMod val="85000"/>
+                <a:alpha val="50000"/>
+              </a:schemeClr>
+            </a:outerShdw>
+          </a:effectLst>
+        </p:spPr>
+        <p:style>
+          <a:lnRef idx="2">
+            <a:schemeClr val="accent1">
+              <a:shade val="50000"/>
+            </a:schemeClr>
+          </a:lnRef>
+          <a:fillRef idx="1">
+            <a:schemeClr val="accent1"/>
+          </a:fillRef>
+          <a:effectRef idx="0">
+            <a:schemeClr val="accent1"/>
+          </a:effectRef>
+          <a:fontRef idx="minor">
+            <a:schemeClr val="lt1"/>
+          </a:fontRef>
+        </p:style>
+        <p:txBody>
+          <a:bodyPr wrap="square" rtlCol="0" anchor="ctr">
+            <a:noAutofit/>
+          </a:bodyPr>
+          <a:lstStyle/>
+          <a:p>
+            <a:pPr marL="0" marR="0" lvl="0" indent="0" algn="ctr" defTabSz="914400" rtl="0" eaLnBrk="1" fontAlgn="auto" latinLnBrk="0" hangingPunct="1">
+              <a:lnSpc>
+                <a:spcPct val="100000"/>
+              </a:lnSpc>
+              <a:spcBef>
+                <a:spcPts val="0"/>
+              </a:spcBef>
+              <a:spcAft>
+                <a:spcPts val="0"/>
+              </a:spcAft>
+              <a:buClrTx/>
+              <a:buSzTx/>
+              <a:buFontTx/>
+              <a:buNone/>
+              <a:tabLst/>
+              <a:defRPr/>
+            </a:pPr>
+            <a:endParaRPr kumimoji="0" lang="en-US" sz="1800" b="0" i="0" u="none" strike="noStrike" kern="1200" cap="none" spc="0" normalizeH="0" baseline="0" noProof="0">
+              <a:ln>
+                <a:noFill/>
+              </a:ln>
+              <a:solidFill>
+                <a:prstClr val="white"/>
+              </a:solidFill>
+              <a:effectLst/>
+              <a:uLnTx/>
+              <a:uFillTx/>
+              <a:latin typeface="Calibri" panose="020F0502020204030204"/>
+              <a:ea typeface="+mn-ea"/>
+              <a:cs typeface="+mn-cs"/>
+            </a:endParaRPr>
+          </a:p>
+        </p:txBody>
+      </p:sp>
+      <p:sp useBgFill="1">
+        <p:nvSpPr>
+          <p:cNvPr id="12" name="Freeform: Shape 11">
+            <a:extLst>
+              <a:ext uri="{FF2B5EF4-FFF2-40B4-BE49-F238E27FC236}">
+                <a16:creationId xmlns:a16="http://schemas.microsoft.com/office/drawing/2014/main" id="{5CF0135B-EAB8-4CA0-896C-2D897ECD28BC}"/>
+              </a:ext>
+              <a:ext uri="{C183D7F6-B498-43B3-948B-1728B52AA6E4}">
+                <adec:decorative xmlns:adec="http://schemas.microsoft.com/office/drawing/2017/decorative" val="1"/>
+              </a:ext>
+            </a:extLst>
+          </p:cNvPr>
+          <p:cNvSpPr>
+            <a:spLocks noGrp="1" noRot="1" noChangeAspect="1" noMove="1" noResize="1" noEditPoints="1" noAdjustHandles="1" noChangeArrowheads="1" noChangeShapeType="1" noTextEdit="1"/>
+          </p:cNvSpPr>
+          <p:nvPr>
+            <p:extLst>
+              <p:ext uri="{386F3935-93C4-4BCD-93E2-E3B085C9AB24}">
+                <p16:designElem xmlns:p16="http://schemas.microsoft.com/office/powerpoint/2015/main" val="1"/>
+              </p:ext>
+            </p:extLst>
+          </p:nvPr>
+        </p:nvSpPr>
+        <p:spPr>
+          <a:xfrm>
+            <a:off x="0" y="0"/>
+            <a:ext cx="12192000" cy="1890722"/>
+          </a:xfrm>
+          <a:custGeom>
+            <a:avLst/>
+            <a:gdLst>
+              <a:gd name="connsiteX0" fmla="*/ 0 w 12192000"/>
+              <a:gd name="connsiteY0" fmla="*/ 0 h 1890722"/>
+              <a:gd name="connsiteX1" fmla="*/ 12192000 w 12192000"/>
+              <a:gd name="connsiteY1" fmla="*/ 0 h 1890722"/>
+              <a:gd name="connsiteX2" fmla="*/ 12192000 w 12192000"/>
+              <a:gd name="connsiteY2" fmla="*/ 1626227 h 1890722"/>
+              <a:gd name="connsiteX3" fmla="*/ 11359165 w 12192000"/>
+              <a:gd name="connsiteY3" fmla="*/ 1698736 h 1890722"/>
+              <a:gd name="connsiteX4" fmla="*/ 6097526 w 12192000"/>
+              <a:gd name="connsiteY4" fmla="*/ 1890722 h 1890722"/>
+              <a:gd name="connsiteX5" fmla="*/ 835887 w 12192000"/>
+              <a:gd name="connsiteY5" fmla="*/ 1698736 h 1890722"/>
+              <a:gd name="connsiteX6" fmla="*/ 0 w 12192000"/>
+              <a:gd name="connsiteY6" fmla="*/ 1625962 h 1890722"/>
+            </a:gdLst>
+            <a:ahLst/>
+            <a:cxnLst>
+              <a:cxn ang="0">
+                <a:pos x="connsiteX0" y="connsiteY0"/>
+              </a:cxn>
+              <a:cxn ang="0">
+                <a:pos x="connsiteX1" y="connsiteY1"/>
+              </a:cxn>
+              <a:cxn ang="0">
+                <a:pos x="connsiteX2" y="connsiteY2"/>
+              </a:cxn>
+              <a:cxn ang="0">
+                <a:pos x="connsiteX3" y="connsiteY3"/>
+              </a:cxn>
+              <a:cxn ang="0">
+                <a:pos x="connsiteX4" y="connsiteY4"/>
+              </a:cxn>
+              <a:cxn ang="0">
+                <a:pos x="connsiteX5" y="connsiteY5"/>
+              </a:cxn>
+              <a:cxn ang="0">
+                <a:pos x="connsiteX6" y="connsiteY6"/>
+              </a:cxn>
+            </a:cxnLst>
+            <a:rect l="l" t="t" r="r" b="b"/>
+            <a:pathLst>
+              <a:path w="12192000" h="1890722">
+                <a:moveTo>
+                  <a:pt x="0" y="0"/>
+                </a:moveTo>
+                <a:lnTo>
+                  <a:pt x="12192000" y="0"/>
+                </a:lnTo>
+                <a:lnTo>
+                  <a:pt x="12192000" y="1626227"/>
+                </a:lnTo>
+                <a:lnTo>
+                  <a:pt x="11359165" y="1698736"/>
+                </a:lnTo>
+                <a:cubicBezTo>
+                  <a:pt x="9741947" y="1822361"/>
+                  <a:pt x="7963910" y="1890722"/>
+                  <a:pt x="6097526" y="1890722"/>
+                </a:cubicBezTo>
+                <a:cubicBezTo>
+                  <a:pt x="4231142" y="1890722"/>
+                  <a:pt x="2453104" y="1822361"/>
+                  <a:pt x="835887" y="1698736"/>
+                </a:cubicBezTo>
+                <a:lnTo>
+                  <a:pt x="0" y="1625962"/>
+                </a:lnTo>
+                <a:close/>
+              </a:path>
+            </a:pathLst>
+          </a:custGeom>
+          <a:ln w="9525">
+            <a:noFill/>
+          </a:ln>
+          <a:effectLst/>
+        </p:spPr>
+        <p:style>
+          <a:lnRef idx="2">
+            <a:schemeClr val="accent1">
+              <a:shade val="50000"/>
+            </a:schemeClr>
+          </a:lnRef>
+          <a:fillRef idx="1">
+            <a:schemeClr val="accent1"/>
+          </a:fillRef>
+          <a:effectRef idx="0">
+            <a:schemeClr val="accent1"/>
+          </a:effectRef>
+          <a:fontRef idx="minor">
+            <a:schemeClr val="lt1"/>
+          </a:fontRef>
+        </p:style>
+        <p:txBody>
+          <a:bodyPr wrap="square" rtlCol="0" anchor="ctr">
+            <a:noAutofit/>
+          </a:bodyPr>
+          <a:lstStyle/>
+          <a:p>
+            <a:pPr marL="0" marR="0" lvl="0" indent="0" algn="ctr" defTabSz="914400" rtl="0" eaLnBrk="1" fontAlgn="auto" latinLnBrk="0" hangingPunct="1">
+              <a:lnSpc>
+                <a:spcPct val="100000"/>
+              </a:lnSpc>
+              <a:spcBef>
+                <a:spcPts val="0"/>
+              </a:spcBef>
+              <a:spcAft>
+                <a:spcPts val="0"/>
+              </a:spcAft>
+              <a:buClrTx/>
+              <a:buSzTx/>
+              <a:buFontTx/>
+              <a:buNone/>
+              <a:tabLst/>
+              <a:defRPr/>
+            </a:pPr>
+            <a:endParaRPr kumimoji="0" lang="en-US" sz="1800" b="0" i="0" u="none" strike="noStrike" kern="1200" cap="none" spc="0" normalizeH="0" baseline="0" noProof="0">
+              <a:ln>
+                <a:noFill/>
+              </a:ln>
+              <a:solidFill>
+                <a:prstClr val="white"/>
+              </a:solidFill>
+              <a:effectLst/>
+              <a:uLnTx/>
+              <a:uFillTx/>
+              <a:latin typeface="Calibri" panose="020F0502020204030204"/>
+              <a:ea typeface="+mn-ea"/>
+              <a:cs typeface="+mn-cs"/>
+            </a:endParaRPr>
+          </a:p>
+        </p:txBody>
+      </p:sp>
       <p:sp>
         <p:nvSpPr>
           <p:cNvPr id="2" name="Title 1">
@@ -4479,15 +8959,90 @@
             <p:ph type="title"/>
           </p:nvPr>
         </p:nvSpPr>
-        <p:spPr/>
+        <p:spPr>
+          <a:xfrm>
+            <a:off x="838200" y="253397"/>
+            <a:ext cx="10515600" cy="1273233"/>
+          </a:xfrm>
+        </p:spPr>
         <p:txBody>
-          <a:bodyPr/>
+          <a:bodyPr>
+            <a:normAutofit/>
+          </a:bodyPr>
           <a:lstStyle/>
           <a:p>
             <a:r>
-              <a:rPr lang="en-GB" dirty="0"/>
+              <a:rPr lang="en-GB" sz="4000"/>
               <a:t>Accomplishments</a:t>
             </a:r>
+          </a:p>
+        </p:txBody>
+      </p:sp>
+      <p:sp>
+        <p:nvSpPr>
+          <p:cNvPr id="14" name="Rectangle 13">
+            <a:extLst>
+              <a:ext uri="{FF2B5EF4-FFF2-40B4-BE49-F238E27FC236}">
+                <a16:creationId xmlns:a16="http://schemas.microsoft.com/office/drawing/2014/main" id="{92C3387C-D24F-4737-8A37-1DC5CFF09CFA}"/>
+              </a:ext>
+              <a:ext uri="{C183D7F6-B498-43B3-948B-1728B52AA6E4}">
+                <adec:decorative xmlns:adec="http://schemas.microsoft.com/office/drawing/2017/decorative" val="1"/>
+              </a:ext>
+            </a:extLst>
+          </p:cNvPr>
+          <p:cNvSpPr>
+            <a:spLocks noGrp="1" noRot="1" noChangeAspect="1" noMove="1" noResize="1" noEditPoints="1" noAdjustHandles="1" noChangeArrowheads="1" noChangeShapeType="1" noTextEdit="1"/>
+          </p:cNvSpPr>
+          <p:nvPr>
+            <p:extLst>
+              <p:ext uri="{386F3935-93C4-4BCD-93E2-E3B085C9AB24}">
+                <p16:designElem xmlns:p16="http://schemas.microsoft.com/office/powerpoint/2015/main" val="1"/>
+              </p:ext>
+            </p:extLst>
+          </p:nvPr>
+        </p:nvSpPr>
+        <p:spPr>
+          <a:xfrm>
+            <a:off x="0" y="524522"/>
+            <a:ext cx="128016" cy="704088"/>
+          </a:xfrm>
+          <a:prstGeom prst="rect">
+            <a:avLst/>
+          </a:prstGeom>
+          <a:solidFill>
+            <a:schemeClr val="accent2"/>
+          </a:solidFill>
+          <a:ln>
+            <a:noFill/>
+          </a:ln>
+        </p:spPr>
+        <p:style>
+          <a:lnRef idx="2">
+            <a:schemeClr val="accent1">
+              <a:shade val="50000"/>
+            </a:schemeClr>
+          </a:lnRef>
+          <a:fillRef idx="1">
+            <a:schemeClr val="accent1"/>
+          </a:fillRef>
+          <a:effectRef idx="0">
+            <a:schemeClr val="accent1"/>
+          </a:effectRef>
+          <a:fontRef idx="minor">
+            <a:schemeClr val="lt1"/>
+          </a:fontRef>
+        </p:style>
+        <p:txBody>
+          <a:bodyPr rtlCol="0" anchor="ctr"/>
+          <a:lstStyle/>
+          <a:p>
+            <a:pPr algn="ctr"/>
+            <a:endParaRPr lang="en-US">
+              <a:solidFill>
+                <a:prstClr val="white"/>
+              </a:solidFill>
+              <a:latin typeface="Calibri" panose="020F0502020204030204"/>
+            </a:endParaRPr>
           </a:p>
         </p:txBody>
       </p:sp>
@@ -4507,40 +9062,47 @@
             <p:ph idx="1"/>
           </p:nvPr>
         </p:nvSpPr>
-        <p:spPr/>
+        <p:spPr>
+          <a:xfrm>
+            <a:off x="838200" y="2478024"/>
+            <a:ext cx="10515600" cy="3694176"/>
+          </a:xfrm>
+        </p:spPr>
         <p:txBody>
-          <a:bodyPr/>
+          <a:bodyPr>
+            <a:normAutofit/>
+          </a:bodyPr>
           <a:lstStyle/>
           <a:p>
             <a:r>
-              <a:rPr lang="en-GB" dirty="0"/>
+              <a:rPr lang="en-GB" sz="2200" dirty="0"/>
               <a:t>CityHack</a:t>
             </a:r>
           </a:p>
           <a:p>
-            <a:endParaRPr lang="en-GB" dirty="0"/>
+            <a:endParaRPr lang="en-GB" sz="2200" dirty="0"/>
           </a:p>
           <a:p>
             <a:r>
-              <a:rPr lang="en-GB" dirty="0"/>
+              <a:rPr lang="en-GB" sz="2200" dirty="0"/>
               <a:t>Accenture Tech Visionaries</a:t>
             </a:r>
           </a:p>
           <a:p>
-            <a:endParaRPr lang="en-GB" dirty="0"/>
+            <a:endParaRPr lang="en-GB" sz="2200" dirty="0"/>
           </a:p>
           <a:p>
             <a:r>
-              <a:rPr lang="en-GB" dirty="0"/>
-              <a:t>Presenting at OSS 2020</a:t>
+              <a:rPr lang="en-GB" sz="2200" dirty="0"/>
+              <a:t>Presenting a segment at OSS 2020</a:t>
             </a:r>
           </a:p>
           <a:p>
-            <a:endParaRPr lang="en-GB" dirty="0"/>
+            <a:endParaRPr lang="en-GB" sz="2200" dirty="0"/>
           </a:p>
           <a:p>
             <a:r>
-              <a:rPr lang="en-GB" dirty="0"/>
+              <a:rPr lang="en-GB" sz="2200" dirty="0"/>
               <a:t>7 Medium Publications, 5 Open Source Projects, 2 MVP’s</a:t>
             </a:r>
           </a:p>
@@ -4562,6 +9124,14 @@
 <file path=ppt/slides/slide5.xml><?xml version="1.0" encoding="utf-8"?>
 <p:sld xmlns:a="http://schemas.openxmlformats.org/drawingml/2006/main" xmlns:r="http://schemas.openxmlformats.org/officeDocument/2006/relationships" xmlns:p="http://schemas.openxmlformats.org/presentationml/2006/main">
   <p:cSld>
+    <p:bg>
+      <p:bgPr>
+        <a:solidFill>
+          <a:schemeClr val="bg1"/>
+        </a:solidFill>
+        <a:effectLst/>
+      </p:bgPr>
+    </p:bg>
     <p:spTree>
       <p:nvGrpSpPr>
         <p:cNvPr id="1" name=""/>
@@ -4576,6 +9146,165 @@
           <a:chExt cx="0" cy="0"/>
         </a:xfrm>
       </p:grpSpPr>
+      <p:sp useBgFill="1">
+        <p:nvSpPr>
+          <p:cNvPr id="15" name="Rectangle 14">
+            <a:extLst>
+              <a:ext uri="{FF2B5EF4-FFF2-40B4-BE49-F238E27FC236}">
+                <a16:creationId xmlns:a16="http://schemas.microsoft.com/office/drawing/2014/main" id="{632DF175-2DD8-4694-B4BB-045DCFCE730A}"/>
+              </a:ext>
+              <a:ext uri="{C183D7F6-B498-43B3-948B-1728B52AA6E4}">
+                <adec:decorative xmlns:adec="http://schemas.microsoft.com/office/drawing/2017/decorative" val="1"/>
+              </a:ext>
+            </a:extLst>
+          </p:cNvPr>
+          <p:cNvSpPr>
+            <a:spLocks noGrp="1" noRot="1" noChangeAspect="1" noMove="1" noResize="1" noEditPoints="1" noAdjustHandles="1" noChangeArrowheads="1" noChangeShapeType="1" noTextEdit="1"/>
+          </p:cNvSpPr>
+          <p:nvPr>
+            <p:extLst>
+              <p:ext uri="{386F3935-93C4-4BCD-93E2-E3B085C9AB24}">
+                <p16:designElem xmlns:p16="http://schemas.microsoft.com/office/powerpoint/2015/main" val="1"/>
+              </p:ext>
+            </p:extLst>
+          </p:nvPr>
+        </p:nvSpPr>
+        <p:spPr>
+          <a:xfrm>
+            <a:off x="0" y="0"/>
+            <a:ext cx="12192000" cy="6858000"/>
+          </a:xfrm>
+          <a:prstGeom prst="rect">
+            <a:avLst/>
+          </a:prstGeom>
+          <a:ln>
+            <a:noFill/>
+          </a:ln>
+        </p:spPr>
+        <p:style>
+          <a:lnRef idx="2">
+            <a:schemeClr val="accent1">
+              <a:shade val="50000"/>
+            </a:schemeClr>
+          </a:lnRef>
+          <a:fillRef idx="1">
+            <a:schemeClr val="accent1"/>
+          </a:fillRef>
+          <a:effectRef idx="0">
+            <a:schemeClr val="accent1"/>
+          </a:effectRef>
+          <a:fontRef idx="minor">
+            <a:schemeClr val="lt1"/>
+          </a:fontRef>
+        </p:style>
+        <p:txBody>
+          <a:bodyPr rtlCol="0" anchor="ctr"/>
+          <a:lstStyle/>
+          <a:p>
+            <a:pPr algn="ctr"/>
+            <a:endParaRPr lang="en-US"/>
+          </a:p>
+        </p:txBody>
+      </p:sp>
+      <p:sp useBgFill="1">
+        <p:nvSpPr>
+          <p:cNvPr id="17" name="Rectangle 16">
+            <a:extLst>
+              <a:ext uri="{FF2B5EF4-FFF2-40B4-BE49-F238E27FC236}">
+                <a16:creationId xmlns:a16="http://schemas.microsoft.com/office/drawing/2014/main" id="{9080D120-BD54-46E1-BA37-82F5E8089E90}"/>
+              </a:ext>
+              <a:ext uri="{C183D7F6-B498-43B3-948B-1728B52AA6E4}">
+                <adec:decorative xmlns:adec="http://schemas.microsoft.com/office/drawing/2017/decorative" val="1"/>
+              </a:ext>
+            </a:extLst>
+          </p:cNvPr>
+          <p:cNvSpPr>
+            <a:spLocks noGrp="1" noRot="1" noChangeAspect="1" noMove="1" noResize="1" noEditPoints="1" noAdjustHandles="1" noChangeArrowheads="1" noChangeShapeType="1" noTextEdit="1"/>
+          </p:cNvSpPr>
+          <p:nvPr>
+            <p:extLst>
+              <p:ext uri="{386F3935-93C4-4BCD-93E2-E3B085C9AB24}">
+                <p16:designElem xmlns:p16="http://schemas.microsoft.com/office/powerpoint/2015/main" val="1"/>
+              </p:ext>
+            </p:extLst>
+          </p:nvPr>
+        </p:nvSpPr>
+        <p:spPr>
+          <a:xfrm>
+            <a:off x="5058612" y="633619"/>
+            <a:ext cx="6852464" cy="5495925"/>
+          </a:xfrm>
+          <a:prstGeom prst="rect">
+            <a:avLst/>
+          </a:prstGeom>
+          <a:ln w="9525">
+            <a:solidFill>
+              <a:srgbClr val="DEDEDE"/>
+            </a:solidFill>
+          </a:ln>
+          <a:effectLst>
+            <a:outerShdw blurRad="50800" dist="38100" dir="2700000" algn="tl" rotWithShape="0">
+              <a:schemeClr val="bg1">
+                <a:lumMod val="85000"/>
+                <a:alpha val="50000"/>
+              </a:schemeClr>
+            </a:outerShdw>
+          </a:effectLst>
+        </p:spPr>
+        <p:style>
+          <a:lnRef idx="2">
+            <a:schemeClr val="accent1">
+              <a:shade val="50000"/>
+            </a:schemeClr>
+          </a:lnRef>
+          <a:fillRef idx="1">
+            <a:schemeClr val="accent1"/>
+          </a:fillRef>
+          <a:effectRef idx="0">
+            <a:schemeClr val="accent1"/>
+          </a:effectRef>
+          <a:fontRef idx="minor">
+            <a:schemeClr val="lt1"/>
+          </a:fontRef>
+        </p:style>
+        <p:txBody>
+          <a:bodyPr rtlCol="0" anchor="ctr"/>
+          <a:lstStyle/>
+          <a:p>
+            <a:pPr marL="0" marR="0" lvl="0" indent="0" algn="ctr" defTabSz="914400" rtl="0" eaLnBrk="1" fontAlgn="auto" latinLnBrk="0" hangingPunct="1">
+              <a:lnSpc>
+                <a:spcPct val="100000"/>
+              </a:lnSpc>
+              <a:spcBef>
+                <a:spcPts val="0"/>
+              </a:spcBef>
+              <a:spcAft>
+                <a:spcPts val="0"/>
+              </a:spcAft>
+              <a:buClrTx/>
+              <a:buSzTx/>
+              <a:buFontTx/>
+              <a:buNone/>
+              <a:tabLst/>
+              <a:defRPr/>
+            </a:pPr>
+            <a:endParaRPr kumimoji="0" lang="en-US" sz="1800" b="0" i="0" u="none" strike="noStrike" kern="1200" cap="none" spc="0" normalizeH="0" baseline="0" noProof="0">
+              <a:ln>
+                <a:noFill/>
+              </a:ln>
+              <a:solidFill>
+                <a:prstClr val="white"/>
+              </a:solidFill>
+              <a:effectLst/>
+              <a:uLnTx/>
+              <a:uFillTx/>
+              <a:latin typeface="Calibri" panose="020F0502020204030204"/>
+              <a:ea typeface="+mn-ea"/>
+              <a:cs typeface="+mn-cs"/>
+            </a:endParaRPr>
+          </a:p>
+        </p:txBody>
+      </p:sp>
       <p:sp>
         <p:nvSpPr>
           <p:cNvPr id="2" name="Title 1">
@@ -4592,14 +9321,498 @@
             <p:ph type="title"/>
           </p:nvPr>
         </p:nvSpPr>
-        <p:spPr/>
+        <p:spPr>
+          <a:xfrm>
+            <a:off x="5513816" y="978408"/>
+            <a:ext cx="6003511" cy="1106424"/>
+          </a:xfrm>
+        </p:spPr>
         <p:txBody>
-          <a:bodyPr/>
+          <a:bodyPr vert="horz" lIns="91440" tIns="45720" rIns="91440" bIns="45720" rtlCol="0" anchor="ctr">
+            <a:normAutofit/>
+          </a:bodyPr>
           <a:lstStyle/>
           <a:p>
             <a:r>
-              <a:rPr lang="en-GB" dirty="0"/>
+              <a:rPr lang="en-US" sz="2800"/>
               <a:t>Education</a:t>
+            </a:r>
+          </a:p>
+        </p:txBody>
+      </p:sp>
+      <p:pic>
+        <p:nvPicPr>
+          <p:cNvPr id="10" name="Picture 9" descr="A close up of a sign&#10;&#10;Description automatically generated">
+            <a:extLst>
+              <a:ext uri="{FF2B5EF4-FFF2-40B4-BE49-F238E27FC236}">
+                <a16:creationId xmlns:a16="http://schemas.microsoft.com/office/drawing/2014/main" id="{57D2B4C5-2C86-43B0-B581-E449C668EC6F}"/>
+              </a:ext>
+            </a:extLst>
+          </p:cNvPr>
+          <p:cNvPicPr>
+            <a:picLocks noChangeAspect="1"/>
+          </p:cNvPicPr>
+          <p:nvPr/>
+        </p:nvPicPr>
+        <p:blipFill>
+          <a:blip r:embed="rId3"/>
+          <a:stretch>
+            <a:fillRect/>
+          </a:stretch>
+        </p:blipFill>
+        <p:spPr>
+          <a:xfrm>
+            <a:off x="1238898" y="633619"/>
+            <a:ext cx="2578836" cy="2651760"/>
+          </a:xfrm>
+          <a:prstGeom prst="rect">
+            <a:avLst/>
+          </a:prstGeom>
+        </p:spPr>
+      </p:pic>
+      <p:sp>
+        <p:nvSpPr>
+          <p:cNvPr id="19" name="Rectangle 18">
+            <a:extLst>
+              <a:ext uri="{FF2B5EF4-FFF2-40B4-BE49-F238E27FC236}">
+                <a16:creationId xmlns:a16="http://schemas.microsoft.com/office/drawing/2014/main" id="{81D83946-74FA-498A-AC80-9926F041B5C5}"/>
+              </a:ext>
+              <a:ext uri="{C183D7F6-B498-43B3-948B-1728B52AA6E4}">
+                <adec:decorative xmlns:adec="http://schemas.microsoft.com/office/drawing/2017/decorative" val="1"/>
+              </a:ext>
+            </a:extLst>
+          </p:cNvPr>
+          <p:cNvSpPr>
+            <a:spLocks noGrp="1" noRot="1" noChangeAspect="1" noMove="1" noResize="1" noEditPoints="1" noAdjustHandles="1" noChangeArrowheads="1" noChangeShapeType="1" noTextEdit="1"/>
+          </p:cNvSpPr>
+          <p:nvPr>
+            <p:extLst>
+              <p:ext uri="{386F3935-93C4-4BCD-93E2-E3B085C9AB24}">
+                <p16:designElem xmlns:p16="http://schemas.microsoft.com/office/powerpoint/2015/main" val="1"/>
+              </p:ext>
+            </p:extLst>
+          </p:nvPr>
+        </p:nvSpPr>
+        <p:spPr>
+          <a:xfrm>
+            <a:off x="4994604" y="1181536"/>
+            <a:ext cx="128016" cy="704088"/>
+          </a:xfrm>
+          <a:prstGeom prst="rect">
+            <a:avLst/>
+          </a:prstGeom>
+          <a:solidFill>
+            <a:schemeClr val="accent2"/>
+          </a:solidFill>
+          <a:ln>
+            <a:noFill/>
+          </a:ln>
+        </p:spPr>
+        <p:style>
+          <a:lnRef idx="2">
+            <a:schemeClr val="accent1">
+              <a:shade val="50000"/>
+            </a:schemeClr>
+          </a:lnRef>
+          <a:fillRef idx="1">
+            <a:schemeClr val="accent1"/>
+          </a:fillRef>
+          <a:effectRef idx="0">
+            <a:schemeClr val="accent1"/>
+          </a:effectRef>
+          <a:fontRef idx="minor">
+            <a:schemeClr val="lt1"/>
+          </a:fontRef>
+        </p:style>
+        <p:txBody>
+          <a:bodyPr rtlCol="0" anchor="ctr"/>
+          <a:lstStyle/>
+          <a:p>
+            <a:pPr algn="ctr"/>
+            <a:endParaRPr lang="en-US">
+              <a:solidFill>
+                <a:prstClr val="white"/>
+              </a:solidFill>
+              <a:latin typeface="Calibri" panose="020F0502020204030204"/>
+            </a:endParaRPr>
+          </a:p>
+        </p:txBody>
+      </p:sp>
+      <p:sp>
+        <p:nvSpPr>
+          <p:cNvPr id="21" name="Rectangle 20">
+            <a:extLst>
+              <a:ext uri="{FF2B5EF4-FFF2-40B4-BE49-F238E27FC236}">
+                <a16:creationId xmlns:a16="http://schemas.microsoft.com/office/drawing/2014/main" id="{5060D983-8B52-443A-8183-2A1DE05618B5}"/>
+              </a:ext>
+              <a:ext uri="{C183D7F6-B498-43B3-948B-1728B52AA6E4}">
+                <adec:decorative xmlns:adec="http://schemas.microsoft.com/office/drawing/2017/decorative" val="1"/>
+              </a:ext>
+            </a:extLst>
+          </p:cNvPr>
+          <p:cNvSpPr>
+            <a:spLocks noGrp="1" noRot="1" noChangeAspect="1" noMove="1" noResize="1" noEditPoints="1" noAdjustHandles="1" noChangeArrowheads="1" noChangeShapeType="1" noTextEdit="1"/>
+          </p:cNvSpPr>
+          <p:nvPr>
+            <p:extLst>
+              <p:ext uri="{386F3935-93C4-4BCD-93E2-E3B085C9AB24}">
+                <p16:designElem xmlns:p16="http://schemas.microsoft.com/office/powerpoint/2015/main" val="1"/>
+              </p:ext>
+            </p:extLst>
+          </p:nvPr>
+        </p:nvSpPr>
+        <p:spPr>
+          <a:xfrm>
+            <a:off x="5553073" y="2121408"/>
+            <a:ext cx="5824728" cy="9144"/>
+          </a:xfrm>
+          <a:prstGeom prst="rect">
+            <a:avLst/>
+          </a:prstGeom>
+          <a:solidFill>
+            <a:srgbClr val="D5D5D5"/>
+          </a:solidFill>
+          <a:ln w="3175">
+            <a:noFill/>
+          </a:ln>
+          <a:effectLst/>
+        </p:spPr>
+        <p:style>
+          <a:lnRef idx="2">
+            <a:schemeClr val="accent1">
+              <a:shade val="50000"/>
+            </a:schemeClr>
+          </a:lnRef>
+          <a:fillRef idx="1">
+            <a:schemeClr val="accent1"/>
+          </a:fillRef>
+          <a:effectRef idx="0">
+            <a:schemeClr val="accent1"/>
+          </a:effectRef>
+          <a:fontRef idx="minor">
+            <a:schemeClr val="lt1"/>
+          </a:fontRef>
+        </p:style>
+        <p:txBody>
+          <a:bodyPr rtlCol="0" anchor="ctr"/>
+          <a:lstStyle/>
+          <a:p>
+            <a:pPr marL="0" marR="0" lvl="0" indent="0" algn="ctr" defTabSz="914400" rtl="0" eaLnBrk="1" fontAlgn="auto" latinLnBrk="0" hangingPunct="1">
+              <a:lnSpc>
+                <a:spcPct val="100000"/>
+              </a:lnSpc>
+              <a:spcBef>
+                <a:spcPts val="0"/>
+              </a:spcBef>
+              <a:spcAft>
+                <a:spcPts val="0"/>
+              </a:spcAft>
+              <a:buClrTx/>
+              <a:buSzTx/>
+              <a:buFontTx/>
+              <a:buNone/>
+              <a:tabLst/>
+              <a:defRPr/>
+            </a:pPr>
+            <a:endParaRPr kumimoji="0" lang="en-US" sz="1800" b="0" i="0" u="none" strike="noStrike" kern="1200" cap="none" spc="0" normalizeH="0" baseline="0" noProof="0">
+              <a:ln>
+                <a:noFill/>
+              </a:ln>
+              <a:solidFill>
+                <a:prstClr val="white"/>
+              </a:solidFill>
+              <a:effectLst/>
+              <a:uLnTx/>
+              <a:uFillTx/>
+              <a:latin typeface="Calibri" panose="020F0502020204030204"/>
+              <a:ea typeface="+mn-ea"/>
+              <a:cs typeface="+mn-cs"/>
+            </a:endParaRPr>
+          </a:p>
+        </p:txBody>
+      </p:sp>
+      <p:pic>
+        <p:nvPicPr>
+          <p:cNvPr id="8" name="Picture 7" descr="A person standing on a rug&#10;&#10;Description automatically generated">
+            <a:extLst>
+              <a:ext uri="{FF2B5EF4-FFF2-40B4-BE49-F238E27FC236}">
+                <a16:creationId xmlns:a16="http://schemas.microsoft.com/office/drawing/2014/main" id="{82E5F66D-5A44-4100-9787-04E393622B7E}"/>
+              </a:ext>
+            </a:extLst>
+          </p:cNvPr>
+          <p:cNvPicPr>
+            <a:picLocks noChangeAspect="1"/>
+          </p:cNvPicPr>
+          <p:nvPr/>
+        </p:nvPicPr>
+        <p:blipFill>
+          <a:blip r:embed="rId4">
+            <a:extLst>
+              <a:ext uri="{28A0092B-C50C-407E-A947-70E740481C1C}">
+                <a14:useLocalDpi xmlns:a14="http://schemas.microsoft.com/office/drawing/2010/main" val="0"/>
+              </a:ext>
+            </a:extLst>
+          </a:blip>
+          <a:stretch>
+            <a:fillRect/>
+          </a:stretch>
+        </p:blipFill>
+        <p:spPr>
+          <a:xfrm>
+            <a:off x="1641513" y="3472468"/>
+            <a:ext cx="1770049" cy="2651760"/>
+          </a:xfrm>
+          <a:prstGeom prst="rect">
+            <a:avLst/>
+          </a:prstGeom>
+        </p:spPr>
+      </p:pic>
+      <p:sp>
+        <p:nvSpPr>
+          <p:cNvPr id="9" name="TextBox 8">
+            <a:extLst>
+              <a:ext uri="{FF2B5EF4-FFF2-40B4-BE49-F238E27FC236}">
+                <a16:creationId xmlns:a16="http://schemas.microsoft.com/office/drawing/2014/main" id="{6B33A014-3FE7-4BCC-ABAC-3259275F4FC9}"/>
+              </a:ext>
+            </a:extLst>
+          </p:cNvPr>
+          <p:cNvSpPr txBox="1"/>
+          <p:nvPr/>
+        </p:nvSpPr>
+        <p:spPr>
+          <a:xfrm>
+            <a:off x="5516864" y="2359152"/>
+            <a:ext cx="6003511" cy="3429000"/>
+          </a:xfrm>
+          <a:prstGeom prst="rect">
+            <a:avLst/>
+          </a:prstGeom>
+        </p:spPr>
+        <p:txBody>
+          <a:bodyPr vert="horz" lIns="91440" tIns="45720" rIns="91440" bIns="45720" rtlCol="0">
+            <a:normAutofit/>
+          </a:bodyPr>
+          <a:lstStyle/>
+          <a:p>
+            <a:pPr indent="-228600">
+              <a:lnSpc>
+                <a:spcPct val="90000"/>
+              </a:lnSpc>
+              <a:spcAft>
+                <a:spcPts val="600"/>
+              </a:spcAft>
+              <a:buFont typeface="Arial" panose="020B0604020202020204" pitchFamily="34" charset="0"/>
+              <a:buChar char="•"/>
+            </a:pPr>
+            <a:r>
+              <a:rPr lang="en-US" sz="1100" dirty="0"/>
+              <a:t>City University of London </a:t>
+            </a:r>
+          </a:p>
+          <a:p>
+            <a:pPr indent="-228600">
+              <a:lnSpc>
+                <a:spcPct val="90000"/>
+              </a:lnSpc>
+              <a:spcAft>
+                <a:spcPts val="600"/>
+              </a:spcAft>
+              <a:buFont typeface="Arial" panose="020B0604020202020204" pitchFamily="34" charset="0"/>
+              <a:buChar char="•"/>
+            </a:pPr>
+            <a:r>
+              <a:rPr lang="en-US" sz="1100" dirty="0"/>
+              <a:t>Computer Science BSc (Hons) with Professional Pathway</a:t>
+            </a:r>
+          </a:p>
+          <a:p>
+            <a:pPr indent="-228600">
+              <a:lnSpc>
+                <a:spcPct val="90000"/>
+              </a:lnSpc>
+              <a:spcAft>
+                <a:spcPts val="600"/>
+              </a:spcAft>
+              <a:buFont typeface="Arial" panose="020B0604020202020204" pitchFamily="34" charset="0"/>
+              <a:buChar char="•"/>
+            </a:pPr>
+            <a:r>
+              <a:rPr lang="en-US" sz="1100" dirty="0"/>
+              <a:t>4 Years Work Experience</a:t>
+            </a:r>
+          </a:p>
+          <a:p>
+            <a:pPr indent="-228600">
+              <a:lnSpc>
+                <a:spcPct val="90000"/>
+              </a:lnSpc>
+              <a:spcAft>
+                <a:spcPts val="600"/>
+              </a:spcAft>
+              <a:buFont typeface="Arial" panose="020B0604020202020204" pitchFamily="34" charset="0"/>
+              <a:buChar char="•"/>
+            </a:pPr>
+            <a:endParaRPr lang="en-US" sz="1100" dirty="0"/>
+          </a:p>
+          <a:p>
+            <a:pPr indent="-228600">
+              <a:lnSpc>
+                <a:spcPct val="90000"/>
+              </a:lnSpc>
+              <a:spcAft>
+                <a:spcPts val="600"/>
+              </a:spcAft>
+              <a:buFont typeface="Arial" panose="020B0604020202020204" pitchFamily="34" charset="0"/>
+              <a:buChar char="•"/>
+            </a:pPr>
+            <a:endParaRPr lang="en-US" sz="1100" dirty="0"/>
+          </a:p>
+          <a:p>
+            <a:pPr indent="-228600">
+              <a:lnSpc>
+                <a:spcPct val="90000"/>
+              </a:lnSpc>
+              <a:spcAft>
+                <a:spcPts val="600"/>
+              </a:spcAft>
+              <a:buFont typeface="Arial" panose="020B0604020202020204" pitchFamily="34" charset="0"/>
+              <a:buChar char="•"/>
+            </a:pPr>
+            <a:r>
+              <a:rPr lang="en-US" sz="1100" dirty="0"/>
+              <a:t>AWS Cloud Practitioner Certification</a:t>
+            </a:r>
+          </a:p>
+          <a:p>
+            <a:pPr indent="-228600">
+              <a:lnSpc>
+                <a:spcPct val="90000"/>
+              </a:lnSpc>
+              <a:spcAft>
+                <a:spcPts val="600"/>
+              </a:spcAft>
+              <a:buFont typeface="Arial" panose="020B0604020202020204" pitchFamily="34" charset="0"/>
+              <a:buChar char="•"/>
+            </a:pPr>
+            <a:endParaRPr lang="en-US" sz="1100" dirty="0"/>
+          </a:p>
+          <a:p>
+            <a:pPr indent="-228600">
+              <a:lnSpc>
+                <a:spcPct val="90000"/>
+              </a:lnSpc>
+              <a:spcAft>
+                <a:spcPts val="600"/>
+              </a:spcAft>
+              <a:buFont typeface="Arial" panose="020B0604020202020204" pitchFamily="34" charset="0"/>
+              <a:buChar char="•"/>
+            </a:pPr>
+            <a:endParaRPr lang="en-US" sz="1100" dirty="0"/>
+          </a:p>
+          <a:p>
+            <a:pPr indent="-228600">
+              <a:lnSpc>
+                <a:spcPct val="90000"/>
+              </a:lnSpc>
+              <a:spcAft>
+                <a:spcPts val="600"/>
+              </a:spcAft>
+              <a:buFont typeface="Arial" panose="020B0604020202020204" pitchFamily="34" charset="0"/>
+              <a:buChar char="•"/>
+            </a:pPr>
+            <a:r>
+              <a:rPr lang="en-US" sz="1100" dirty="0"/>
+              <a:t>Taught by the best team leads and members at Glasswall:</a:t>
+            </a:r>
+          </a:p>
+          <a:p>
+            <a:pPr indent="-228600">
+              <a:lnSpc>
+                <a:spcPct val="90000"/>
+              </a:lnSpc>
+              <a:spcAft>
+                <a:spcPts val="600"/>
+              </a:spcAft>
+              <a:buFont typeface="Arial" panose="020B0604020202020204" pitchFamily="34" charset="0"/>
+              <a:buChar char="•"/>
+            </a:pPr>
+            <a:r>
+              <a:rPr lang="en-US" sz="1100" dirty="0"/>
+              <a:t>- Core</a:t>
+            </a:r>
+          </a:p>
+          <a:p>
+            <a:pPr indent="-228600">
+              <a:lnSpc>
+                <a:spcPct val="90000"/>
+              </a:lnSpc>
+              <a:spcAft>
+                <a:spcPts val="600"/>
+              </a:spcAft>
+              <a:buFont typeface="Arial" panose="020B0604020202020204" pitchFamily="34" charset="0"/>
+              <a:buChar char="•"/>
+            </a:pPr>
+            <a:r>
+              <a:rPr lang="en-US" sz="1100" dirty="0"/>
+              <a:t>- SRE</a:t>
+            </a:r>
+          </a:p>
+          <a:p>
+            <a:pPr marL="285750" indent="-228600">
+              <a:lnSpc>
+                <a:spcPct val="90000"/>
+              </a:lnSpc>
+              <a:spcAft>
+                <a:spcPts val="600"/>
+              </a:spcAft>
+              <a:buFont typeface="Arial" panose="020B0604020202020204" pitchFamily="34" charset="0"/>
+              <a:buChar char="•"/>
+            </a:pPr>
+            <a:endParaRPr lang="en-US" sz="1100" dirty="0"/>
+          </a:p>
+          <a:p>
+            <a:pPr marL="285750" indent="-228600">
+              <a:lnSpc>
+                <a:spcPct val="90000"/>
+              </a:lnSpc>
+              <a:spcAft>
+                <a:spcPts val="600"/>
+              </a:spcAft>
+              <a:buFont typeface="Arial" panose="020B0604020202020204" pitchFamily="34" charset="0"/>
+              <a:buChar char="•"/>
+            </a:pPr>
+            <a:endParaRPr lang="en-US" sz="1100" dirty="0"/>
+          </a:p>
+          <a:p>
+            <a:pPr indent="-228600">
+              <a:lnSpc>
+                <a:spcPct val="90000"/>
+              </a:lnSpc>
+              <a:spcAft>
+                <a:spcPts val="600"/>
+              </a:spcAft>
+              <a:buFont typeface="Arial" panose="020B0604020202020204" pitchFamily="34" charset="0"/>
+              <a:buChar char="•"/>
+            </a:pPr>
+            <a:r>
+              <a:rPr lang="en-US" sz="1100" dirty="0"/>
+              <a:t>Google… A lot of google…</a:t>
+            </a:r>
+          </a:p>
+          <a:p>
+            <a:pPr indent="-228600">
+              <a:lnSpc>
+                <a:spcPct val="90000"/>
+              </a:lnSpc>
+              <a:spcAft>
+                <a:spcPts val="600"/>
+              </a:spcAft>
+              <a:buFont typeface="Arial" panose="020B0604020202020204" pitchFamily="34" charset="0"/>
+              <a:buChar char="•"/>
+            </a:pPr>
+            <a:r>
+              <a:rPr lang="en-US" sz="1100" dirty="0"/>
+              <a:t>Not forgetting to mention YouTube</a:t>
             </a:r>
           </a:p>
         </p:txBody>
@@ -4649,194 +9862,6 @@
           </a:p>
         </p:txBody>
       </p:sp>
-      <p:pic>
-        <p:nvPicPr>
-          <p:cNvPr id="8" name="Picture 7" descr="A person standing on a rug&#10;&#10;Description automatically generated">
-            <a:extLst>
-              <a:ext uri="{FF2B5EF4-FFF2-40B4-BE49-F238E27FC236}">
-                <a16:creationId xmlns:a16="http://schemas.microsoft.com/office/drawing/2014/main" id="{82E5F66D-5A44-4100-9787-04E393622B7E}"/>
-              </a:ext>
-            </a:extLst>
-          </p:cNvPr>
-          <p:cNvPicPr>
-            <a:picLocks noChangeAspect="1"/>
-          </p:cNvPicPr>
-          <p:nvPr/>
-        </p:nvPicPr>
-        <p:blipFill>
-          <a:blip r:embed="rId3">
-            <a:extLst>
-              <a:ext uri="{28A0092B-C50C-407E-A947-70E740481C1C}">
-                <a14:useLocalDpi xmlns:a14="http://schemas.microsoft.com/office/drawing/2010/main" val="0"/>
-              </a:ext>
-            </a:extLst>
-          </a:blip>
-          <a:stretch>
-            <a:fillRect/>
-          </a:stretch>
-        </p:blipFill>
-        <p:spPr>
-          <a:xfrm>
-            <a:off x="8141688" y="1175657"/>
-            <a:ext cx="3212112" cy="4811486"/>
-          </a:xfrm>
-          <a:prstGeom prst="rect">
-            <a:avLst/>
-          </a:prstGeom>
-        </p:spPr>
-      </p:pic>
-      <p:sp>
-        <p:nvSpPr>
-          <p:cNvPr id="9" name="TextBox 8">
-            <a:extLst>
-              <a:ext uri="{FF2B5EF4-FFF2-40B4-BE49-F238E27FC236}">
-                <a16:creationId xmlns:a16="http://schemas.microsoft.com/office/drawing/2014/main" id="{6B33A014-3FE7-4BCC-ABAC-3259275F4FC9}"/>
-              </a:ext>
-            </a:extLst>
-          </p:cNvPr>
-          <p:cNvSpPr txBox="1"/>
-          <p:nvPr/>
-        </p:nvSpPr>
-        <p:spPr>
-          <a:xfrm>
-            <a:off x="959058" y="1659647"/>
-            <a:ext cx="5630427" cy="4247317"/>
-          </a:xfrm>
-          <a:prstGeom prst="rect">
-            <a:avLst/>
-          </a:prstGeom>
-          <a:noFill/>
-        </p:spPr>
-        <p:txBody>
-          <a:bodyPr wrap="square" rtlCol="0">
-            <a:spAutoFit/>
-          </a:bodyPr>
-          <a:lstStyle/>
-          <a:p>
-            <a:pPr algn="ctr"/>
-            <a:r>
-              <a:rPr lang="en-GB" dirty="0"/>
-              <a:t>City University of London </a:t>
-            </a:r>
-          </a:p>
-          <a:p>
-            <a:pPr algn="ctr"/>
-            <a:r>
-              <a:rPr lang="en-GB" dirty="0"/>
-              <a:t>Computer Science BSc (Hons)</a:t>
-            </a:r>
-          </a:p>
-          <a:p>
-            <a:pPr algn="ctr"/>
-            <a:r>
-              <a:rPr lang="en-GB" dirty="0"/>
-              <a:t>+</a:t>
-            </a:r>
-          </a:p>
-          <a:p>
-            <a:pPr algn="ctr"/>
-            <a:r>
-              <a:rPr lang="en-GB" dirty="0"/>
-              <a:t>4 Years Work Experience</a:t>
-            </a:r>
-          </a:p>
-          <a:p>
-            <a:pPr algn="ctr"/>
-            <a:endParaRPr lang="en-GB" dirty="0"/>
-          </a:p>
-          <a:p>
-            <a:pPr algn="ctr"/>
-            <a:endParaRPr lang="en-GB" dirty="0"/>
-          </a:p>
-          <a:p>
-            <a:pPr algn="ctr"/>
-            <a:r>
-              <a:rPr lang="en-GB" dirty="0"/>
-              <a:t>AWS Cloud Practitioner Certification</a:t>
-            </a:r>
-          </a:p>
-          <a:p>
-            <a:pPr algn="ctr"/>
-            <a:endParaRPr lang="en-GB" dirty="0"/>
-          </a:p>
-          <a:p>
-            <a:pPr algn="ctr"/>
-            <a:endParaRPr lang="en-GB" dirty="0"/>
-          </a:p>
-          <a:p>
-            <a:pPr algn="ctr"/>
-            <a:r>
-              <a:rPr lang="en-GB" dirty="0"/>
-              <a:t>Taught by the best team leads and members at Glasswall:</a:t>
-            </a:r>
-          </a:p>
-          <a:p>
-            <a:pPr algn="ctr"/>
-            <a:r>
-              <a:rPr lang="en-GB" dirty="0"/>
-              <a:t>- Core</a:t>
-            </a:r>
-          </a:p>
-          <a:p>
-            <a:pPr algn="ctr"/>
-            <a:r>
-              <a:rPr lang="en-GB" dirty="0"/>
-              <a:t>- SRE</a:t>
-            </a:r>
-          </a:p>
-          <a:p>
-            <a:pPr marL="285750" indent="-285750" algn="ctr">
-              <a:buFontTx/>
-              <a:buChar char="-"/>
-            </a:pPr>
-            <a:endParaRPr lang="en-GB" dirty="0"/>
-          </a:p>
-          <a:p>
-            <a:pPr marL="285750" indent="-285750" algn="ctr">
-              <a:buFontTx/>
-              <a:buChar char="-"/>
-            </a:pPr>
-            <a:endParaRPr lang="en-GB" dirty="0"/>
-          </a:p>
-          <a:p>
-            <a:pPr algn="ctr"/>
-            <a:r>
-              <a:rPr lang="en-GB" dirty="0"/>
-              <a:t>Google… A lot of google…</a:t>
-            </a:r>
-          </a:p>
-        </p:txBody>
-      </p:sp>
-      <p:pic>
-        <p:nvPicPr>
-          <p:cNvPr id="10" name="Picture 9">
-            <a:extLst>
-              <a:ext uri="{FF2B5EF4-FFF2-40B4-BE49-F238E27FC236}">
-                <a16:creationId xmlns:a16="http://schemas.microsoft.com/office/drawing/2014/main" id="{57D2B4C5-2C86-43B0-B581-E449C668EC6F}"/>
-              </a:ext>
-            </a:extLst>
-          </p:cNvPr>
-          <p:cNvPicPr>
-            <a:picLocks noChangeAspect="1"/>
-          </p:cNvPicPr>
-          <p:nvPr/>
-        </p:nvPicPr>
-        <p:blipFill>
-          <a:blip r:embed="rId4"/>
-          <a:stretch>
-            <a:fillRect/>
-          </a:stretch>
-        </p:blipFill>
-        <p:spPr>
-          <a:xfrm>
-            <a:off x="6589484" y="4564554"/>
-            <a:ext cx="1397227" cy="1436310"/>
-          </a:xfrm>
-          <a:prstGeom prst="rect">
-            <a:avLst/>
-          </a:prstGeom>
-        </p:spPr>
-      </p:pic>
     </p:spTree>
     <p:extLst>
       <p:ext uri="{BB962C8B-B14F-4D97-AF65-F5344CB8AC3E}">
@@ -4853,6 +9878,14 @@
 <file path=ppt/slides/slide6.xml><?xml version="1.0" encoding="utf-8"?>
 <p:sld xmlns:a="http://schemas.openxmlformats.org/drawingml/2006/main" xmlns:r="http://schemas.openxmlformats.org/officeDocument/2006/relationships" xmlns:p="http://schemas.openxmlformats.org/presentationml/2006/main">
   <p:cSld>
+    <p:bg>
+      <p:bgPr>
+        <a:solidFill>
+          <a:schemeClr val="bg1"/>
+        </a:solidFill>
+        <a:effectLst/>
+      </p:bgPr>
+    </p:bg>
     <p:spTree>
       <p:nvGrpSpPr>
         <p:cNvPr id="1" name=""/>
@@ -4883,16 +9916,22 @@
             <p:ph type="title"/>
           </p:nvPr>
         </p:nvSpPr>
-        <p:spPr/>
+        <p:spPr>
+          <a:xfrm>
+            <a:off x="838200" y="365125"/>
+            <a:ext cx="10515600" cy="1325563"/>
+          </a:xfrm>
+        </p:spPr>
         <p:txBody>
-          <a:bodyPr/>
+          <a:bodyPr vert="horz" lIns="91440" tIns="45720" rIns="91440" bIns="45720" rtlCol="0" anchor="ctr">
+            <a:normAutofit/>
+          </a:bodyPr>
           <a:lstStyle/>
           <a:p>
             <a:r>
-              <a:rPr lang="en-GB"/>
+              <a:rPr lang="en-US"/>
               <a:t>What I Enjoy</a:t>
             </a:r>
-            <a:endParaRPr lang="en-GB" dirty="0"/>
           </a:p>
         </p:txBody>
       </p:sp>
@@ -4923,13 +9962,12 @@
         </p:blipFill>
         <p:spPr bwMode="auto">
           <a:xfrm>
-            <a:off x="5377174" y="2251973"/>
-            <a:ext cx="3224428" cy="2128949"/>
+            <a:off x="5638800" y="1866900"/>
+            <a:ext cx="3414713" cy="2227263"/>
           </a:xfrm>
           <a:prstGeom prst="rect">
             <a:avLst/>
           </a:prstGeom>
-          <a:noFill/>
           <a:extLst>
             <a:ext uri="{909E8E84-426E-40DD-AFC4-6F175D3DCCD1}">
               <a14:hiddenFill xmlns:a14="http://schemas.microsoft.com/office/drawing/2010/main">
@@ -4970,13 +10008,12 @@
         </p:blipFill>
         <p:spPr bwMode="auto">
           <a:xfrm>
-            <a:off x="272800" y="4543059"/>
-            <a:ext cx="8363200" cy="2090800"/>
+            <a:off x="968375" y="4176713"/>
+            <a:ext cx="8085138" cy="1958975"/>
           </a:xfrm>
           <a:prstGeom prst="rect">
             <a:avLst/>
           </a:prstGeom>
-          <a:noFill/>
           <a:extLst>
             <a:ext uri="{909E8E84-426E-40DD-AFC4-6F175D3DCCD1}">
               <a14:hiddenFill xmlns:a14="http://schemas.microsoft.com/office/drawing/2010/main">
@@ -5016,8 +10053,8 @@
         </p:blipFill>
         <p:spPr>
           <a:xfrm>
-            <a:off x="272800" y="1583928"/>
-            <a:ext cx="2097746" cy="2796994"/>
+            <a:off x="968375" y="1866900"/>
+            <a:ext cx="1649413" cy="2227263"/>
           </a:xfrm>
           <a:prstGeom prst="rect">
             <a:avLst/>
@@ -5051,8 +10088,8 @@
         </p:blipFill>
         <p:spPr>
           <a:xfrm>
-            <a:off x="2543791" y="2290122"/>
-            <a:ext cx="2660138" cy="2090800"/>
+            <a:off x="2700338" y="1866900"/>
+            <a:ext cx="2855913" cy="2227263"/>
           </a:xfrm>
           <a:prstGeom prst="rect">
             <a:avLst/>
@@ -5086,8 +10123,8 @@
         </p:blipFill>
         <p:spPr>
           <a:xfrm>
-            <a:off x="8809245" y="365125"/>
-            <a:ext cx="3109955" cy="6268733"/>
+            <a:off x="9137650" y="1866900"/>
+            <a:ext cx="2076450" cy="4268788"/>
           </a:xfrm>
           <a:prstGeom prst="rect">
             <a:avLst/>
@@ -5152,401 +10189,372 @@
           </a:p>
         </p:txBody>
       </p:sp>
-      <p:sp>
-        <p:nvSpPr>
-          <p:cNvPr id="4" name="TextBox 3">
+      <p:grpSp>
+        <p:nvGrpSpPr>
+          <p:cNvPr id="3" name="Group 2">
             <a:extLst>
               <a:ext uri="{FF2B5EF4-FFF2-40B4-BE49-F238E27FC236}">
-                <a16:creationId xmlns:a16="http://schemas.microsoft.com/office/drawing/2014/main" id="{A1D844EB-402E-444A-A8D6-4C4877B19CB0}"/>
+                <a16:creationId xmlns:a16="http://schemas.microsoft.com/office/drawing/2014/main" id="{63D362C0-FBFC-427C-AE54-05BA9A17CE2A}"/>
               </a:ext>
             </a:extLst>
           </p:cNvPr>
-          <p:cNvSpPr txBox="1"/>
+          <p:cNvGrpSpPr/>
           <p:nvPr/>
-        </p:nvSpPr>
-        <p:spPr>
+        </p:nvGrpSpPr>
+        <p:grpSpPr>
           <a:xfrm>
             <a:off x="838200" y="1881298"/>
-            <a:ext cx="3521842" cy="2862322"/>
+            <a:ext cx="3521842" cy="4273780"/>
+            <a:chOff x="838200" y="1881298"/>
+            <a:chExt cx="3521842" cy="4273780"/>
           </a:xfrm>
-          <a:prstGeom prst="rect">
-            <a:avLst/>
-          </a:prstGeom>
-          <a:noFill/>
-        </p:spPr>
-        <p:txBody>
-          <a:bodyPr wrap="square" rtlCol="0">
-            <a:spAutoFit/>
-          </a:bodyPr>
-          <a:lstStyle/>
-          <a:p>
-            <a:r>
-              <a:rPr lang="en-GB" b="1" dirty="0"/>
-              <a:t>Accenture – Tech Visionary</a:t>
-            </a:r>
-          </a:p>
-          <a:p>
-            <a:endParaRPr lang="en-GB" dirty="0"/>
-          </a:p>
-          <a:p>
-            <a:r>
-              <a:rPr lang="en-GB" dirty="0"/>
-              <a:t>Leading a team of 8 to design, develop and present to a panel our cloud solution.</a:t>
-            </a:r>
-          </a:p>
-          <a:p>
-            <a:endParaRPr lang="en-GB" dirty="0"/>
-          </a:p>
-          <a:p>
-            <a:r>
-              <a:rPr lang="en-GB" dirty="0"/>
-              <a:t>Everyone in the team offered a position.</a:t>
-            </a:r>
-          </a:p>
-          <a:p>
-            <a:endParaRPr lang="en-GB" dirty="0"/>
-          </a:p>
-          <a:p>
-            <a:endParaRPr lang="en-GB" dirty="0"/>
-          </a:p>
-        </p:txBody>
-      </p:sp>
-      <p:pic>
-        <p:nvPicPr>
-          <p:cNvPr id="5" name="Picture 4">
+        </p:grpSpPr>
+        <p:sp>
+          <p:nvSpPr>
+            <p:cNvPr id="4" name="TextBox 3">
+              <a:extLst>
+                <a:ext uri="{FF2B5EF4-FFF2-40B4-BE49-F238E27FC236}">
+                  <a16:creationId xmlns:a16="http://schemas.microsoft.com/office/drawing/2014/main" id="{A1D844EB-402E-444A-A8D6-4C4877B19CB0}"/>
+                </a:ext>
+              </a:extLst>
+            </p:cNvPr>
+            <p:cNvSpPr txBox="1"/>
+            <p:nvPr/>
+          </p:nvSpPr>
+          <p:spPr>
+            <a:xfrm>
+              <a:off x="838200" y="1881298"/>
+              <a:ext cx="3521842" cy="2862322"/>
+            </a:xfrm>
+            <a:prstGeom prst="rect">
+              <a:avLst/>
+            </a:prstGeom>
+            <a:noFill/>
+          </p:spPr>
+          <p:txBody>
+            <a:bodyPr wrap="square" rtlCol="0">
+              <a:spAutoFit/>
+            </a:bodyPr>
+            <a:lstStyle/>
+            <a:p>
+              <a:r>
+                <a:rPr lang="en-GB" b="1" dirty="0"/>
+                <a:t>Accenture – Tech Visionary</a:t>
+              </a:r>
+            </a:p>
+            <a:p>
+              <a:endParaRPr lang="en-GB" dirty="0"/>
+            </a:p>
+            <a:p>
+              <a:r>
+                <a:rPr lang="en-GB" dirty="0"/>
+                <a:t>Leading a team of 8 to design, develop and present to a panel our cloud solution.</a:t>
+              </a:r>
+            </a:p>
+            <a:p>
+              <a:endParaRPr lang="en-GB" dirty="0"/>
+            </a:p>
+            <a:p>
+              <a:r>
+                <a:rPr lang="en-GB" dirty="0"/>
+                <a:t>Everyone in the team offered a position.</a:t>
+              </a:r>
+            </a:p>
+            <a:p>
+              <a:endParaRPr lang="en-GB" dirty="0"/>
+            </a:p>
+            <a:p>
+              <a:endParaRPr lang="en-GB" dirty="0"/>
+            </a:p>
+          </p:txBody>
+        </p:sp>
+        <p:pic>
+          <p:nvPicPr>
+            <p:cNvPr id="5" name="Picture 4">
+              <a:extLst>
+                <a:ext uri="{FF2B5EF4-FFF2-40B4-BE49-F238E27FC236}">
+                  <a16:creationId xmlns:a16="http://schemas.microsoft.com/office/drawing/2014/main" id="{FB8AB705-9549-4310-B5EF-9E8AD9184279}"/>
+                </a:ext>
+              </a:extLst>
+            </p:cNvPr>
+            <p:cNvPicPr>
+              <a:picLocks noChangeAspect="1"/>
+            </p:cNvPicPr>
+            <p:nvPr/>
+          </p:nvPicPr>
+          <p:blipFill>
+            <a:blip r:embed="rId2"/>
+            <a:stretch>
+              <a:fillRect/>
+            </a:stretch>
+          </p:blipFill>
+          <p:spPr>
+            <a:xfrm>
+              <a:off x="838200" y="4179545"/>
+              <a:ext cx="3521842" cy="1975533"/>
+            </a:xfrm>
+            <a:prstGeom prst="rect">
+              <a:avLst/>
+            </a:prstGeom>
+          </p:spPr>
+        </p:pic>
+      </p:grpSp>
+      <p:grpSp>
+        <p:nvGrpSpPr>
+          <p:cNvPr id="6" name="Group 5">
             <a:extLst>
               <a:ext uri="{FF2B5EF4-FFF2-40B4-BE49-F238E27FC236}">
-                <a16:creationId xmlns:a16="http://schemas.microsoft.com/office/drawing/2014/main" id="{FB8AB705-9549-4310-B5EF-9E8AD9184279}"/>
+                <a16:creationId xmlns:a16="http://schemas.microsoft.com/office/drawing/2014/main" id="{6681CF62-F14A-472C-AAD1-8719CDEA1948}"/>
               </a:ext>
             </a:extLst>
           </p:cNvPr>
-          <p:cNvPicPr>
-            <a:picLocks noChangeAspect="1"/>
-          </p:cNvPicPr>
+          <p:cNvGrpSpPr/>
           <p:nvPr/>
-        </p:nvPicPr>
-        <p:blipFill>
-          <a:blip r:embed="rId2"/>
-          <a:stretch>
-            <a:fillRect/>
-          </a:stretch>
-        </p:blipFill>
-        <p:spPr>
-          <a:xfrm>
-            <a:off x="838200" y="4179545"/>
-            <a:ext cx="3521842" cy="1975533"/>
-          </a:xfrm>
-          <a:prstGeom prst="rect">
-            <a:avLst/>
-          </a:prstGeom>
-        </p:spPr>
-      </p:pic>
-      <p:pic>
-        <p:nvPicPr>
-          <p:cNvPr id="1026" name="Picture 2" descr="a group of people standing in a room">
-            <a:extLst>
-              <a:ext uri="{FF2B5EF4-FFF2-40B4-BE49-F238E27FC236}">
-                <a16:creationId xmlns:a16="http://schemas.microsoft.com/office/drawing/2014/main" id="{CCEDE66D-7E83-4938-9B77-62806F34E516}"/>
-              </a:ext>
-            </a:extLst>
-          </p:cNvPr>
-          <p:cNvPicPr>
-            <a:picLocks noChangeAspect="1" noChangeArrowheads="1"/>
-          </p:cNvPicPr>
-          <p:nvPr/>
-        </p:nvPicPr>
-        <p:blipFill>
-          <a:blip r:embed="rId3">
-            <a:extLst>
-              <a:ext uri="{28A0092B-C50C-407E-A947-70E740481C1C}">
-                <a14:useLocalDpi xmlns:a14="http://schemas.microsoft.com/office/drawing/2010/main" val="0"/>
-              </a:ext>
-            </a:extLst>
-          </a:blip>
-          <a:srcRect/>
-          <a:stretch>
-            <a:fillRect/>
-          </a:stretch>
-        </p:blipFill>
-        <p:spPr bwMode="auto">
-          <a:xfrm>
-            <a:off x="4383192" y="4179545"/>
-            <a:ext cx="3502330" cy="1975533"/>
-          </a:xfrm>
-          <a:prstGeom prst="rect">
-            <a:avLst/>
-          </a:prstGeom>
-          <a:noFill/>
-          <a:extLst>
-            <a:ext uri="{909E8E84-426E-40DD-AFC4-6F175D3DCCD1}">
-              <a14:hiddenFill xmlns:a14="http://schemas.microsoft.com/office/drawing/2010/main">
-                <a:solidFill>
-                  <a:srgbClr val="FFFFFF"/>
-                </a:solidFill>
-              </a14:hiddenFill>
-            </a:ext>
-          </a:extLst>
-        </p:spPr>
-      </p:pic>
-      <p:sp>
-        <p:nvSpPr>
-          <p:cNvPr id="7" name="TextBox 6">
-            <a:extLst>
-              <a:ext uri="{FF2B5EF4-FFF2-40B4-BE49-F238E27FC236}">
-                <a16:creationId xmlns:a16="http://schemas.microsoft.com/office/drawing/2014/main" id="{AEE07E76-E498-49A6-B87F-A4461B825E9A}"/>
-              </a:ext>
-            </a:extLst>
-          </p:cNvPr>
-          <p:cNvSpPr txBox="1"/>
-          <p:nvPr/>
-        </p:nvSpPr>
-        <p:spPr>
+        </p:nvGrpSpPr>
+        <p:grpSpPr>
           <a:xfrm>
             <a:off x="4373436" y="1881298"/>
-            <a:ext cx="3521842" cy="2862322"/>
+            <a:ext cx="3521842" cy="4273780"/>
+            <a:chOff x="4373436" y="1881298"/>
+            <a:chExt cx="3521842" cy="4273780"/>
           </a:xfrm>
-          <a:prstGeom prst="rect">
-            <a:avLst/>
-          </a:prstGeom>
-          <a:noFill/>
-        </p:spPr>
-        <p:txBody>
-          <a:bodyPr wrap="square" rtlCol="0">
-            <a:spAutoFit/>
-          </a:bodyPr>
-          <a:lstStyle/>
-          <a:p>
-            <a:r>
-              <a:rPr lang="en-GB" b="1" dirty="0"/>
-              <a:t>Glasswall – Test Framework</a:t>
-            </a:r>
-          </a:p>
-          <a:p>
-            <a:endParaRPr lang="en-GB" dirty="0"/>
-          </a:p>
-          <a:p>
-            <a:r>
-              <a:rPr lang="en-GB" dirty="0"/>
-              <a:t>Leading a team to develop a core test framework, meet the needs of a client and potential to productise.</a:t>
-            </a:r>
-          </a:p>
-          <a:p>
-            <a:endParaRPr lang="en-GB" dirty="0"/>
-          </a:p>
-          <a:p>
-            <a:r>
-              <a:rPr lang="en-GB" dirty="0"/>
-              <a:t>Vast amount of knowledge gained around the cloud.</a:t>
-            </a:r>
-          </a:p>
-          <a:p>
-            <a:endParaRPr lang="en-GB" dirty="0"/>
-          </a:p>
-          <a:p>
-            <a:endParaRPr lang="en-GB" dirty="0"/>
-          </a:p>
-        </p:txBody>
-      </p:sp>
-      <p:pic>
-        <p:nvPicPr>
-          <p:cNvPr id="8" name="Picture 4" descr="Tomas Pilvelis">
+        </p:grpSpPr>
+        <p:pic>
+          <p:nvPicPr>
+            <p:cNvPr id="1026" name="Picture 2" descr="a group of people standing in a room">
+              <a:extLst>
+                <a:ext uri="{FF2B5EF4-FFF2-40B4-BE49-F238E27FC236}">
+                  <a16:creationId xmlns:a16="http://schemas.microsoft.com/office/drawing/2014/main" id="{CCEDE66D-7E83-4938-9B77-62806F34E516}"/>
+                </a:ext>
+              </a:extLst>
+            </p:cNvPr>
+            <p:cNvPicPr>
+              <a:picLocks noChangeAspect="1" noChangeArrowheads="1"/>
+            </p:cNvPicPr>
+            <p:nvPr/>
+          </p:nvPicPr>
+          <p:blipFill>
+            <a:blip r:embed="rId3">
+              <a:extLst>
+                <a:ext uri="{28A0092B-C50C-407E-A947-70E740481C1C}">
+                  <a14:useLocalDpi xmlns:a14="http://schemas.microsoft.com/office/drawing/2010/main" val="0"/>
+                </a:ext>
+              </a:extLst>
+            </a:blip>
+            <a:srcRect/>
+            <a:stretch>
+              <a:fillRect/>
+            </a:stretch>
+          </p:blipFill>
+          <p:spPr bwMode="auto">
+            <a:xfrm>
+              <a:off x="4383192" y="4179545"/>
+              <a:ext cx="3502330" cy="1975533"/>
+            </a:xfrm>
+            <a:prstGeom prst="rect">
+              <a:avLst/>
+            </a:prstGeom>
+            <a:noFill/>
+            <a:extLst>
+              <a:ext uri="{909E8E84-426E-40DD-AFC4-6F175D3DCCD1}">
+                <a14:hiddenFill xmlns:a14="http://schemas.microsoft.com/office/drawing/2010/main">
+                  <a:solidFill>
+                    <a:srgbClr val="FFFFFF"/>
+                  </a:solidFill>
+                </a14:hiddenFill>
+              </a:ext>
+            </a:extLst>
+          </p:spPr>
+        </p:pic>
+        <p:sp>
+          <p:nvSpPr>
+            <p:cNvPr id="7" name="TextBox 6">
+              <a:extLst>
+                <a:ext uri="{FF2B5EF4-FFF2-40B4-BE49-F238E27FC236}">
+                  <a16:creationId xmlns:a16="http://schemas.microsoft.com/office/drawing/2014/main" id="{AEE07E76-E498-49A6-B87F-A4461B825E9A}"/>
+                </a:ext>
+              </a:extLst>
+            </p:cNvPr>
+            <p:cNvSpPr txBox="1"/>
+            <p:nvPr/>
+          </p:nvSpPr>
+          <p:spPr>
+            <a:xfrm>
+              <a:off x="4373436" y="1881298"/>
+              <a:ext cx="3521842" cy="2862322"/>
+            </a:xfrm>
+            <a:prstGeom prst="rect">
+              <a:avLst/>
+            </a:prstGeom>
+            <a:noFill/>
+          </p:spPr>
+          <p:txBody>
+            <a:bodyPr wrap="square" rtlCol="0">
+              <a:spAutoFit/>
+            </a:bodyPr>
+            <a:lstStyle/>
+            <a:p>
+              <a:r>
+                <a:rPr lang="en-GB" b="1" dirty="0"/>
+                <a:t>Glasswall – Test Framework</a:t>
+              </a:r>
+            </a:p>
+            <a:p>
+              <a:endParaRPr lang="en-GB" dirty="0"/>
+            </a:p>
+            <a:p>
+              <a:r>
+                <a:rPr lang="en-GB" dirty="0"/>
+                <a:t>Leading a team to develop a core test framework, meet the needs of a client and potential to productise.</a:t>
+              </a:r>
+            </a:p>
+            <a:p>
+              <a:endParaRPr lang="en-GB" dirty="0"/>
+            </a:p>
+            <a:p>
+              <a:r>
+                <a:rPr lang="en-GB" dirty="0"/>
+                <a:t>Vast amount of knowledge gained around the cloud.</a:t>
+              </a:r>
+            </a:p>
+            <a:p>
+              <a:endParaRPr lang="en-GB" dirty="0"/>
+            </a:p>
+            <a:p>
+              <a:endParaRPr lang="en-GB" dirty="0"/>
+            </a:p>
+          </p:txBody>
+        </p:sp>
+      </p:grpSp>
+      <p:grpSp>
+        <p:nvGrpSpPr>
+          <p:cNvPr id="10" name="Group 9">
             <a:extLst>
               <a:ext uri="{FF2B5EF4-FFF2-40B4-BE49-F238E27FC236}">
-                <a16:creationId xmlns:a16="http://schemas.microsoft.com/office/drawing/2014/main" id="{F8CFDAD1-B54E-424D-AD69-0FFAD9A3A1EF}"/>
+                <a16:creationId xmlns:a16="http://schemas.microsoft.com/office/drawing/2014/main" id="{519CA3A1-F615-44F7-96E7-1A4033E5CB2E}"/>
               </a:ext>
             </a:extLst>
           </p:cNvPr>
-          <p:cNvPicPr>
-            <a:picLocks noChangeAspect="1" noChangeArrowheads="1"/>
-          </p:cNvPicPr>
+          <p:cNvGrpSpPr/>
           <p:nvPr/>
-        </p:nvPicPr>
-        <p:blipFill rotWithShape="1">
-          <a:blip r:embed="rId4">
-            <a:extLst>
-              <a:ext uri="{28A0092B-C50C-407E-A947-70E740481C1C}">
-                <a14:useLocalDpi xmlns:a14="http://schemas.microsoft.com/office/drawing/2010/main" val="0"/>
-              </a:ext>
-            </a:extLst>
-          </a:blip>
-          <a:srcRect l="51094" r="5432"/>
-          <a:stretch/>
-        </p:blipFill>
-        <p:spPr bwMode="auto">
-          <a:xfrm>
-            <a:off x="7918428" y="4179545"/>
-            <a:ext cx="3435372" cy="1975533"/>
-          </a:xfrm>
-          <a:prstGeom prst="rect">
-            <a:avLst/>
-          </a:prstGeom>
-          <a:noFill/>
-          <a:extLst>
-            <a:ext uri="{909E8E84-426E-40DD-AFC4-6F175D3DCCD1}">
-              <a14:hiddenFill xmlns:a14="http://schemas.microsoft.com/office/drawing/2010/main">
-                <a:solidFill>
-                  <a:srgbClr val="FFFFFF"/>
-                </a:solidFill>
-              </a14:hiddenFill>
-            </a:ext>
-          </a:extLst>
-        </p:spPr>
-      </p:pic>
-      <p:sp>
-        <p:nvSpPr>
-          <p:cNvPr id="9" name="TextBox 8">
-            <a:extLst>
-              <a:ext uri="{FF2B5EF4-FFF2-40B4-BE49-F238E27FC236}">
-                <a16:creationId xmlns:a16="http://schemas.microsoft.com/office/drawing/2014/main" id="{89CD1F4A-72E7-4590-AE8D-6E5F56114006}"/>
-              </a:ext>
-            </a:extLst>
-          </p:cNvPr>
-          <p:cNvSpPr txBox="1"/>
-          <p:nvPr/>
-        </p:nvSpPr>
-        <p:spPr>
+        </p:nvGrpSpPr>
+        <p:grpSpPr>
           <a:xfrm>
             <a:off x="7885522" y="1881298"/>
-            <a:ext cx="3521842" cy="2862322"/>
+            <a:ext cx="3521842" cy="4273780"/>
+            <a:chOff x="7885522" y="1881298"/>
+            <a:chExt cx="3521842" cy="4273780"/>
           </a:xfrm>
-          <a:prstGeom prst="rect">
-            <a:avLst/>
-          </a:prstGeom>
-          <a:noFill/>
-        </p:spPr>
-        <p:txBody>
-          <a:bodyPr wrap="square" rtlCol="0">
-            <a:spAutoFit/>
-          </a:bodyPr>
-          <a:lstStyle/>
-          <a:p>
-            <a:r>
-              <a:rPr lang="en-GB" b="1" dirty="0"/>
-              <a:t>University – American Football</a:t>
-            </a:r>
-          </a:p>
-          <a:p>
-            <a:endParaRPr lang="en-GB" dirty="0"/>
-          </a:p>
-          <a:p>
-            <a:r>
-              <a:rPr lang="en-GB" dirty="0"/>
-              <a:t>Leading a team to develop a core test framework, meet the needs of a client and potential to productise.</a:t>
-            </a:r>
-          </a:p>
-          <a:p>
-            <a:endParaRPr lang="en-GB" dirty="0"/>
-          </a:p>
-          <a:p>
-            <a:r>
-              <a:rPr lang="en-GB" dirty="0"/>
-              <a:t>Vast amount of knowledge gained around the cloud.</a:t>
-            </a:r>
-          </a:p>
-          <a:p>
-            <a:endParaRPr lang="en-GB" dirty="0"/>
-          </a:p>
-          <a:p>
-            <a:endParaRPr lang="en-GB" dirty="0"/>
-          </a:p>
-        </p:txBody>
-      </p:sp>
+        </p:grpSpPr>
+        <p:pic>
+          <p:nvPicPr>
+            <p:cNvPr id="8" name="Picture 4" descr="Tomas Pilvelis">
+              <a:extLst>
+                <a:ext uri="{FF2B5EF4-FFF2-40B4-BE49-F238E27FC236}">
+                  <a16:creationId xmlns:a16="http://schemas.microsoft.com/office/drawing/2014/main" id="{F8CFDAD1-B54E-424D-AD69-0FFAD9A3A1EF}"/>
+                </a:ext>
+              </a:extLst>
+            </p:cNvPr>
+            <p:cNvPicPr>
+              <a:picLocks noChangeAspect="1" noChangeArrowheads="1"/>
+            </p:cNvPicPr>
+            <p:nvPr/>
+          </p:nvPicPr>
+          <p:blipFill rotWithShape="1">
+            <a:blip r:embed="rId4">
+              <a:extLst>
+                <a:ext uri="{28A0092B-C50C-407E-A947-70E740481C1C}">
+                  <a14:useLocalDpi xmlns:a14="http://schemas.microsoft.com/office/drawing/2010/main" val="0"/>
+                </a:ext>
+              </a:extLst>
+            </a:blip>
+            <a:srcRect l="51094" r="5432"/>
+            <a:stretch/>
+          </p:blipFill>
+          <p:spPr bwMode="auto">
+            <a:xfrm>
+              <a:off x="7918428" y="4179545"/>
+              <a:ext cx="3435372" cy="1975533"/>
+            </a:xfrm>
+            <a:prstGeom prst="rect">
+              <a:avLst/>
+            </a:prstGeom>
+            <a:noFill/>
+            <a:extLst>
+              <a:ext uri="{909E8E84-426E-40DD-AFC4-6F175D3DCCD1}">
+                <a14:hiddenFill xmlns:a14="http://schemas.microsoft.com/office/drawing/2010/main">
+                  <a:solidFill>
+                    <a:srgbClr val="FFFFFF"/>
+                  </a:solidFill>
+                </a14:hiddenFill>
+              </a:ext>
+            </a:extLst>
+          </p:spPr>
+        </p:pic>
+        <p:sp>
+          <p:nvSpPr>
+            <p:cNvPr id="9" name="TextBox 8">
+              <a:extLst>
+                <a:ext uri="{FF2B5EF4-FFF2-40B4-BE49-F238E27FC236}">
+                  <a16:creationId xmlns:a16="http://schemas.microsoft.com/office/drawing/2014/main" id="{89CD1F4A-72E7-4590-AE8D-6E5F56114006}"/>
+                </a:ext>
+              </a:extLst>
+            </p:cNvPr>
+            <p:cNvSpPr txBox="1"/>
+            <p:nvPr/>
+          </p:nvSpPr>
+          <p:spPr>
+            <a:xfrm>
+              <a:off x="7885522" y="1881298"/>
+              <a:ext cx="3521842" cy="2862322"/>
+            </a:xfrm>
+            <a:prstGeom prst="rect">
+              <a:avLst/>
+            </a:prstGeom>
+            <a:noFill/>
+          </p:spPr>
+          <p:txBody>
+            <a:bodyPr wrap="square" rtlCol="0">
+              <a:spAutoFit/>
+            </a:bodyPr>
+            <a:lstStyle/>
+            <a:p>
+              <a:r>
+                <a:rPr lang="en-GB" b="1" dirty="0"/>
+                <a:t>University – American Football</a:t>
+              </a:r>
+            </a:p>
+            <a:p>
+              <a:endParaRPr lang="en-GB" dirty="0"/>
+            </a:p>
+            <a:p>
+              <a:r>
+                <a:rPr lang="en-GB" dirty="0"/>
+                <a:t>Leading a team to develop a core test framework, meet the needs of a client and potential to productise.</a:t>
+              </a:r>
+            </a:p>
+            <a:p>
+              <a:endParaRPr lang="en-GB" dirty="0"/>
+            </a:p>
+            <a:p>
+              <a:r>
+                <a:rPr lang="en-GB" dirty="0"/>
+                <a:t>Vast amount of knowledge gained around the cloud.</a:t>
+              </a:r>
+            </a:p>
+            <a:p>
+              <a:endParaRPr lang="en-GB" dirty="0"/>
+            </a:p>
+            <a:p>
+              <a:endParaRPr lang="en-GB" dirty="0"/>
+            </a:p>
+          </p:txBody>
+        </p:sp>
+      </p:grpSp>
     </p:spTree>
     <p:extLst>
       <p:ext uri="{BB962C8B-B14F-4D97-AF65-F5344CB8AC3E}">
         <p14:creationId xmlns:p14="http://schemas.microsoft.com/office/powerpoint/2010/main" val="2682580491"/>
-      </p:ext>
-    </p:extLst>
-  </p:cSld>
-  <p:clrMapOvr>
-    <a:masterClrMapping/>
-  </p:clrMapOvr>
-</p:sld>
-</file>
-
-<file path=ppt/slides/slide8.xml><?xml version="1.0" encoding="utf-8"?>
-<p:sld xmlns:a="http://schemas.openxmlformats.org/drawingml/2006/main" xmlns:r="http://schemas.openxmlformats.org/officeDocument/2006/relationships" xmlns:p="http://schemas.openxmlformats.org/presentationml/2006/main">
-  <p:cSld>
-    <p:spTree>
-      <p:nvGrpSpPr>
-        <p:cNvPr id="1" name=""/>
-        <p:cNvGrpSpPr/>
-        <p:nvPr/>
-      </p:nvGrpSpPr>
-      <p:grpSpPr>
-        <a:xfrm>
-          <a:off x="0" y="0"/>
-          <a:ext cx="0" cy="0"/>
-          <a:chOff x="0" y="0"/>
-          <a:chExt cx="0" cy="0"/>
-        </a:xfrm>
-      </p:grpSpPr>
-      <p:sp>
-        <p:nvSpPr>
-          <p:cNvPr id="2" name="Title 1">
-            <a:extLst>
-              <a:ext uri="{FF2B5EF4-FFF2-40B4-BE49-F238E27FC236}">
-                <a16:creationId xmlns:a16="http://schemas.microsoft.com/office/drawing/2014/main" id="{A24E974F-973C-42DB-9463-699C6396132E}"/>
-              </a:ext>
-            </a:extLst>
-          </p:cNvPr>
-          <p:cNvSpPr>
-            <a:spLocks noGrp="1"/>
-          </p:cNvSpPr>
-          <p:nvPr>
-            <p:ph type="title"/>
-          </p:nvPr>
-        </p:nvSpPr>
-        <p:spPr/>
-        <p:txBody>
-          <a:bodyPr/>
-          <a:lstStyle/>
-          <a:p>
-            <a:r>
-              <a:rPr lang="en-GB" dirty="0"/>
-              <a:t>Why Team Lead?</a:t>
-            </a:r>
-          </a:p>
-        </p:txBody>
-      </p:sp>
-      <p:sp>
-        <p:nvSpPr>
-          <p:cNvPr id="3" name="Content Placeholder 2">
-            <a:extLst>
-              <a:ext uri="{FF2B5EF4-FFF2-40B4-BE49-F238E27FC236}">
-                <a16:creationId xmlns:a16="http://schemas.microsoft.com/office/drawing/2014/main" id="{177BB9F6-0CB1-44EE-B001-CB4A4FB4C417}"/>
-              </a:ext>
-            </a:extLst>
-          </p:cNvPr>
-          <p:cNvSpPr>
-            <a:spLocks noGrp="1"/>
-          </p:cNvSpPr>
-          <p:nvPr>
-            <p:ph idx="1"/>
-          </p:nvPr>
-        </p:nvSpPr>
-        <p:spPr/>
-        <p:txBody>
-          <a:bodyPr/>
-          <a:lstStyle/>
-          <a:p>
-            <a:r>
-              <a:rPr lang="en-GB" dirty="0"/>
-              <a:t>Help even where I cannot</a:t>
-            </a:r>
-          </a:p>
-          <a:p>
-            <a:pPr marL="0" indent="0">
-              <a:buNone/>
-            </a:pPr>
-            <a:endParaRPr lang="en-GB" dirty="0"/>
-          </a:p>
-        </p:txBody>
-      </p:sp>
-    </p:spTree>
-    <p:extLst>
-      <p:ext uri="{BB962C8B-B14F-4D97-AF65-F5344CB8AC3E}">
-        <p14:creationId xmlns:p14="http://schemas.microsoft.com/office/powerpoint/2010/main" val="865155200"/>
       </p:ext>
     </p:extLst>
   </p:cSld>

--- a/about_me.pptx
+++ b/about_me.pptx
@@ -10506,7 +10506,7 @@
           <p:spPr>
             <a:xfrm>
               <a:off x="7885522" y="1881298"/>
-              <a:ext cx="3521842" cy="2862322"/>
+              <a:ext cx="3521842" cy="2308324"/>
             </a:xfrm>
             <a:prstGeom prst="rect">
               <a:avLst/>
@@ -10530,7 +10530,7 @@
             <a:p>
               <a:r>
                 <a:rPr lang="en-GB" dirty="0"/>
-                <a:t>Leading a team to develop a core test framework, meet the needs of a client and potential to productise.</a:t>
+                <a:t>Leading a team of defensive backs in order to work as a team, execute and win plays.</a:t>
               </a:r>
             </a:p>
             <a:p>
@@ -10539,11 +10539,8 @@
             <a:p>
               <a:r>
                 <a:rPr lang="en-GB" dirty="0"/>
-                <a:t>Vast amount of knowledge gained around the cloud.</a:t>
+                <a:t>Achieved our first win in 2 years.</a:t>
               </a:r>
-            </a:p>
-            <a:p>
-              <a:endParaRPr lang="en-GB" dirty="0"/>
             </a:p>
             <a:p>
               <a:endParaRPr lang="en-GB" dirty="0"/>
